--- a/document/勉強会.pptx
+++ b/document/勉強会.pptx
@@ -21,12 +21,15 @@
     <p:sldId id="269" r:id="rId15"/>
     <p:sldId id="270" r:id="rId16"/>
     <p:sldId id="271" r:id="rId17"/>
-    <p:sldId id="272" r:id="rId18"/>
-    <p:sldId id="273" r:id="rId19"/>
-    <p:sldId id="274" r:id="rId20"/>
-    <p:sldId id="276" r:id="rId21"/>
-    <p:sldId id="277" r:id="rId22"/>
-    <p:sldId id="275" r:id="rId23"/>
+    <p:sldId id="278" r:id="rId18"/>
+    <p:sldId id="272" r:id="rId19"/>
+    <p:sldId id="273" r:id="rId20"/>
+    <p:sldId id="274" r:id="rId21"/>
+    <p:sldId id="276" r:id="rId22"/>
+    <p:sldId id="279" r:id="rId23"/>
+    <p:sldId id="281" r:id="rId24"/>
+    <p:sldId id="282" r:id="rId25"/>
+    <p:sldId id="275" r:id="rId26"/>
   </p:sldIdLst>
   <p:sldSz cx="9144000" cy="5715000" type="screen16x10"/>
   <p:notesSz cx="6858000" cy="9144000"/>
@@ -309,7 +312,7 @@
           <a:p>
             <a:fld id="{05E4419A-AAB1-BE42-B739-7B8AEEF0CD1A}" type="datetimeFigureOut">
               <a:rPr kumimoji="1" lang="ja-JP" altLang="en-US" smtClean="0"/>
-              <a:t>16/06/06</a:t>
+              <a:t>16/06/07</a:t>
             </a:fld>
             <a:endParaRPr kumimoji="1" lang="ja-JP" altLang="en-US"/>
           </a:p>
@@ -511,7 +514,7 @@
           <a:p>
             <a:fld id="{05E4419A-AAB1-BE42-B739-7B8AEEF0CD1A}" type="datetimeFigureOut">
               <a:rPr kumimoji="1" lang="ja-JP" altLang="en-US" smtClean="0"/>
-              <a:t>16/06/06</a:t>
+              <a:t>16/06/07</a:t>
             </a:fld>
             <a:endParaRPr kumimoji="1" lang="ja-JP" altLang="en-US"/>
           </a:p>
@@ -723,7 +726,7 @@
           <a:p>
             <a:fld id="{05E4419A-AAB1-BE42-B739-7B8AEEF0CD1A}" type="datetimeFigureOut">
               <a:rPr kumimoji="1" lang="ja-JP" altLang="en-US" smtClean="0"/>
-              <a:t>16/06/06</a:t>
+              <a:t>16/06/07</a:t>
             </a:fld>
             <a:endParaRPr kumimoji="1" lang="ja-JP" altLang="en-US"/>
           </a:p>
@@ -951,7 +954,7 @@
           <a:p>
             <a:fld id="{05E4419A-AAB1-BE42-B739-7B8AEEF0CD1A}" type="datetimeFigureOut">
               <a:rPr kumimoji="1" lang="ja-JP" altLang="en-US" smtClean="0"/>
-              <a:t>16/06/06</a:t>
+              <a:t>16/06/07</a:t>
             </a:fld>
             <a:endParaRPr kumimoji="1" lang="ja-JP" altLang="en-US"/>
           </a:p>
@@ -1197,7 +1200,7 @@
           <a:p>
             <a:fld id="{05E4419A-AAB1-BE42-B739-7B8AEEF0CD1A}" type="datetimeFigureOut">
               <a:rPr kumimoji="1" lang="ja-JP" altLang="en-US" smtClean="0"/>
-              <a:t>16/06/06</a:t>
+              <a:t>16/06/07</a:t>
             </a:fld>
             <a:endParaRPr kumimoji="1" lang="ja-JP" altLang="en-US"/>
           </a:p>
@@ -1549,7 +1552,7 @@
           <a:p>
             <a:fld id="{05E4419A-AAB1-BE42-B739-7B8AEEF0CD1A}" type="datetimeFigureOut">
               <a:rPr kumimoji="1" lang="ja-JP" altLang="en-US" smtClean="0"/>
-              <a:t>16/06/06</a:t>
+              <a:t>16/06/07</a:t>
             </a:fld>
             <a:endParaRPr kumimoji="1" lang="ja-JP" altLang="en-US"/>
           </a:p>
@@ -2035,7 +2038,7 @@
           <a:p>
             <a:fld id="{05E4419A-AAB1-BE42-B739-7B8AEEF0CD1A}" type="datetimeFigureOut">
               <a:rPr kumimoji="1" lang="ja-JP" altLang="en-US" smtClean="0"/>
-              <a:t>16/06/06</a:t>
+              <a:t>16/06/07</a:t>
             </a:fld>
             <a:endParaRPr kumimoji="1" lang="ja-JP" altLang="en-US"/>
           </a:p>
@@ -2153,7 +2156,7 @@
           <a:p>
             <a:fld id="{05E4419A-AAB1-BE42-B739-7B8AEEF0CD1A}" type="datetimeFigureOut">
               <a:rPr kumimoji="1" lang="ja-JP" altLang="en-US" smtClean="0"/>
-              <a:t>16/06/06</a:t>
+              <a:t>16/06/07</a:t>
             </a:fld>
             <a:endParaRPr kumimoji="1" lang="ja-JP" altLang="en-US"/>
           </a:p>
@@ -2248,7 +2251,7 @@
           <a:p>
             <a:fld id="{05E4419A-AAB1-BE42-B739-7B8AEEF0CD1A}" type="datetimeFigureOut">
               <a:rPr kumimoji="1" lang="ja-JP" altLang="en-US" smtClean="0"/>
-              <a:t>16/06/06</a:t>
+              <a:t>16/06/07</a:t>
             </a:fld>
             <a:endParaRPr kumimoji="1" lang="ja-JP" altLang="en-US"/>
           </a:p>
@@ -2557,7 +2560,7 @@
           <a:p>
             <a:fld id="{05E4419A-AAB1-BE42-B739-7B8AEEF0CD1A}" type="datetimeFigureOut">
               <a:rPr kumimoji="1" lang="ja-JP" altLang="en-US" smtClean="0"/>
-              <a:t>16/06/06</a:t>
+              <a:t>16/06/07</a:t>
             </a:fld>
             <a:endParaRPr kumimoji="1" lang="ja-JP" altLang="en-US"/>
           </a:p>
@@ -2810,7 +2813,7 @@
           <a:p>
             <a:fld id="{05E4419A-AAB1-BE42-B739-7B8AEEF0CD1A}" type="datetimeFigureOut">
               <a:rPr kumimoji="1" lang="ja-JP" altLang="en-US" smtClean="0"/>
-              <a:t>16/06/06</a:t>
+              <a:t>16/06/07</a:t>
             </a:fld>
             <a:endParaRPr kumimoji="1" lang="ja-JP" altLang="en-US"/>
           </a:p>
@@ -3055,7 +3058,7 @@
           <a:p>
             <a:fld id="{05E4419A-AAB1-BE42-B739-7B8AEEF0CD1A}" type="datetimeFigureOut">
               <a:rPr kumimoji="1" lang="ja-JP" altLang="en-US" smtClean="0"/>
-              <a:t>16/06/06</a:t>
+              <a:t>16/06/07</a:t>
             </a:fld>
             <a:endParaRPr kumimoji="1" lang="ja-JP" altLang="en-US"/>
           </a:p>
@@ -8991,12 +8994,17 @@
             </a:r>
             <a:r>
               <a:rPr kumimoji="1" lang="ja-JP" altLang="en-US" dirty="0" smtClean="0"/>
-              <a:t>アプリの単体テスト自動実行</a:t>
-            </a:r>
-            <a:r>
-              <a:rPr kumimoji="1" lang="en-US" altLang="ja-JP" dirty="0" smtClean="0"/>
-              <a:t>Framework</a:t>
-            </a:r>
+              <a:t>アプリの単体テスト自動</a:t>
+            </a:r>
+            <a:r>
+              <a:rPr kumimoji="1" lang="ja-JP" altLang="en-US" dirty="0" smtClean="0"/>
+              <a:t>実行</a:t>
+            </a:r>
+            <a:r>
+              <a:rPr lang="ja-JP" altLang="en-US" dirty="0" smtClean="0"/>
+              <a:t>フレームワーク</a:t>
+            </a:r>
+            <a:endParaRPr kumimoji="1" lang="en-US" altLang="ja-JP" dirty="0" smtClean="0"/>
           </a:p>
           <a:p>
             <a:r>
@@ -9058,7 +9066,7 @@
             </a:r>
             <a:r>
               <a:rPr kumimoji="1" lang="ja-JP" altLang="en-US" dirty="0" smtClean="0"/>
-              <a:t>導入方法</a:t>
+              <a:t>の実行例</a:t>
             </a:r>
             <a:endParaRPr kumimoji="1" lang="ja-JP" altLang="en-US" dirty="0"/>
           </a:p>
@@ -9079,21 +9087,14 @@
           <a:bodyPr/>
           <a:lstStyle/>
           <a:p>
-            <a:pPr marL="0" indent="0">
-              <a:buNone/>
-            </a:pPr>
-            <a:r>
-              <a:rPr lang="en-US" altLang="ja-JP" dirty="0" smtClean="0"/>
-              <a:t>1. </a:t>
-            </a:r>
-            <a:endParaRPr kumimoji="1" lang="ja-JP" altLang="en-US" dirty="0"/>
+            <a:endParaRPr kumimoji="1" lang="ja-JP" altLang="en-US"/>
           </a:p>
         </p:txBody>
       </p:sp>
     </p:spTree>
     <p:extLst>
       <p:ext uri="{BB962C8B-B14F-4D97-AF65-F5344CB8AC3E}">
-        <p14:creationId xmlns:p14="http://schemas.microsoft.com/office/powerpoint/2010/main" val="1735274476"/>
+        <p14:creationId xmlns:p14="http://schemas.microsoft.com/office/powerpoint/2010/main" val="1684486565"/>
       </p:ext>
     </p:extLst>
   </p:cSld>
@@ -9136,8 +9137,12 @@
           <a:lstStyle/>
           <a:p>
             <a:r>
+              <a:rPr kumimoji="1" lang="en-US" altLang="ja-JP" dirty="0" err="1" smtClean="0"/>
+              <a:t>MSTest</a:t>
+            </a:r>
+            <a:r>
               <a:rPr kumimoji="1" lang="ja-JP" altLang="en-US" dirty="0" smtClean="0"/>
-              <a:t>本日の内容</a:t>
+              <a:t>導入方法</a:t>
             </a:r>
             <a:endParaRPr kumimoji="1" lang="ja-JP" altLang="en-US" dirty="0"/>
           </a:p>
@@ -9158,62 +9163,12 @@
           <a:bodyPr/>
           <a:lstStyle/>
           <a:p>
-            <a:r>
-              <a:rPr kumimoji="1" lang="ja-JP" altLang="en-US" dirty="0" smtClean="0"/>
-              <a:t>その前に対象の</a:t>
-            </a:r>
-            <a:r>
-              <a:rPr kumimoji="1" lang="en-US" altLang="ja-JP" dirty="0" smtClean="0"/>
-              <a:t>Web</a:t>
-            </a:r>
-            <a:r>
-              <a:rPr kumimoji="1" lang="ja-JP" altLang="en-US" dirty="0" smtClean="0"/>
-              <a:t>アプリについて</a:t>
-            </a:r>
-            <a:endParaRPr kumimoji="1" lang="en-US" altLang="ja-JP" dirty="0" smtClean="0"/>
-          </a:p>
-          <a:p>
-            <a:r>
-              <a:rPr lang="en-US" altLang="ja-JP" dirty="0" err="1" smtClean="0">
-                <a:solidFill>
-                  <a:srgbClr val="FF0000"/>
-                </a:solidFill>
-              </a:rPr>
-              <a:t>MSTest</a:t>
-            </a:r>
-            <a:r>
-              <a:rPr lang="ja-JP" altLang="en-US" dirty="0" smtClean="0">
-                <a:solidFill>
-                  <a:srgbClr val="FF0000"/>
-                </a:solidFill>
-              </a:rPr>
-              <a:t>って？</a:t>
-            </a:r>
-            <a:endParaRPr lang="en-US" altLang="ja-JP" dirty="0" smtClean="0">
-              <a:solidFill>
-                <a:srgbClr val="FF0000"/>
-              </a:solidFill>
-            </a:endParaRPr>
-          </a:p>
-          <a:p>
-            <a:r>
-              <a:rPr kumimoji="1" lang="en-US" altLang="ja-JP" dirty="0" err="1" smtClean="0"/>
-              <a:t>Moq</a:t>
-            </a:r>
-            <a:r>
-              <a:rPr kumimoji="1" lang="ja-JP" altLang="en-US" dirty="0" smtClean="0"/>
-              <a:t>とは</a:t>
-            </a:r>
-            <a:endParaRPr kumimoji="1" lang="en-US" altLang="ja-JP" dirty="0" smtClean="0"/>
-          </a:p>
-          <a:p>
+            <a:pPr marL="0" indent="0">
+              <a:buNone/>
+            </a:pPr>
             <a:r>
               <a:rPr lang="en-US" altLang="ja-JP" dirty="0" smtClean="0"/>
-              <a:t>DI</a:t>
-            </a:r>
-            <a:r>
-              <a:rPr lang="ja-JP" altLang="en-US" dirty="0" smtClean="0"/>
-              <a:t>の存在意味</a:t>
+              <a:t>1. </a:t>
             </a:r>
             <a:endParaRPr kumimoji="1" lang="ja-JP" altLang="en-US" dirty="0"/>
           </a:p>
@@ -9222,20 +9177,13 @@
     </p:spTree>
     <p:extLst>
       <p:ext uri="{BB962C8B-B14F-4D97-AF65-F5344CB8AC3E}">
-        <p14:creationId xmlns:p14="http://schemas.microsoft.com/office/powerpoint/2010/main" val="2747967890"/>
+        <p14:creationId xmlns:p14="http://schemas.microsoft.com/office/powerpoint/2010/main" val="1735274476"/>
       </p:ext>
     </p:extLst>
   </p:cSld>
   <p:clrMapOvr>
     <a:masterClrMapping/>
   </p:clrMapOvr>
-  <p:timing>
-    <p:tnLst>
-      <p:par>
-        <p:cTn xmlns:p14="http://schemas.microsoft.com/office/powerpoint/2010/main" id="1" dur="indefinite" restart="never" nodeType="tmRoot"/>
-      </p:par>
-    </p:tnLst>
-  </p:timing>
 </p:sld>
 </file>
 
@@ -9310,33 +9258,22 @@
           </a:p>
           <a:p>
             <a:r>
-              <a:rPr lang="en-US" altLang="ja-JP" dirty="0" err="1" smtClean="0"/>
-              <a:t>MSTest</a:t>
-            </a:r>
-            <a:r>
-              <a:rPr lang="ja-JP" altLang="en-US" dirty="0" smtClean="0"/>
-              <a:t>って？</a:t>
-            </a:r>
-            <a:endParaRPr lang="en-US" altLang="ja-JP" dirty="0" smtClean="0"/>
-          </a:p>
-          <a:p>
-            <a:r>
-              <a:rPr kumimoji="1" lang="en-US" altLang="ja-JP" dirty="0" err="1" smtClean="0">
+              <a:rPr lang="en-US" altLang="ja-JP" dirty="0" err="1" smtClean="0">
                 <a:solidFill>
                   <a:srgbClr val="FF0000"/>
                 </a:solidFill>
               </a:rPr>
-              <a:t>Moq</a:t>
-            </a:r>
-            <a:r>
-              <a:rPr kumimoji="1" lang="ja-JP" altLang="en-US" dirty="0" smtClean="0">
+              <a:t>MSTest</a:t>
+            </a:r>
+            <a:r>
+              <a:rPr lang="ja-JP" altLang="en-US" dirty="0" smtClean="0">
                 <a:solidFill>
                   <a:srgbClr val="FF0000"/>
                 </a:solidFill>
               </a:rPr>
-              <a:t>とは</a:t>
-            </a:r>
-            <a:endParaRPr kumimoji="1" lang="en-US" altLang="ja-JP" dirty="0" smtClean="0">
+              <a:t>って？</a:t>
+            </a:r>
+            <a:endParaRPr lang="en-US" altLang="ja-JP" dirty="0" smtClean="0">
               <a:solidFill>
                 <a:srgbClr val="FF0000"/>
               </a:solidFill>
@@ -9344,6 +9281,17 @@
           </a:p>
           <a:p>
             <a:r>
+              <a:rPr kumimoji="1" lang="en-US" altLang="ja-JP" dirty="0" err="1" smtClean="0"/>
+              <a:t>Moq</a:t>
+            </a:r>
+            <a:r>
+              <a:rPr kumimoji="1" lang="ja-JP" altLang="en-US" dirty="0" smtClean="0"/>
+              <a:t>とは</a:t>
+            </a:r>
+            <a:endParaRPr kumimoji="1" lang="en-US" altLang="ja-JP" dirty="0" smtClean="0"/>
+          </a:p>
+          <a:p>
+            <a:r>
               <a:rPr lang="en-US" altLang="ja-JP" dirty="0" smtClean="0"/>
               <a:t>DI</a:t>
             </a:r>
@@ -9358,7 +9306,7 @@
     </p:spTree>
     <p:extLst>
       <p:ext uri="{BB962C8B-B14F-4D97-AF65-F5344CB8AC3E}">
-        <p14:creationId xmlns:p14="http://schemas.microsoft.com/office/powerpoint/2010/main" val="3467715661"/>
+        <p14:creationId xmlns:p14="http://schemas.microsoft.com/office/powerpoint/2010/main" val="2747967890"/>
       </p:ext>
     </p:extLst>
   </p:cSld>
@@ -9503,12 +9451,8 @@
           <a:lstStyle/>
           <a:p>
             <a:r>
-              <a:rPr kumimoji="1" lang="en-US" altLang="ja-JP" dirty="0" err="1" smtClean="0"/>
-              <a:t>Moq</a:t>
-            </a:r>
-            <a:r>
               <a:rPr kumimoji="1" lang="ja-JP" altLang="en-US" dirty="0" smtClean="0"/>
-              <a:t>とは</a:t>
+              <a:t>本日の内容</a:t>
             </a:r>
             <a:endParaRPr kumimoji="1" lang="ja-JP" altLang="en-US" dirty="0"/>
           </a:p>
@@ -9530,12 +9474,61 @@
           <a:lstStyle/>
           <a:p>
             <a:r>
+              <a:rPr kumimoji="1" lang="ja-JP" altLang="en-US" dirty="0" smtClean="0"/>
+              <a:t>その前に対象の</a:t>
+            </a:r>
+            <a:r>
               <a:rPr kumimoji="1" lang="en-US" altLang="ja-JP" dirty="0" smtClean="0"/>
-              <a:t>.NET</a:t>
+              <a:t>Web</a:t>
             </a:r>
             <a:r>
               <a:rPr kumimoji="1" lang="ja-JP" altLang="en-US" dirty="0" smtClean="0"/>
-              <a:t>で使える、オブジェクトをモック化するライブラリ</a:t>
+              <a:t>アプリについて</a:t>
+            </a:r>
+            <a:endParaRPr kumimoji="1" lang="en-US" altLang="ja-JP" dirty="0" smtClean="0"/>
+          </a:p>
+          <a:p>
+            <a:r>
+              <a:rPr lang="en-US" altLang="ja-JP" dirty="0" err="1" smtClean="0"/>
+              <a:t>MSTest</a:t>
+            </a:r>
+            <a:r>
+              <a:rPr lang="ja-JP" altLang="en-US" dirty="0" smtClean="0"/>
+              <a:t>って？</a:t>
+            </a:r>
+            <a:endParaRPr lang="en-US" altLang="ja-JP" dirty="0" smtClean="0"/>
+          </a:p>
+          <a:p>
+            <a:r>
+              <a:rPr kumimoji="1" lang="en-US" altLang="ja-JP" dirty="0" err="1" smtClean="0">
+                <a:solidFill>
+                  <a:srgbClr val="FF0000"/>
+                </a:solidFill>
+              </a:rPr>
+              <a:t>Moq</a:t>
+            </a:r>
+            <a:r>
+              <a:rPr kumimoji="1" lang="ja-JP" altLang="en-US" dirty="0" smtClean="0">
+                <a:solidFill>
+                  <a:srgbClr val="FF0000"/>
+                </a:solidFill>
+              </a:rPr>
+              <a:t>とは</a:t>
+            </a:r>
+            <a:endParaRPr kumimoji="1" lang="en-US" altLang="ja-JP" dirty="0" smtClean="0">
+              <a:solidFill>
+                <a:srgbClr val="FF0000"/>
+              </a:solidFill>
+            </a:endParaRPr>
+          </a:p>
+          <a:p>
+            <a:r>
+              <a:rPr lang="en-US" altLang="ja-JP" dirty="0" smtClean="0"/>
+              <a:t>DI</a:t>
+            </a:r>
+            <a:r>
+              <a:rPr lang="ja-JP" altLang="en-US" dirty="0" smtClean="0"/>
+              <a:t>の存在意味</a:t>
             </a:r>
             <a:endParaRPr kumimoji="1" lang="ja-JP" altLang="en-US" dirty="0"/>
           </a:p>
@@ -9544,13 +9537,20 @@
     </p:spTree>
     <p:extLst>
       <p:ext uri="{BB962C8B-B14F-4D97-AF65-F5344CB8AC3E}">
-        <p14:creationId xmlns:p14="http://schemas.microsoft.com/office/powerpoint/2010/main" val="968637767"/>
+        <p14:creationId xmlns:p14="http://schemas.microsoft.com/office/powerpoint/2010/main" val="3467715661"/>
       </p:ext>
     </p:extLst>
   </p:cSld>
   <p:clrMapOvr>
     <a:masterClrMapping/>
   </p:clrMapOvr>
+  <p:timing>
+    <p:tnLst>
+      <p:par>
+        <p:cTn xmlns:p14="http://schemas.microsoft.com/office/powerpoint/2010/main" id="1" dur="indefinite" restart="never" nodeType="tmRoot"/>
+      </p:par>
+    </p:tnLst>
+  </p:timing>
 </p:sld>
 </file>
 
@@ -9628,7 +9628,7 @@
     </p:spTree>
     <p:extLst>
       <p:ext uri="{BB962C8B-B14F-4D97-AF65-F5344CB8AC3E}">
-        <p14:creationId xmlns:p14="http://schemas.microsoft.com/office/powerpoint/2010/main" val="1173516062"/>
+        <p14:creationId xmlns:p14="http://schemas.microsoft.com/office/powerpoint/2010/main" val="968637767"/>
       </p:ext>
     </p:extLst>
   </p:cSld>
@@ -9639,6 +9639,890 @@
 </file>
 
 <file path=ppt/slides/slide22.xml><?xml version="1.0" encoding="utf-8"?>
+<p:sld xmlns:a="http://schemas.openxmlformats.org/drawingml/2006/main" xmlns:r="http://schemas.openxmlformats.org/officeDocument/2006/relationships" xmlns:p="http://schemas.openxmlformats.org/presentationml/2006/main">
+  <p:cSld>
+    <p:spTree>
+      <p:nvGrpSpPr>
+        <p:cNvPr id="1" name=""/>
+        <p:cNvGrpSpPr/>
+        <p:nvPr/>
+      </p:nvGrpSpPr>
+      <p:grpSpPr>
+        <a:xfrm>
+          <a:off x="0" y="0"/>
+          <a:ext cx="0" cy="0"/>
+          <a:chOff x="0" y="0"/>
+          <a:chExt cx="0" cy="0"/>
+        </a:xfrm>
+      </p:grpSpPr>
+      <p:sp>
+        <p:nvSpPr>
+          <p:cNvPr id="2" name="タイトル 1"/>
+          <p:cNvSpPr>
+            <a:spLocks noGrp="1"/>
+          </p:cNvSpPr>
+          <p:nvPr>
+            <p:ph type="title"/>
+          </p:nvPr>
+        </p:nvSpPr>
+        <p:spPr/>
+        <p:txBody>
+          <a:bodyPr/>
+          <a:lstStyle/>
+          <a:p>
+            <a:r>
+              <a:rPr lang="ja-JP" altLang="ja-JP" dirty="0" smtClean="0"/>
+              <a:t>M</a:t>
+            </a:r>
+            <a:r>
+              <a:rPr lang="en-US" altLang="ja-JP" dirty="0" err="1" smtClean="0"/>
+              <a:t>oq</a:t>
+            </a:r>
+            <a:r>
+              <a:rPr lang="ja-JP" altLang="en-US" dirty="0" smtClean="0"/>
+              <a:t>使用例</a:t>
+            </a:r>
+            <a:endParaRPr kumimoji="1" lang="ja-JP" altLang="en-US" dirty="0"/>
+          </a:p>
+        </p:txBody>
+      </p:sp>
+      <p:sp>
+        <p:nvSpPr>
+          <p:cNvPr id="3" name="コンテンツ プレースホルダー 2"/>
+          <p:cNvSpPr>
+            <a:spLocks noGrp="1"/>
+          </p:cNvSpPr>
+          <p:nvPr>
+            <p:ph idx="1"/>
+          </p:nvPr>
+        </p:nvSpPr>
+        <p:spPr/>
+        <p:txBody>
+          <a:bodyPr/>
+          <a:lstStyle/>
+          <a:p>
+            <a:r>
+              <a:rPr kumimoji="1" lang="en-US" altLang="ja-JP" dirty="0" smtClean="0"/>
+              <a:t>Model</a:t>
+            </a:r>
+            <a:r>
+              <a:rPr kumimoji="1" lang="ja-JP" altLang="en-US" dirty="0" smtClean="0"/>
+              <a:t>層が</a:t>
+            </a:r>
+            <a:r>
+              <a:rPr kumimoji="1" lang="en-US" altLang="ja-JP" dirty="0" smtClean="0"/>
+              <a:t>Service-DAO</a:t>
+            </a:r>
+            <a:endParaRPr kumimoji="1" lang="ja-JP" altLang="en-US" dirty="0"/>
+          </a:p>
+        </p:txBody>
+      </p:sp>
+      <p:sp>
+        <p:nvSpPr>
+          <p:cNvPr id="4" name="円/楕円 3"/>
+          <p:cNvSpPr/>
+          <p:nvPr/>
+        </p:nvSpPr>
+        <p:spPr>
+          <a:xfrm>
+            <a:off x="1579830" y="2441365"/>
+            <a:ext cx="2280991" cy="1417961"/>
+          </a:xfrm>
+          <a:prstGeom prst="ellipse">
+            <a:avLst/>
+          </a:prstGeom>
+        </p:spPr>
+        <p:style>
+          <a:lnRef idx="1">
+            <a:schemeClr val="accent6"/>
+          </a:lnRef>
+          <a:fillRef idx="3">
+            <a:schemeClr val="accent6"/>
+          </a:fillRef>
+          <a:effectRef idx="2">
+            <a:schemeClr val="accent6"/>
+          </a:effectRef>
+          <a:fontRef idx="minor">
+            <a:schemeClr val="lt1"/>
+          </a:fontRef>
+        </p:style>
+        <p:txBody>
+          <a:bodyPr rtlCol="0" anchor="ctr"/>
+          <a:lstStyle/>
+          <a:p>
+            <a:pPr algn="ctr"/>
+            <a:r>
+              <a:rPr lang="en-US" altLang="ja-JP" sz="2800" b="1" dirty="0" smtClean="0"/>
+              <a:t>Service</a:t>
+            </a:r>
+            <a:endParaRPr kumimoji="1" lang="ja-JP" altLang="en-US" sz="2800" b="1" dirty="0"/>
+          </a:p>
+        </p:txBody>
+      </p:sp>
+      <p:sp>
+        <p:nvSpPr>
+          <p:cNvPr id="5" name="円/楕円 4"/>
+          <p:cNvSpPr/>
+          <p:nvPr/>
+        </p:nvSpPr>
+        <p:spPr>
+          <a:xfrm>
+            <a:off x="5283179" y="2441365"/>
+            <a:ext cx="2280991" cy="1417961"/>
+          </a:xfrm>
+          <a:prstGeom prst="ellipse">
+            <a:avLst/>
+          </a:prstGeom>
+        </p:spPr>
+        <p:style>
+          <a:lnRef idx="1">
+            <a:schemeClr val="accent6"/>
+          </a:lnRef>
+          <a:fillRef idx="3">
+            <a:schemeClr val="accent6"/>
+          </a:fillRef>
+          <a:effectRef idx="2">
+            <a:schemeClr val="accent6"/>
+          </a:effectRef>
+          <a:fontRef idx="minor">
+            <a:schemeClr val="lt1"/>
+          </a:fontRef>
+        </p:style>
+        <p:txBody>
+          <a:bodyPr rtlCol="0" anchor="ctr"/>
+          <a:lstStyle/>
+          <a:p>
+            <a:pPr algn="ctr"/>
+            <a:r>
+              <a:rPr lang="en-US" altLang="ja-JP" sz="2800" b="1" dirty="0" smtClean="0"/>
+              <a:t>DAO</a:t>
+            </a:r>
+            <a:endParaRPr kumimoji="1" lang="ja-JP" altLang="en-US" sz="2800" b="1" dirty="0"/>
+          </a:p>
+        </p:txBody>
+      </p:sp>
+      <p:cxnSp>
+        <p:nvCxnSpPr>
+          <p:cNvPr id="7" name="直線コネクタ 6"/>
+          <p:cNvCxnSpPr>
+            <a:stCxn id="9" idx="1"/>
+            <a:endCxn id="4" idx="4"/>
+          </p:cNvCxnSpPr>
+          <p:nvPr/>
+        </p:nvCxnSpPr>
+        <p:spPr>
+          <a:xfrm flipH="1" flipV="1">
+            <a:off x="2720326" y="3859326"/>
+            <a:ext cx="1045221" cy="360056"/>
+          </a:xfrm>
+          <a:prstGeom prst="line">
+            <a:avLst/>
+          </a:prstGeom>
+          <a:ln w="57150" cmpd="sng">
+            <a:solidFill>
+              <a:schemeClr val="tx1"/>
+            </a:solidFill>
+          </a:ln>
+        </p:spPr>
+        <p:style>
+          <a:lnRef idx="2">
+            <a:schemeClr val="accent1"/>
+          </a:lnRef>
+          <a:fillRef idx="0">
+            <a:schemeClr val="accent1"/>
+          </a:fillRef>
+          <a:effectRef idx="1">
+            <a:schemeClr val="accent1"/>
+          </a:effectRef>
+          <a:fontRef idx="minor">
+            <a:schemeClr val="tx1"/>
+          </a:fontRef>
+        </p:style>
+      </p:cxnSp>
+      <p:sp>
+        <p:nvSpPr>
+          <p:cNvPr id="9" name="円/楕円 8"/>
+          <p:cNvSpPr/>
+          <p:nvPr/>
+        </p:nvSpPr>
+        <p:spPr>
+          <a:xfrm>
+            <a:off x="3431504" y="4011726"/>
+            <a:ext cx="2280991" cy="1417961"/>
+          </a:xfrm>
+          <a:prstGeom prst="ellipse">
+            <a:avLst/>
+          </a:prstGeom>
+        </p:spPr>
+        <p:style>
+          <a:lnRef idx="1">
+            <a:schemeClr val="accent2"/>
+          </a:lnRef>
+          <a:fillRef idx="3">
+            <a:schemeClr val="accent2"/>
+          </a:fillRef>
+          <a:effectRef idx="2">
+            <a:schemeClr val="accent2"/>
+          </a:effectRef>
+          <a:fontRef idx="minor">
+            <a:schemeClr val="lt1"/>
+          </a:fontRef>
+        </p:style>
+        <p:txBody>
+          <a:bodyPr rtlCol="0" anchor="ctr"/>
+          <a:lstStyle/>
+          <a:p>
+            <a:pPr algn="ctr"/>
+            <a:r>
+              <a:rPr lang="en-US" altLang="ja-JP" sz="2800" b="1" dirty="0" smtClean="0"/>
+              <a:t>IDAO</a:t>
+            </a:r>
+            <a:endParaRPr kumimoji="1" lang="ja-JP" altLang="en-US" sz="2800" b="1" dirty="0"/>
+          </a:p>
+        </p:txBody>
+      </p:sp>
+      <p:cxnSp>
+        <p:nvCxnSpPr>
+          <p:cNvPr id="14" name="直線コネクタ 13"/>
+          <p:cNvCxnSpPr>
+            <a:stCxn id="5" idx="4"/>
+            <a:endCxn id="9" idx="7"/>
+          </p:cNvCxnSpPr>
+          <p:nvPr/>
+        </p:nvCxnSpPr>
+        <p:spPr>
+          <a:xfrm flipH="1">
+            <a:off x="5378452" y="3859326"/>
+            <a:ext cx="1045223" cy="360056"/>
+          </a:xfrm>
+          <a:prstGeom prst="line">
+            <a:avLst/>
+          </a:prstGeom>
+          <a:ln w="57150" cmpd="sng">
+            <a:solidFill>
+              <a:schemeClr val="tx1"/>
+            </a:solidFill>
+          </a:ln>
+        </p:spPr>
+        <p:style>
+          <a:lnRef idx="2">
+            <a:schemeClr val="accent1"/>
+          </a:lnRef>
+          <a:fillRef idx="0">
+            <a:schemeClr val="accent1"/>
+          </a:fillRef>
+          <a:effectRef idx="1">
+            <a:schemeClr val="accent1"/>
+          </a:effectRef>
+          <a:fontRef idx="minor">
+            <a:schemeClr val="tx1"/>
+          </a:fontRef>
+        </p:style>
+      </p:cxnSp>
+      <p:sp>
+        <p:nvSpPr>
+          <p:cNvPr id="17" name="円/楕円 16"/>
+          <p:cNvSpPr/>
+          <p:nvPr/>
+        </p:nvSpPr>
+        <p:spPr>
+          <a:xfrm>
+            <a:off x="3156398" y="3859326"/>
+            <a:ext cx="2823497" cy="1763198"/>
+          </a:xfrm>
+          <a:prstGeom prst="ellipse">
+            <a:avLst/>
+          </a:prstGeom>
+          <a:noFill/>
+          <a:ln w="76200" cmpd="sng">
+            <a:solidFill>
+              <a:srgbClr val="FF0000"/>
+            </a:solidFill>
+          </a:ln>
+        </p:spPr>
+        <p:style>
+          <a:lnRef idx="1">
+            <a:schemeClr val="accent1"/>
+          </a:lnRef>
+          <a:fillRef idx="3">
+            <a:schemeClr val="accent1"/>
+          </a:fillRef>
+          <a:effectRef idx="2">
+            <a:schemeClr val="accent1"/>
+          </a:effectRef>
+          <a:fontRef idx="minor">
+            <a:schemeClr val="lt1"/>
+          </a:fontRef>
+        </p:style>
+        <p:txBody>
+          <a:bodyPr rtlCol="0" anchor="ctr"/>
+          <a:lstStyle/>
+          <a:p>
+            <a:pPr algn="ctr"/>
+            <a:endParaRPr kumimoji="1" lang="ja-JP" altLang="en-US"/>
+          </a:p>
+        </p:txBody>
+      </p:sp>
+    </p:spTree>
+    <p:extLst>
+      <p:ext uri="{BB962C8B-B14F-4D97-AF65-F5344CB8AC3E}">
+        <p14:creationId xmlns:p14="http://schemas.microsoft.com/office/powerpoint/2010/main" val="1286418506"/>
+      </p:ext>
+    </p:extLst>
+  </p:cSld>
+  <p:clrMapOvr>
+    <a:masterClrMapping/>
+  </p:clrMapOvr>
+</p:sld>
+</file>
+
+<file path=ppt/slides/slide23.xml><?xml version="1.0" encoding="utf-8"?>
+<p:sld xmlns:a="http://schemas.openxmlformats.org/drawingml/2006/main" xmlns:r="http://schemas.openxmlformats.org/officeDocument/2006/relationships" xmlns:p="http://schemas.openxmlformats.org/presentationml/2006/main">
+  <p:cSld>
+    <p:spTree>
+      <p:nvGrpSpPr>
+        <p:cNvPr id="1" name=""/>
+        <p:cNvGrpSpPr/>
+        <p:nvPr/>
+      </p:nvGrpSpPr>
+      <p:grpSpPr>
+        <a:xfrm>
+          <a:off x="0" y="0"/>
+          <a:ext cx="0" cy="0"/>
+          <a:chOff x="0" y="0"/>
+          <a:chExt cx="0" cy="0"/>
+        </a:xfrm>
+      </p:grpSpPr>
+      <p:sp>
+        <p:nvSpPr>
+          <p:cNvPr id="2" name="タイトル 1"/>
+          <p:cNvSpPr>
+            <a:spLocks noGrp="1"/>
+          </p:cNvSpPr>
+          <p:nvPr>
+            <p:ph type="title"/>
+          </p:nvPr>
+        </p:nvSpPr>
+        <p:spPr/>
+        <p:txBody>
+          <a:bodyPr/>
+          <a:lstStyle/>
+          <a:p>
+            <a:r>
+              <a:rPr lang="ja-JP" altLang="ja-JP" dirty="0" smtClean="0"/>
+              <a:t>M</a:t>
+            </a:r>
+            <a:r>
+              <a:rPr lang="en-US" altLang="ja-JP" dirty="0" err="1" smtClean="0"/>
+              <a:t>oq</a:t>
+            </a:r>
+            <a:r>
+              <a:rPr lang="ja-JP" altLang="en-US" dirty="0" smtClean="0"/>
+              <a:t>使用例</a:t>
+            </a:r>
+            <a:endParaRPr kumimoji="1" lang="ja-JP" altLang="en-US" dirty="0"/>
+          </a:p>
+        </p:txBody>
+      </p:sp>
+      <p:sp>
+        <p:nvSpPr>
+          <p:cNvPr id="3" name="コンテンツ プレースホルダー 2"/>
+          <p:cNvSpPr>
+            <a:spLocks noGrp="1"/>
+          </p:cNvSpPr>
+          <p:nvPr>
+            <p:ph idx="1"/>
+          </p:nvPr>
+        </p:nvSpPr>
+        <p:spPr/>
+        <p:txBody>
+          <a:bodyPr/>
+          <a:lstStyle/>
+          <a:p>
+            <a:r>
+              <a:rPr kumimoji="1" lang="en-US" altLang="ja-JP" dirty="0" smtClean="0"/>
+              <a:t>Model</a:t>
+            </a:r>
+            <a:r>
+              <a:rPr kumimoji="1" lang="ja-JP" altLang="en-US" dirty="0" smtClean="0"/>
+              <a:t>層が</a:t>
+            </a:r>
+            <a:r>
+              <a:rPr kumimoji="1" lang="en-US" altLang="ja-JP" dirty="0" smtClean="0"/>
+              <a:t>Service-DAO</a:t>
+            </a:r>
+            <a:endParaRPr kumimoji="1" lang="ja-JP" altLang="en-US" dirty="0"/>
+          </a:p>
+        </p:txBody>
+      </p:sp>
+      <p:sp>
+        <p:nvSpPr>
+          <p:cNvPr id="4" name="円/楕円 3"/>
+          <p:cNvSpPr/>
+          <p:nvPr/>
+        </p:nvSpPr>
+        <p:spPr>
+          <a:xfrm>
+            <a:off x="1579830" y="2441365"/>
+            <a:ext cx="2280991" cy="1417961"/>
+          </a:xfrm>
+          <a:prstGeom prst="ellipse">
+            <a:avLst/>
+          </a:prstGeom>
+        </p:spPr>
+        <p:style>
+          <a:lnRef idx="1">
+            <a:schemeClr val="accent6"/>
+          </a:lnRef>
+          <a:fillRef idx="3">
+            <a:schemeClr val="accent6"/>
+          </a:fillRef>
+          <a:effectRef idx="2">
+            <a:schemeClr val="accent6"/>
+          </a:effectRef>
+          <a:fontRef idx="minor">
+            <a:schemeClr val="lt1"/>
+          </a:fontRef>
+        </p:style>
+        <p:txBody>
+          <a:bodyPr rtlCol="0" anchor="ctr"/>
+          <a:lstStyle/>
+          <a:p>
+            <a:pPr algn="ctr"/>
+            <a:r>
+              <a:rPr lang="en-US" altLang="ja-JP" sz="2800" b="1" dirty="0" smtClean="0"/>
+              <a:t>Service</a:t>
+            </a:r>
+            <a:endParaRPr kumimoji="1" lang="ja-JP" altLang="en-US" sz="2800" b="1" dirty="0"/>
+          </a:p>
+        </p:txBody>
+      </p:sp>
+      <p:sp>
+        <p:nvSpPr>
+          <p:cNvPr id="5" name="円/楕円 4"/>
+          <p:cNvSpPr/>
+          <p:nvPr/>
+        </p:nvSpPr>
+        <p:spPr>
+          <a:xfrm>
+            <a:off x="5283179" y="2441365"/>
+            <a:ext cx="2280991" cy="1417961"/>
+          </a:xfrm>
+          <a:prstGeom prst="ellipse">
+            <a:avLst/>
+          </a:prstGeom>
+        </p:spPr>
+        <p:style>
+          <a:lnRef idx="1">
+            <a:schemeClr val="accent6"/>
+          </a:lnRef>
+          <a:fillRef idx="3">
+            <a:schemeClr val="accent6"/>
+          </a:fillRef>
+          <a:effectRef idx="2">
+            <a:schemeClr val="accent6"/>
+          </a:effectRef>
+          <a:fontRef idx="minor">
+            <a:schemeClr val="lt1"/>
+          </a:fontRef>
+        </p:style>
+        <p:txBody>
+          <a:bodyPr rtlCol="0" anchor="ctr"/>
+          <a:lstStyle/>
+          <a:p>
+            <a:pPr algn="ctr"/>
+            <a:r>
+              <a:rPr lang="en-US" altLang="ja-JP" sz="2800" b="1" dirty="0" smtClean="0"/>
+              <a:t>DAO</a:t>
+            </a:r>
+            <a:endParaRPr kumimoji="1" lang="ja-JP" altLang="en-US" sz="2800" b="1" dirty="0"/>
+          </a:p>
+        </p:txBody>
+      </p:sp>
+      <p:cxnSp>
+        <p:nvCxnSpPr>
+          <p:cNvPr id="7" name="直線コネクタ 6"/>
+          <p:cNvCxnSpPr>
+            <a:stCxn id="9" idx="1"/>
+            <a:endCxn id="4" idx="4"/>
+          </p:cNvCxnSpPr>
+          <p:nvPr/>
+        </p:nvCxnSpPr>
+        <p:spPr>
+          <a:xfrm flipH="1" flipV="1">
+            <a:off x="2720326" y="3859326"/>
+            <a:ext cx="1045221" cy="360056"/>
+          </a:xfrm>
+          <a:prstGeom prst="line">
+            <a:avLst/>
+          </a:prstGeom>
+          <a:ln w="57150" cmpd="sng">
+            <a:solidFill>
+              <a:schemeClr val="tx1"/>
+            </a:solidFill>
+          </a:ln>
+        </p:spPr>
+        <p:style>
+          <a:lnRef idx="2">
+            <a:schemeClr val="accent1"/>
+          </a:lnRef>
+          <a:fillRef idx="0">
+            <a:schemeClr val="accent1"/>
+          </a:fillRef>
+          <a:effectRef idx="1">
+            <a:schemeClr val="accent1"/>
+          </a:effectRef>
+          <a:fontRef idx="minor">
+            <a:schemeClr val="tx1"/>
+          </a:fontRef>
+        </p:style>
+      </p:cxnSp>
+      <p:sp>
+        <p:nvSpPr>
+          <p:cNvPr id="9" name="円/楕円 8"/>
+          <p:cNvSpPr/>
+          <p:nvPr/>
+        </p:nvSpPr>
+        <p:spPr>
+          <a:xfrm>
+            <a:off x="3431504" y="4011726"/>
+            <a:ext cx="2280991" cy="1417961"/>
+          </a:xfrm>
+          <a:prstGeom prst="ellipse">
+            <a:avLst/>
+          </a:prstGeom>
+        </p:spPr>
+        <p:style>
+          <a:lnRef idx="1">
+            <a:schemeClr val="accent2"/>
+          </a:lnRef>
+          <a:fillRef idx="3">
+            <a:schemeClr val="accent2"/>
+          </a:fillRef>
+          <a:effectRef idx="2">
+            <a:schemeClr val="accent2"/>
+          </a:effectRef>
+          <a:fontRef idx="minor">
+            <a:schemeClr val="lt1"/>
+          </a:fontRef>
+        </p:style>
+        <p:txBody>
+          <a:bodyPr rtlCol="0" anchor="ctr"/>
+          <a:lstStyle/>
+          <a:p>
+            <a:pPr algn="ctr"/>
+            <a:r>
+              <a:rPr lang="en-US" altLang="ja-JP" sz="2800" b="1" dirty="0" smtClean="0"/>
+              <a:t>IDAO</a:t>
+            </a:r>
+            <a:endParaRPr kumimoji="1" lang="ja-JP" altLang="en-US" sz="2800" b="1" dirty="0"/>
+          </a:p>
+        </p:txBody>
+      </p:sp>
+      <p:cxnSp>
+        <p:nvCxnSpPr>
+          <p:cNvPr id="14" name="直線コネクタ 13"/>
+          <p:cNvCxnSpPr>
+            <a:stCxn id="5" idx="4"/>
+            <a:endCxn id="9" idx="7"/>
+          </p:cNvCxnSpPr>
+          <p:nvPr/>
+        </p:nvCxnSpPr>
+        <p:spPr>
+          <a:xfrm flipH="1">
+            <a:off x="5378452" y="3859326"/>
+            <a:ext cx="1045223" cy="360056"/>
+          </a:xfrm>
+          <a:prstGeom prst="line">
+            <a:avLst/>
+          </a:prstGeom>
+          <a:ln w="57150" cmpd="sng">
+            <a:solidFill>
+              <a:schemeClr val="tx1"/>
+            </a:solidFill>
+          </a:ln>
+        </p:spPr>
+        <p:style>
+          <a:lnRef idx="2">
+            <a:schemeClr val="accent1"/>
+          </a:lnRef>
+          <a:fillRef idx="0">
+            <a:schemeClr val="accent1"/>
+          </a:fillRef>
+          <a:effectRef idx="1">
+            <a:schemeClr val="accent1"/>
+          </a:effectRef>
+          <a:fontRef idx="minor">
+            <a:schemeClr val="tx1"/>
+          </a:fontRef>
+        </p:style>
+      </p:cxnSp>
+      <p:sp>
+        <p:nvSpPr>
+          <p:cNvPr id="17" name="円/楕円 16"/>
+          <p:cNvSpPr/>
+          <p:nvPr/>
+        </p:nvSpPr>
+        <p:spPr>
+          <a:xfrm>
+            <a:off x="3156398" y="3859326"/>
+            <a:ext cx="2823497" cy="1763198"/>
+          </a:xfrm>
+          <a:prstGeom prst="ellipse">
+            <a:avLst/>
+          </a:prstGeom>
+          <a:noFill/>
+          <a:ln w="76200" cmpd="sng">
+            <a:solidFill>
+              <a:srgbClr val="FF0000"/>
+            </a:solidFill>
+          </a:ln>
+        </p:spPr>
+        <p:style>
+          <a:lnRef idx="1">
+            <a:schemeClr val="accent1"/>
+          </a:lnRef>
+          <a:fillRef idx="3">
+            <a:schemeClr val="accent1"/>
+          </a:fillRef>
+          <a:effectRef idx="2">
+            <a:schemeClr val="accent1"/>
+          </a:effectRef>
+          <a:fontRef idx="minor">
+            <a:schemeClr val="lt1"/>
+          </a:fontRef>
+        </p:style>
+        <p:txBody>
+          <a:bodyPr rtlCol="0" anchor="ctr"/>
+          <a:lstStyle/>
+          <a:p>
+            <a:pPr algn="ctr"/>
+            <a:endParaRPr kumimoji="1" lang="ja-JP" altLang="en-US"/>
+          </a:p>
+        </p:txBody>
+      </p:sp>
+      <p:sp>
+        <p:nvSpPr>
+          <p:cNvPr id="6" name="テキスト ボックス 5"/>
+          <p:cNvSpPr txBox="1"/>
+          <p:nvPr/>
+        </p:nvSpPr>
+        <p:spPr>
+          <a:xfrm>
+            <a:off x="5979895" y="4244042"/>
+            <a:ext cx="1107996" cy="646331"/>
+          </a:xfrm>
+          <a:prstGeom prst="rect">
+            <a:avLst/>
+          </a:prstGeom>
+          <a:noFill/>
+        </p:spPr>
+        <p:txBody>
+          <a:bodyPr wrap="none" rtlCol="0">
+            <a:spAutoFit/>
+          </a:bodyPr>
+          <a:lstStyle/>
+          <a:p>
+            <a:r>
+              <a:rPr kumimoji="1" lang="ja-JP" altLang="en-US" sz="3600" b="1" dirty="0" smtClean="0">
+                <a:solidFill>
+                  <a:srgbClr val="FF0000"/>
+                </a:solidFill>
+              </a:rPr>
+              <a:t>ここ</a:t>
+            </a:r>
+            <a:endParaRPr kumimoji="1" lang="ja-JP" altLang="en-US" sz="3600" b="1" dirty="0">
+              <a:solidFill>
+                <a:srgbClr val="FF0000"/>
+              </a:solidFill>
+            </a:endParaRPr>
+          </a:p>
+        </p:txBody>
+      </p:sp>
+    </p:spTree>
+    <p:extLst>
+      <p:ext uri="{BB962C8B-B14F-4D97-AF65-F5344CB8AC3E}">
+        <p14:creationId xmlns:p14="http://schemas.microsoft.com/office/powerpoint/2010/main" val="1492542342"/>
+      </p:ext>
+    </p:extLst>
+  </p:cSld>
+  <p:clrMapOvr>
+    <a:masterClrMapping/>
+  </p:clrMapOvr>
+</p:sld>
+</file>
+
+<file path=ppt/slides/slide24.xml><?xml version="1.0" encoding="utf-8"?>
+<p:sld xmlns:a="http://schemas.openxmlformats.org/drawingml/2006/main" xmlns:r="http://schemas.openxmlformats.org/officeDocument/2006/relationships" xmlns:p="http://schemas.openxmlformats.org/presentationml/2006/main">
+  <p:cSld>
+    <p:spTree>
+      <p:nvGrpSpPr>
+        <p:cNvPr id="1" name=""/>
+        <p:cNvGrpSpPr/>
+        <p:nvPr/>
+      </p:nvGrpSpPr>
+      <p:grpSpPr>
+        <a:xfrm>
+          <a:off x="0" y="0"/>
+          <a:ext cx="0" cy="0"/>
+          <a:chOff x="0" y="0"/>
+          <a:chExt cx="0" cy="0"/>
+        </a:xfrm>
+      </p:grpSpPr>
+      <p:sp>
+        <p:nvSpPr>
+          <p:cNvPr id="4" name="テキスト ボックス 3"/>
+          <p:cNvSpPr txBox="1"/>
+          <p:nvPr/>
+        </p:nvSpPr>
+        <p:spPr>
+          <a:xfrm>
+            <a:off x="320572" y="542524"/>
+            <a:ext cx="3587303" cy="2585323"/>
+          </a:xfrm>
+          <a:prstGeom prst="rect">
+            <a:avLst/>
+          </a:prstGeom>
+          <a:noFill/>
+        </p:spPr>
+        <p:txBody>
+          <a:bodyPr wrap="none" rtlCol="0">
+            <a:spAutoFit/>
+          </a:bodyPr>
+          <a:lstStyle/>
+          <a:p>
+            <a:r>
+              <a:rPr lang="ja-JP" altLang="ja-JP" dirty="0" smtClean="0"/>
+              <a:t>I</a:t>
+            </a:r>
+            <a:r>
+              <a:rPr lang="en-US" altLang="ja-JP" dirty="0" err="1" smtClean="0"/>
+              <a:t>temService.cs</a:t>
+            </a:r>
+            <a:endParaRPr lang="en-US" altLang="ja-JP" dirty="0" smtClean="0"/>
+          </a:p>
+          <a:p>
+            <a:endParaRPr kumimoji="1" lang="en-US" altLang="ja-JP" dirty="0" smtClean="0"/>
+          </a:p>
+          <a:p>
+            <a:r>
+              <a:rPr lang="en-US" altLang="ja-JP" dirty="0" smtClean="0"/>
+              <a:t>[Injection]</a:t>
+            </a:r>
+          </a:p>
+          <a:p>
+            <a:r>
+              <a:rPr lang="ja-JP" altLang="ja-JP" dirty="0" smtClean="0"/>
+              <a:t>p</a:t>
+            </a:r>
+            <a:r>
+              <a:rPr lang="en-US" altLang="ja-JP" dirty="0" err="1" smtClean="0"/>
+              <a:t>ublic</a:t>
+            </a:r>
+            <a:r>
+              <a:rPr lang="ja-JP" altLang="en-US" dirty="0" smtClean="0"/>
+              <a:t> </a:t>
+            </a:r>
+            <a:r>
+              <a:rPr lang="en-US" altLang="ja-JP" dirty="0" err="1" smtClean="0"/>
+              <a:t>IItemDao</a:t>
+            </a:r>
+            <a:r>
+              <a:rPr lang="ja-JP" altLang="en-US" dirty="0" smtClean="0"/>
+              <a:t> </a:t>
+            </a:r>
+            <a:r>
+              <a:rPr lang="en-US" altLang="ja-JP" dirty="0" err="1" smtClean="0"/>
+              <a:t>dao</a:t>
+            </a:r>
+            <a:r>
+              <a:rPr lang="ja-JP" altLang="en-US" dirty="0" smtClean="0"/>
+              <a:t> </a:t>
+            </a:r>
+            <a:r>
+              <a:rPr lang="en-US" altLang="ja-JP" dirty="0" smtClean="0"/>
+              <a:t>{</a:t>
+            </a:r>
+            <a:r>
+              <a:rPr lang="ja-JP" altLang="en-US" dirty="0" smtClean="0"/>
+              <a:t> </a:t>
+            </a:r>
+            <a:r>
+              <a:rPr lang="en-US" altLang="ja-JP" dirty="0" smtClean="0"/>
+              <a:t>get;</a:t>
+            </a:r>
+            <a:r>
+              <a:rPr lang="ja-JP" altLang="en-US" dirty="0" smtClean="0"/>
+              <a:t> </a:t>
+            </a:r>
+            <a:r>
+              <a:rPr lang="en-US" altLang="ja-JP" dirty="0" smtClean="0"/>
+              <a:t>set;}</a:t>
+            </a:r>
+            <a:endParaRPr lang="en-US" altLang="ja-JP" dirty="0"/>
+          </a:p>
+          <a:p>
+            <a:endParaRPr kumimoji="1" lang="en-US" altLang="ja-JP" dirty="0"/>
+          </a:p>
+          <a:p>
+            <a:r>
+              <a:rPr lang="en-US" altLang="ja-JP" dirty="0" smtClean="0"/>
+              <a:t>public</a:t>
+            </a:r>
+            <a:r>
+              <a:rPr lang="ja-JP" altLang="en-US" dirty="0" smtClean="0"/>
+              <a:t> </a:t>
+            </a:r>
+            <a:r>
+              <a:rPr lang="ja-JP" altLang="ja-JP" dirty="0" smtClean="0"/>
+              <a:t>G</a:t>
+            </a:r>
+            <a:r>
+              <a:rPr lang="en-US" altLang="ja-JP" dirty="0" err="1" smtClean="0"/>
+              <a:t>etItem</a:t>
+            </a:r>
+            <a:r>
+              <a:rPr lang="en-US" altLang="ja-JP" dirty="0" smtClean="0"/>
+              <a:t>()</a:t>
+            </a:r>
+          </a:p>
+          <a:p>
+            <a:r>
+              <a:rPr kumimoji="1" lang="ja-JP" altLang="ja-JP" dirty="0" smtClean="0"/>
+              <a:t>{</a:t>
+            </a:r>
+            <a:endParaRPr kumimoji="1" lang="en-US" altLang="ja-JP" dirty="0" smtClean="0"/>
+          </a:p>
+          <a:p>
+            <a:r>
+              <a:rPr lang="en-US" altLang="ja-JP" dirty="0" smtClean="0"/>
+              <a:t>	</a:t>
+            </a:r>
+            <a:endParaRPr kumimoji="1" lang="en-US" altLang="ja-JP" dirty="0" smtClean="0"/>
+          </a:p>
+          <a:p>
+            <a:r>
+              <a:rPr lang="ja-JP" altLang="ja-JP" dirty="0"/>
+              <a:t>}</a:t>
+            </a:r>
+            <a:endParaRPr kumimoji="1" lang="ja-JP" altLang="en-US" dirty="0"/>
+          </a:p>
+        </p:txBody>
+      </p:sp>
+    </p:spTree>
+    <p:extLst>
+      <p:ext uri="{BB962C8B-B14F-4D97-AF65-F5344CB8AC3E}">
+        <p14:creationId xmlns:p14="http://schemas.microsoft.com/office/powerpoint/2010/main" val="3606016164"/>
+      </p:ext>
+    </p:extLst>
+  </p:cSld>
+  <p:clrMapOvr>
+    <a:masterClrMapping/>
+  </p:clrMapOvr>
+</p:sld>
+</file>
+
+<file path=ppt/slides/slide25.xml><?xml version="1.0" encoding="utf-8"?>
 <p:sld xmlns:a="http://schemas.openxmlformats.org/drawingml/2006/main" xmlns:r="http://schemas.openxmlformats.org/officeDocument/2006/relationships" xmlns:p="http://schemas.openxmlformats.org/presentationml/2006/main">
   <p:cSld>
     <p:spTree>

--- a/document/勉強会.pptx
+++ b/document/勉強会.pptx
@@ -22,35 +22,44 @@
     <p:sldId id="270" r:id="rId16"/>
     <p:sldId id="271" r:id="rId17"/>
     <p:sldId id="278" r:id="rId18"/>
-    <p:sldId id="283" r:id="rId19"/>
-    <p:sldId id="284" r:id="rId20"/>
-    <p:sldId id="272" r:id="rId21"/>
-    <p:sldId id="273" r:id="rId22"/>
-    <p:sldId id="274" r:id="rId23"/>
-    <p:sldId id="276" r:id="rId24"/>
-    <p:sldId id="279" r:id="rId25"/>
-    <p:sldId id="297" r:id="rId26"/>
-    <p:sldId id="286" r:id="rId27"/>
-    <p:sldId id="285" r:id="rId28"/>
-    <p:sldId id="282" r:id="rId29"/>
-    <p:sldId id="288" r:id="rId30"/>
-    <p:sldId id="289" r:id="rId31"/>
-    <p:sldId id="287" r:id="rId32"/>
-    <p:sldId id="290" r:id="rId33"/>
-    <p:sldId id="291" r:id="rId34"/>
-    <p:sldId id="292" r:id="rId35"/>
-    <p:sldId id="293" r:id="rId36"/>
-    <p:sldId id="294" r:id="rId37"/>
-    <p:sldId id="295" r:id="rId38"/>
-    <p:sldId id="296" r:id="rId39"/>
-    <p:sldId id="275" r:id="rId40"/>
-    <p:sldId id="298" r:id="rId41"/>
-    <p:sldId id="304" r:id="rId42"/>
-    <p:sldId id="299" r:id="rId43"/>
-    <p:sldId id="300" r:id="rId44"/>
-    <p:sldId id="301" r:id="rId45"/>
-    <p:sldId id="303" r:id="rId46"/>
-    <p:sldId id="302" r:id="rId47"/>
+    <p:sldId id="284" r:id="rId19"/>
+    <p:sldId id="309" r:id="rId20"/>
+    <p:sldId id="310" r:id="rId21"/>
+    <p:sldId id="311" r:id="rId22"/>
+    <p:sldId id="272" r:id="rId23"/>
+    <p:sldId id="305" r:id="rId24"/>
+    <p:sldId id="306" r:id="rId25"/>
+    <p:sldId id="307" r:id="rId26"/>
+    <p:sldId id="273" r:id="rId27"/>
+    <p:sldId id="274" r:id="rId28"/>
+    <p:sldId id="276" r:id="rId29"/>
+    <p:sldId id="279" r:id="rId30"/>
+    <p:sldId id="297" r:id="rId31"/>
+    <p:sldId id="286" r:id="rId32"/>
+    <p:sldId id="285" r:id="rId33"/>
+    <p:sldId id="282" r:id="rId34"/>
+    <p:sldId id="288" r:id="rId35"/>
+    <p:sldId id="289" r:id="rId36"/>
+    <p:sldId id="287" r:id="rId37"/>
+    <p:sldId id="290" r:id="rId38"/>
+    <p:sldId id="291" r:id="rId39"/>
+    <p:sldId id="292" r:id="rId40"/>
+    <p:sldId id="293" r:id="rId41"/>
+    <p:sldId id="294" r:id="rId42"/>
+    <p:sldId id="295" r:id="rId43"/>
+    <p:sldId id="296" r:id="rId44"/>
+    <p:sldId id="275" r:id="rId45"/>
+    <p:sldId id="312" r:id="rId46"/>
+    <p:sldId id="313" r:id="rId47"/>
+    <p:sldId id="314" r:id="rId48"/>
+    <p:sldId id="315" r:id="rId49"/>
+    <p:sldId id="298" r:id="rId50"/>
+    <p:sldId id="304" r:id="rId51"/>
+    <p:sldId id="299" r:id="rId52"/>
+    <p:sldId id="300" r:id="rId53"/>
+    <p:sldId id="301" r:id="rId54"/>
+    <p:sldId id="303" r:id="rId55"/>
+    <p:sldId id="302" r:id="rId56"/>
   </p:sldIdLst>
   <p:sldSz cx="9144000" cy="5715000" type="screen16x10"/>
   <p:notesSz cx="6858000" cy="9144000"/>
@@ -149,6 +158,22 @@
       </a:defRPr>
     </a:lvl9pPr>
   </p:defaultTextStyle>
+  <p:extLst>
+    <p:ext uri="{EFAFB233-063F-42B5-8137-9DF3F51BA10A}">
+      <p15:sldGuideLst xmlns:p15="http://schemas.microsoft.com/office/powerpoint/2012/main">
+        <p15:guide id="1" orient="horz" pos="3599">
+          <p15:clr>
+            <a:srgbClr val="A4A3A4"/>
+          </p15:clr>
+        </p15:guide>
+        <p15:guide id="2" pos="2880">
+          <p15:clr>
+            <a:srgbClr val="A4A3A4"/>
+          </p15:clr>
+        </p15:guide>
+      </p15:sldGuideLst>
+    </p:ext>
+  </p:extLst>
 </p:presentation>
 </file>
 
@@ -333,7 +358,7 @@
           <a:p>
             <a:fld id="{05E4419A-AAB1-BE42-B739-7B8AEEF0CD1A}" type="datetimeFigureOut">
               <a:rPr kumimoji="1" lang="ja-JP" altLang="en-US" smtClean="0"/>
-              <a:t>16/06/07</a:t>
+              <a:t>2016/6/9</a:t>
             </a:fld>
             <a:endParaRPr kumimoji="1" lang="ja-JP" altLang="en-US"/>
           </a:p>
@@ -535,7 +560,7 @@
           <a:p>
             <a:fld id="{05E4419A-AAB1-BE42-B739-7B8AEEF0CD1A}" type="datetimeFigureOut">
               <a:rPr kumimoji="1" lang="ja-JP" altLang="en-US" smtClean="0"/>
-              <a:t>16/06/07</a:t>
+              <a:t>2016/6/9</a:t>
             </a:fld>
             <a:endParaRPr kumimoji="1" lang="ja-JP" altLang="en-US"/>
           </a:p>
@@ -747,7 +772,7 @@
           <a:p>
             <a:fld id="{05E4419A-AAB1-BE42-B739-7B8AEEF0CD1A}" type="datetimeFigureOut">
               <a:rPr kumimoji="1" lang="ja-JP" altLang="en-US" smtClean="0"/>
-              <a:t>16/06/07</a:t>
+              <a:t>2016/6/9</a:t>
             </a:fld>
             <a:endParaRPr kumimoji="1" lang="ja-JP" altLang="en-US"/>
           </a:p>
@@ -975,7 +1000,7 @@
           <a:p>
             <a:fld id="{05E4419A-AAB1-BE42-B739-7B8AEEF0CD1A}" type="datetimeFigureOut">
               <a:rPr kumimoji="1" lang="ja-JP" altLang="en-US" smtClean="0"/>
-              <a:t>16/06/07</a:t>
+              <a:t>2016/6/9</a:t>
             </a:fld>
             <a:endParaRPr kumimoji="1" lang="ja-JP" altLang="en-US"/>
           </a:p>
@@ -1221,7 +1246,7 @@
           <a:p>
             <a:fld id="{05E4419A-AAB1-BE42-B739-7B8AEEF0CD1A}" type="datetimeFigureOut">
               <a:rPr kumimoji="1" lang="ja-JP" altLang="en-US" smtClean="0"/>
-              <a:t>16/06/07</a:t>
+              <a:t>2016/6/9</a:t>
             </a:fld>
             <a:endParaRPr kumimoji="1" lang="ja-JP" altLang="en-US"/>
           </a:p>
@@ -1573,7 +1598,7 @@
           <a:p>
             <a:fld id="{05E4419A-AAB1-BE42-B739-7B8AEEF0CD1A}" type="datetimeFigureOut">
               <a:rPr kumimoji="1" lang="ja-JP" altLang="en-US" smtClean="0"/>
-              <a:t>16/06/07</a:t>
+              <a:t>2016/6/9</a:t>
             </a:fld>
             <a:endParaRPr kumimoji="1" lang="ja-JP" altLang="en-US"/>
           </a:p>
@@ -2059,7 +2084,7 @@
           <a:p>
             <a:fld id="{05E4419A-AAB1-BE42-B739-7B8AEEF0CD1A}" type="datetimeFigureOut">
               <a:rPr kumimoji="1" lang="ja-JP" altLang="en-US" smtClean="0"/>
-              <a:t>16/06/07</a:t>
+              <a:t>2016/6/9</a:t>
             </a:fld>
             <a:endParaRPr kumimoji="1" lang="ja-JP" altLang="en-US"/>
           </a:p>
@@ -2177,7 +2202,7 @@
           <a:p>
             <a:fld id="{05E4419A-AAB1-BE42-B739-7B8AEEF0CD1A}" type="datetimeFigureOut">
               <a:rPr kumimoji="1" lang="ja-JP" altLang="en-US" smtClean="0"/>
-              <a:t>16/06/07</a:t>
+              <a:t>2016/6/9</a:t>
             </a:fld>
             <a:endParaRPr kumimoji="1" lang="ja-JP" altLang="en-US"/>
           </a:p>
@@ -2272,7 +2297,7 @@
           <a:p>
             <a:fld id="{05E4419A-AAB1-BE42-B739-7B8AEEF0CD1A}" type="datetimeFigureOut">
               <a:rPr kumimoji="1" lang="ja-JP" altLang="en-US" smtClean="0"/>
-              <a:t>16/06/07</a:t>
+              <a:t>2016/6/9</a:t>
             </a:fld>
             <a:endParaRPr kumimoji="1" lang="ja-JP" altLang="en-US"/>
           </a:p>
@@ -2581,7 +2606,7 @@
           <a:p>
             <a:fld id="{05E4419A-AAB1-BE42-B739-7B8AEEF0CD1A}" type="datetimeFigureOut">
               <a:rPr kumimoji="1" lang="ja-JP" altLang="en-US" smtClean="0"/>
-              <a:t>16/06/07</a:t>
+              <a:t>2016/6/9</a:t>
             </a:fld>
             <a:endParaRPr kumimoji="1" lang="ja-JP" altLang="en-US"/>
           </a:p>
@@ -2834,7 +2859,7 @@
           <a:p>
             <a:fld id="{05E4419A-AAB1-BE42-B739-7B8AEEF0CD1A}" type="datetimeFigureOut">
               <a:rPr kumimoji="1" lang="ja-JP" altLang="en-US" smtClean="0"/>
-              <a:t>16/06/07</a:t>
+              <a:t>2016/6/9</a:t>
             </a:fld>
             <a:endParaRPr kumimoji="1" lang="ja-JP" altLang="en-US"/>
           </a:p>
@@ -3079,7 +3104,7 @@
           <a:p>
             <a:fld id="{05E4419A-AAB1-BE42-B739-7B8AEEF0CD1A}" type="datetimeFigureOut">
               <a:rPr kumimoji="1" lang="ja-JP" altLang="en-US" smtClean="0"/>
-              <a:t>16/06/07</a:t>
+              <a:t>2016/6/9</a:t>
             </a:fld>
             <a:endParaRPr kumimoji="1" lang="ja-JP" altLang="en-US"/>
           </a:p>
@@ -3578,7 +3603,7 @@
   <p:timing>
     <p:tnLst>
       <p:par>
-        <p:cTn xmlns:p14="http://schemas.microsoft.com/office/powerpoint/2010/main" id="1" dur="indefinite" restart="never" nodeType="tmRoot"/>
+        <p:cTn id="1" dur="indefinite" restart="never" nodeType="tmRoot"/>
       </p:par>
     </p:tnLst>
   </p:timing>
@@ -5270,7 +5295,7 @@
   <p:timing>
     <p:tnLst>
       <p:par>
-        <p:cTn xmlns:p14="http://schemas.microsoft.com/office/powerpoint/2010/main" id="1" dur="indefinite" restart="never" nodeType="tmRoot"/>
+        <p:cTn id="1" dur="indefinite" restart="never" nodeType="tmRoot"/>
       </p:par>
     </p:tnLst>
   </p:timing>
@@ -5373,7 +5398,7 @@
   <p:timing>
     <p:tnLst>
       <p:par>
-        <p:cTn xmlns:p14="http://schemas.microsoft.com/office/powerpoint/2010/main" id="1" dur="indefinite" restart="never" nodeType="tmRoot"/>
+        <p:cTn id="1" dur="indefinite" restart="never" nodeType="tmRoot"/>
       </p:par>
     </p:tnLst>
   </p:timing>
@@ -6979,7 +7004,7 @@
   <p:timing>
     <p:tnLst>
       <p:par>
-        <p:cTn xmlns:p14="http://schemas.microsoft.com/office/powerpoint/2010/main" id="1" dur="indefinite" restart="never" nodeType="tmRoot"/>
+        <p:cTn id="1" dur="indefinite" restart="never" nodeType="tmRoot"/>
       </p:par>
     </p:tnLst>
   </p:timing>
@@ -8667,7 +8692,7 @@
   <p:timing>
     <p:tnLst>
       <p:par>
-        <p:cTn xmlns:p14="http://schemas.microsoft.com/office/powerpoint/2010/main" id="1" dur="indefinite" restart="never" nodeType="tmRoot"/>
+        <p:cTn id="1" dur="indefinite" restart="never" nodeType="tmRoot"/>
       </p:par>
     </p:tnLst>
   </p:timing>
@@ -8807,7 +8832,7 @@
   <p:timing>
     <p:tnLst>
       <p:par>
-        <p:cTn xmlns:p14="http://schemas.microsoft.com/office/powerpoint/2010/main" id="1" dur="indefinite" restart="never" nodeType="tmRoot"/>
+        <p:cTn id="1" dur="indefinite" restart="never" nodeType="tmRoot"/>
       </p:par>
     </p:tnLst>
   </p:timing>
@@ -8943,7 +8968,7 @@
   <p:timing>
     <p:tnLst>
       <p:par>
-        <p:cTn xmlns:p14="http://schemas.microsoft.com/office/powerpoint/2010/main" id="1" dur="indefinite" restart="never" nodeType="tmRoot"/>
+        <p:cTn id="1" dur="indefinite" restart="never" nodeType="tmRoot"/>
       </p:par>
     </p:tnLst>
   </p:timing>
@@ -9085,6 +9110,36 @@
           </a:p>
         </p:txBody>
       </p:sp>
+      <p:pic>
+        <p:nvPicPr>
+          <p:cNvPr id="3" name="図 2"/>
+          <p:cNvPicPr>
+            <a:picLocks noChangeAspect="1"/>
+          </p:cNvPicPr>
+          <p:nvPr/>
+        </p:nvPicPr>
+        <p:blipFill>
+          <a:blip r:embed="rId2">
+            <a:extLst>
+              <a:ext uri="{28A0092B-C50C-407E-A947-70E740481C1C}">
+                <a14:useLocalDpi xmlns:a14="http://schemas.microsoft.com/office/drawing/2010/main" val="0"/>
+              </a:ext>
+            </a:extLst>
+          </a:blip>
+          <a:stretch>
+            <a:fillRect/>
+          </a:stretch>
+        </p:blipFill>
+        <p:spPr>
+          <a:xfrm>
+            <a:off x="824023" y="1181366"/>
+            <a:ext cx="7495953" cy="4051867"/>
+          </a:xfrm>
+          <a:prstGeom prst="rect">
+            <a:avLst/>
+          </a:prstGeom>
+        </p:spPr>
+      </p:pic>
     </p:spTree>
     <p:extLst>
       <p:ext uri="{BB962C8B-B14F-4D97-AF65-F5344CB8AC3E}">
@@ -9132,16 +9187,46 @@
           <a:p>
             <a:r>
               <a:rPr lang="ja-JP" altLang="en-US" dirty="0" smtClean="0"/>
-              <a:t>実行結果</a:t>
+              <a:t>カバレッジ</a:t>
             </a:r>
             <a:endParaRPr kumimoji="1" lang="ja-JP" altLang="en-US" dirty="0"/>
           </a:p>
         </p:txBody>
       </p:sp>
+      <p:pic>
+        <p:nvPicPr>
+          <p:cNvPr id="3" name="図 2"/>
+          <p:cNvPicPr>
+            <a:picLocks noChangeAspect="1"/>
+          </p:cNvPicPr>
+          <p:nvPr/>
+        </p:nvPicPr>
+        <p:blipFill>
+          <a:blip r:embed="rId2">
+            <a:extLst>
+              <a:ext uri="{28A0092B-C50C-407E-A947-70E740481C1C}">
+                <a14:useLocalDpi xmlns:a14="http://schemas.microsoft.com/office/drawing/2010/main" val="0"/>
+              </a:ext>
+            </a:extLst>
+          </a:blip>
+          <a:stretch>
+            <a:fillRect/>
+          </a:stretch>
+        </p:blipFill>
+        <p:spPr>
+          <a:xfrm>
+            <a:off x="818707" y="1181366"/>
+            <a:ext cx="7772400" cy="4201298"/>
+          </a:xfrm>
+          <a:prstGeom prst="rect">
+            <a:avLst/>
+          </a:prstGeom>
+        </p:spPr>
+      </p:pic>
     </p:spTree>
     <p:extLst>
       <p:ext uri="{BB962C8B-B14F-4D97-AF65-F5344CB8AC3E}">
-        <p14:creationId xmlns:p14="http://schemas.microsoft.com/office/powerpoint/2010/main" val="4060397652"/>
+        <p14:creationId xmlns:p14="http://schemas.microsoft.com/office/powerpoint/2010/main" val="19629674"/>
       </p:ext>
     </p:extLst>
   </p:cSld>
@@ -9191,10 +9276,40 @@
           </a:p>
         </p:txBody>
       </p:sp>
+      <p:pic>
+        <p:nvPicPr>
+          <p:cNvPr id="3" name="図 2"/>
+          <p:cNvPicPr>
+            <a:picLocks noChangeAspect="1"/>
+          </p:cNvPicPr>
+          <p:nvPr/>
+        </p:nvPicPr>
+        <p:blipFill>
+          <a:blip r:embed="rId2">
+            <a:extLst>
+              <a:ext uri="{28A0092B-C50C-407E-A947-70E740481C1C}">
+                <a14:useLocalDpi xmlns:a14="http://schemas.microsoft.com/office/drawing/2010/main" val="0"/>
+              </a:ext>
+            </a:extLst>
+          </a:blip>
+          <a:stretch>
+            <a:fillRect/>
+          </a:stretch>
+        </p:blipFill>
+        <p:spPr>
+          <a:xfrm>
+            <a:off x="797442" y="1064333"/>
+            <a:ext cx="7889358" cy="4264518"/>
+          </a:xfrm>
+          <a:prstGeom prst="rect">
+            <a:avLst/>
+          </a:prstGeom>
+        </p:spPr>
+      </p:pic>
     </p:spTree>
     <p:extLst>
       <p:ext uri="{BB962C8B-B14F-4D97-AF65-F5344CB8AC3E}">
-        <p14:creationId xmlns:p14="http://schemas.microsoft.com/office/powerpoint/2010/main" val="19629674"/>
+        <p14:creationId xmlns:p14="http://schemas.microsoft.com/office/powerpoint/2010/main" val="3416630596"/>
       </p:ext>
     </p:extLst>
   </p:cSld>
@@ -9292,7 +9407,7 @@
   <p:timing>
     <p:tnLst>
       <p:par>
-        <p:cTn xmlns:p14="http://schemas.microsoft.com/office/powerpoint/2010/main" id="1" dur="indefinite" restart="never" nodeType="tmRoot"/>
+        <p:cTn id="1" dur="indefinite" restart="never" nodeType="tmRoot"/>
       </p:par>
     </p:tnLst>
   </p:timing>
@@ -9332,47 +9447,47 @@
           <a:lstStyle/>
           <a:p>
             <a:r>
-              <a:rPr kumimoji="1" lang="en-US" altLang="ja-JP" dirty="0" err="1" smtClean="0"/>
-              <a:t>MSTest</a:t>
-            </a:r>
-            <a:r>
-              <a:rPr kumimoji="1" lang="ja-JP" altLang="en-US" dirty="0" smtClean="0"/>
-              <a:t>導入方法</a:t>
+              <a:rPr lang="ja-JP" altLang="en-US" dirty="0" smtClean="0"/>
+              <a:t>カバレッジ</a:t>
             </a:r>
             <a:endParaRPr kumimoji="1" lang="ja-JP" altLang="en-US" dirty="0"/>
           </a:p>
         </p:txBody>
       </p:sp>
-      <p:sp>
-        <p:nvSpPr>
-          <p:cNvPr id="3" name="コンテンツ プレースホルダー 2"/>
-          <p:cNvSpPr>
-            <a:spLocks noGrp="1"/>
-          </p:cNvSpPr>
-          <p:nvPr>
-            <p:ph idx="1"/>
-          </p:nvPr>
-        </p:nvSpPr>
-        <p:spPr/>
-        <p:txBody>
-          <a:bodyPr/>
-          <a:lstStyle/>
-          <a:p>
-            <a:pPr marL="0" indent="0">
-              <a:buNone/>
-            </a:pPr>
-            <a:r>
-              <a:rPr lang="en-US" altLang="ja-JP" dirty="0" smtClean="0"/>
-              <a:t>1. </a:t>
-            </a:r>
-            <a:endParaRPr kumimoji="1" lang="ja-JP" altLang="en-US" dirty="0"/>
-          </a:p>
-        </p:txBody>
-      </p:sp>
+      <p:pic>
+        <p:nvPicPr>
+          <p:cNvPr id="4" name="図 3"/>
+          <p:cNvPicPr>
+            <a:picLocks noChangeAspect="1"/>
+          </p:cNvPicPr>
+          <p:nvPr/>
+        </p:nvPicPr>
+        <p:blipFill>
+          <a:blip r:embed="rId2">
+            <a:extLst>
+              <a:ext uri="{28A0092B-C50C-407E-A947-70E740481C1C}">
+                <a14:useLocalDpi xmlns:a14="http://schemas.microsoft.com/office/drawing/2010/main" val="0"/>
+              </a:ext>
+            </a:extLst>
+          </a:blip>
+          <a:stretch>
+            <a:fillRect/>
+          </a:stretch>
+        </p:blipFill>
+        <p:spPr>
+          <a:xfrm>
+            <a:off x="606055" y="1156290"/>
+            <a:ext cx="7719237" cy="4172561"/>
+          </a:xfrm>
+          <a:prstGeom prst="rect">
+            <a:avLst/>
+          </a:prstGeom>
+        </p:spPr>
+      </p:pic>
     </p:spTree>
     <p:extLst>
       <p:ext uri="{BB962C8B-B14F-4D97-AF65-F5344CB8AC3E}">
-        <p14:creationId xmlns:p14="http://schemas.microsoft.com/office/powerpoint/2010/main" val="1735274476"/>
+        <p14:creationId xmlns:p14="http://schemas.microsoft.com/office/powerpoint/2010/main" val="1879184328"/>
       </p:ext>
     </p:extLst>
   </p:cSld>
@@ -9415,106 +9530,53 @@
           <a:lstStyle/>
           <a:p>
             <a:r>
-              <a:rPr kumimoji="1" lang="ja-JP" altLang="en-US" dirty="0" smtClean="0"/>
-              <a:t>本日の内容</a:t>
+              <a:rPr lang="ja-JP" altLang="en-US" dirty="0" smtClean="0"/>
+              <a:t>カバレッジ</a:t>
             </a:r>
             <a:endParaRPr kumimoji="1" lang="ja-JP" altLang="en-US" dirty="0"/>
           </a:p>
         </p:txBody>
       </p:sp>
-      <p:sp>
-        <p:nvSpPr>
-          <p:cNvPr id="3" name="コンテンツ プレースホルダー 2"/>
-          <p:cNvSpPr>
-            <a:spLocks noGrp="1"/>
-          </p:cNvSpPr>
-          <p:nvPr>
-            <p:ph idx="1"/>
-          </p:nvPr>
-        </p:nvSpPr>
-        <p:spPr/>
-        <p:txBody>
-          <a:bodyPr/>
-          <a:lstStyle/>
-          <a:p>
-            <a:r>
-              <a:rPr kumimoji="1" lang="ja-JP" altLang="en-US" dirty="0" smtClean="0"/>
-              <a:t>その前に対象の</a:t>
-            </a:r>
-            <a:r>
-              <a:rPr kumimoji="1" lang="en-US" altLang="ja-JP" dirty="0" smtClean="0"/>
-              <a:t>Web</a:t>
-            </a:r>
-            <a:r>
-              <a:rPr kumimoji="1" lang="ja-JP" altLang="en-US" dirty="0" smtClean="0"/>
-              <a:t>アプリについて</a:t>
-            </a:r>
-            <a:endParaRPr kumimoji="1" lang="en-US" altLang="ja-JP" dirty="0" smtClean="0"/>
-          </a:p>
-          <a:p>
-            <a:r>
-              <a:rPr lang="en-US" altLang="ja-JP" dirty="0" err="1" smtClean="0">
-                <a:solidFill>
-                  <a:srgbClr val="FF0000"/>
-                </a:solidFill>
-              </a:rPr>
-              <a:t>MSTest</a:t>
-            </a:r>
-            <a:r>
-              <a:rPr lang="ja-JP" altLang="en-US" dirty="0" smtClean="0">
-                <a:solidFill>
-                  <a:srgbClr val="FF0000"/>
-                </a:solidFill>
-              </a:rPr>
-              <a:t>って？</a:t>
-            </a:r>
-            <a:endParaRPr lang="en-US" altLang="ja-JP" dirty="0" smtClean="0">
-              <a:solidFill>
-                <a:srgbClr val="FF0000"/>
-              </a:solidFill>
-            </a:endParaRPr>
-          </a:p>
-          <a:p>
-            <a:r>
-              <a:rPr kumimoji="1" lang="en-US" altLang="ja-JP" dirty="0" err="1" smtClean="0"/>
-              <a:t>Moq</a:t>
-            </a:r>
-            <a:r>
-              <a:rPr kumimoji="1" lang="ja-JP" altLang="en-US" dirty="0" smtClean="0"/>
-              <a:t>とは</a:t>
-            </a:r>
-            <a:endParaRPr kumimoji="1" lang="en-US" altLang="ja-JP" dirty="0" smtClean="0"/>
-          </a:p>
-          <a:p>
-            <a:r>
-              <a:rPr lang="en-US" altLang="ja-JP" dirty="0" smtClean="0"/>
-              <a:t>DI</a:t>
-            </a:r>
-            <a:r>
-              <a:rPr lang="ja-JP" altLang="en-US" dirty="0" smtClean="0"/>
-              <a:t>の存在意味</a:t>
-            </a:r>
-            <a:endParaRPr kumimoji="1" lang="ja-JP" altLang="en-US" dirty="0"/>
-          </a:p>
-        </p:txBody>
-      </p:sp>
+      <p:pic>
+        <p:nvPicPr>
+          <p:cNvPr id="3" name="図 2"/>
+          <p:cNvPicPr>
+            <a:picLocks noChangeAspect="1"/>
+          </p:cNvPicPr>
+          <p:nvPr/>
+        </p:nvPicPr>
+        <p:blipFill>
+          <a:blip r:embed="rId2">
+            <a:extLst>
+              <a:ext uri="{28A0092B-C50C-407E-A947-70E740481C1C}">
+                <a14:useLocalDpi xmlns:a14="http://schemas.microsoft.com/office/drawing/2010/main" val="0"/>
+              </a:ext>
+            </a:extLst>
+          </a:blip>
+          <a:stretch>
+            <a:fillRect/>
+          </a:stretch>
+        </p:blipFill>
+        <p:spPr>
+          <a:xfrm>
+            <a:off x="606654" y="1041991"/>
+            <a:ext cx="7930691" cy="4286860"/>
+          </a:xfrm>
+          <a:prstGeom prst="rect">
+            <a:avLst/>
+          </a:prstGeom>
+        </p:spPr>
+      </p:pic>
     </p:spTree>
     <p:extLst>
       <p:ext uri="{BB962C8B-B14F-4D97-AF65-F5344CB8AC3E}">
-        <p14:creationId xmlns:p14="http://schemas.microsoft.com/office/powerpoint/2010/main" val="2747967890"/>
+        <p14:creationId xmlns:p14="http://schemas.microsoft.com/office/powerpoint/2010/main" val="1599984916"/>
       </p:ext>
     </p:extLst>
   </p:cSld>
   <p:clrMapOvr>
     <a:masterClrMapping/>
   </p:clrMapOvr>
-  <p:timing>
-    <p:tnLst>
-      <p:par>
-        <p:cTn xmlns:p14="http://schemas.microsoft.com/office/powerpoint/2010/main" id="1" dur="indefinite" restart="never" nodeType="tmRoot"/>
-      </p:par>
-    </p:tnLst>
-  </p:timing>
 </p:sld>
 </file>
 
@@ -9551,93 +9613,51 @@
           <a:lstStyle/>
           <a:p>
             <a:r>
+              <a:rPr kumimoji="1" lang="en-US" altLang="ja-JP" dirty="0" err="1" smtClean="0"/>
+              <a:t>MSTest</a:t>
+            </a:r>
+            <a:r>
               <a:rPr kumimoji="1" lang="ja-JP" altLang="en-US" dirty="0" smtClean="0"/>
-              <a:t>本日の内容</a:t>
+              <a:t>導入方法</a:t>
             </a:r>
             <a:endParaRPr kumimoji="1" lang="ja-JP" altLang="en-US" dirty="0"/>
           </a:p>
         </p:txBody>
       </p:sp>
-      <p:sp>
-        <p:nvSpPr>
-          <p:cNvPr id="3" name="コンテンツ プレースホルダー 2"/>
-          <p:cNvSpPr>
-            <a:spLocks noGrp="1"/>
-          </p:cNvSpPr>
-          <p:nvPr>
-            <p:ph idx="1"/>
-          </p:nvPr>
-        </p:nvSpPr>
-        <p:spPr/>
-        <p:txBody>
-          <a:bodyPr/>
-          <a:lstStyle/>
-          <a:p>
-            <a:r>
-              <a:rPr kumimoji="1" lang="ja-JP" altLang="en-US" dirty="0" smtClean="0"/>
-              <a:t>その前に対象の</a:t>
-            </a:r>
-            <a:r>
-              <a:rPr kumimoji="1" lang="en-US" altLang="ja-JP" dirty="0" smtClean="0"/>
-              <a:t>Web</a:t>
-            </a:r>
-            <a:r>
-              <a:rPr kumimoji="1" lang="ja-JP" altLang="en-US" dirty="0" smtClean="0"/>
-              <a:t>アプリについて</a:t>
-            </a:r>
-            <a:endParaRPr kumimoji="1" lang="en-US" altLang="ja-JP" dirty="0" smtClean="0"/>
-          </a:p>
-          <a:p>
-            <a:r>
-              <a:rPr lang="en-US" altLang="ja-JP" dirty="0" err="1" smtClean="0"/>
-              <a:t>MSTest</a:t>
-            </a:r>
-            <a:r>
-              <a:rPr lang="ja-JP" altLang="en-US" dirty="0" smtClean="0"/>
-              <a:t>って？</a:t>
-            </a:r>
-            <a:endParaRPr lang="en-US" altLang="ja-JP" dirty="0" smtClean="0"/>
-          </a:p>
-          <a:p>
-            <a:r>
-              <a:rPr kumimoji="1" lang="en-US" altLang="ja-JP" dirty="0" err="1" smtClean="0">
-                <a:solidFill>
-                  <a:srgbClr val="FF0000"/>
-                </a:solidFill>
-              </a:rPr>
-              <a:t>Moq</a:t>
-            </a:r>
-            <a:r>
-              <a:rPr kumimoji="1" lang="ja-JP" altLang="en-US" dirty="0" smtClean="0">
-                <a:solidFill>
-                  <a:srgbClr val="FF0000"/>
-                </a:solidFill>
-              </a:rPr>
-              <a:t>とは</a:t>
-            </a:r>
-            <a:endParaRPr kumimoji="1" lang="en-US" altLang="ja-JP" dirty="0" smtClean="0">
-              <a:solidFill>
-                <a:srgbClr val="FF0000"/>
-              </a:solidFill>
-            </a:endParaRPr>
-          </a:p>
-          <a:p>
-            <a:r>
-              <a:rPr lang="en-US" altLang="ja-JP" dirty="0" smtClean="0"/>
-              <a:t>DI</a:t>
-            </a:r>
-            <a:r>
-              <a:rPr lang="ja-JP" altLang="en-US" dirty="0" smtClean="0"/>
-              <a:t>の存在意味</a:t>
-            </a:r>
-            <a:endParaRPr kumimoji="1" lang="ja-JP" altLang="en-US" dirty="0"/>
-          </a:p>
-        </p:txBody>
-      </p:sp>
+      <p:pic>
+        <p:nvPicPr>
+          <p:cNvPr id="4" name="図 3"/>
+          <p:cNvPicPr>
+            <a:picLocks noChangeAspect="1"/>
+          </p:cNvPicPr>
+          <p:nvPr/>
+        </p:nvPicPr>
+        <p:blipFill>
+          <a:blip r:embed="rId2">
+            <a:extLst>
+              <a:ext uri="{28A0092B-C50C-407E-A947-70E740481C1C}">
+                <a14:useLocalDpi xmlns:a14="http://schemas.microsoft.com/office/drawing/2010/main" val="0"/>
+              </a:ext>
+            </a:extLst>
+          </a:blip>
+          <a:stretch>
+            <a:fillRect/>
+          </a:stretch>
+        </p:blipFill>
+        <p:spPr>
+          <a:xfrm>
+            <a:off x="580008" y="1085673"/>
+            <a:ext cx="7983984" cy="4315667"/>
+          </a:xfrm>
+          <a:prstGeom prst="rect">
+            <a:avLst/>
+          </a:prstGeom>
+        </p:spPr>
+      </p:pic>
     </p:spTree>
     <p:extLst>
       <p:ext uri="{BB962C8B-B14F-4D97-AF65-F5344CB8AC3E}">
-        <p14:creationId xmlns:p14="http://schemas.microsoft.com/office/powerpoint/2010/main" val="3467715661"/>
+        <p14:creationId xmlns:p14="http://schemas.microsoft.com/office/powerpoint/2010/main" val="1735274476"/>
       </p:ext>
     </p:extLst>
   </p:cSld>
@@ -9647,7 +9667,7 @@
   <p:timing>
     <p:tnLst>
       <p:par>
-        <p:cTn xmlns:p14="http://schemas.microsoft.com/office/powerpoint/2010/main" id="1" dur="indefinite" restart="never" nodeType="tmRoot"/>
+        <p:cTn id="1" dur="indefinite" restart="never" nodeType="tmRoot"/>
       </p:par>
     </p:tnLst>
   </p:timing>
@@ -9688,6 +9708,560 @@
           <a:p>
             <a:r>
               <a:rPr kumimoji="1" lang="en-US" altLang="ja-JP" dirty="0" err="1" smtClean="0"/>
+              <a:t>MSTest</a:t>
+            </a:r>
+            <a:r>
+              <a:rPr kumimoji="1" lang="ja-JP" altLang="en-US" dirty="0" smtClean="0"/>
+              <a:t>導入方法</a:t>
+            </a:r>
+            <a:endParaRPr kumimoji="1" lang="ja-JP" altLang="en-US" dirty="0"/>
+          </a:p>
+        </p:txBody>
+      </p:sp>
+      <p:pic>
+        <p:nvPicPr>
+          <p:cNvPr id="3" name="図 2"/>
+          <p:cNvPicPr>
+            <a:picLocks noChangeAspect="1"/>
+          </p:cNvPicPr>
+          <p:nvPr/>
+        </p:nvPicPr>
+        <p:blipFill>
+          <a:blip r:embed="rId2">
+            <a:extLst>
+              <a:ext uri="{28A0092B-C50C-407E-A947-70E740481C1C}">
+                <a14:useLocalDpi xmlns:a14="http://schemas.microsoft.com/office/drawing/2010/main" val="0"/>
+              </a:ext>
+            </a:extLst>
+          </a:blip>
+          <a:stretch>
+            <a:fillRect/>
+          </a:stretch>
+        </p:blipFill>
+        <p:spPr>
+          <a:xfrm>
+            <a:off x="1786268" y="1260089"/>
+            <a:ext cx="5815335" cy="4018975"/>
+          </a:xfrm>
+          <a:prstGeom prst="rect">
+            <a:avLst/>
+          </a:prstGeom>
+        </p:spPr>
+      </p:pic>
+    </p:spTree>
+    <p:extLst>
+      <p:ext uri="{BB962C8B-B14F-4D97-AF65-F5344CB8AC3E}">
+        <p14:creationId xmlns:p14="http://schemas.microsoft.com/office/powerpoint/2010/main" val="3290840838"/>
+      </p:ext>
+    </p:extLst>
+  </p:cSld>
+  <p:clrMapOvr>
+    <a:masterClrMapping/>
+  </p:clrMapOvr>
+  <p:timing>
+    <p:tnLst>
+      <p:par>
+        <p:cTn id="1" dur="indefinite" restart="never" nodeType="tmRoot"/>
+      </p:par>
+    </p:tnLst>
+  </p:timing>
+</p:sld>
+</file>
+
+<file path=ppt/slides/slide24.xml><?xml version="1.0" encoding="utf-8"?>
+<p:sld xmlns:a="http://schemas.openxmlformats.org/drawingml/2006/main" xmlns:r="http://schemas.openxmlformats.org/officeDocument/2006/relationships" xmlns:p="http://schemas.openxmlformats.org/presentationml/2006/main">
+  <p:cSld>
+    <p:spTree>
+      <p:nvGrpSpPr>
+        <p:cNvPr id="1" name=""/>
+        <p:cNvGrpSpPr/>
+        <p:nvPr/>
+      </p:nvGrpSpPr>
+      <p:grpSpPr>
+        <a:xfrm>
+          <a:off x="0" y="0"/>
+          <a:ext cx="0" cy="0"/>
+          <a:chOff x="0" y="0"/>
+          <a:chExt cx="0" cy="0"/>
+        </a:xfrm>
+      </p:grpSpPr>
+      <p:sp>
+        <p:nvSpPr>
+          <p:cNvPr id="2" name="タイトル 1"/>
+          <p:cNvSpPr>
+            <a:spLocks noGrp="1"/>
+          </p:cNvSpPr>
+          <p:nvPr>
+            <p:ph type="title"/>
+          </p:nvPr>
+        </p:nvSpPr>
+        <p:spPr/>
+        <p:txBody>
+          <a:bodyPr/>
+          <a:lstStyle/>
+          <a:p>
+            <a:r>
+              <a:rPr kumimoji="1" lang="en-US" altLang="ja-JP" dirty="0" err="1" smtClean="0"/>
+              <a:t>MSTest</a:t>
+            </a:r>
+            <a:r>
+              <a:rPr kumimoji="1" lang="ja-JP" altLang="en-US" dirty="0" smtClean="0"/>
+              <a:t>導入方法</a:t>
+            </a:r>
+            <a:endParaRPr kumimoji="1" lang="ja-JP" altLang="en-US" dirty="0"/>
+          </a:p>
+        </p:txBody>
+      </p:sp>
+      <p:pic>
+        <p:nvPicPr>
+          <p:cNvPr id="4" name="図 3"/>
+          <p:cNvPicPr>
+            <a:picLocks noChangeAspect="1"/>
+          </p:cNvPicPr>
+          <p:nvPr/>
+        </p:nvPicPr>
+        <p:blipFill>
+          <a:blip r:embed="rId2">
+            <a:extLst>
+              <a:ext uri="{28A0092B-C50C-407E-A947-70E740481C1C}">
+                <a14:useLocalDpi xmlns:a14="http://schemas.microsoft.com/office/drawing/2010/main" val="0"/>
+              </a:ext>
+            </a:extLst>
+          </a:blip>
+          <a:stretch>
+            <a:fillRect/>
+          </a:stretch>
+        </p:blipFill>
+        <p:spPr>
+          <a:xfrm>
+            <a:off x="2126511" y="1273801"/>
+            <a:ext cx="5475172" cy="4088602"/>
+          </a:xfrm>
+          <a:prstGeom prst="rect">
+            <a:avLst/>
+          </a:prstGeom>
+        </p:spPr>
+      </p:pic>
+    </p:spTree>
+    <p:extLst>
+      <p:ext uri="{BB962C8B-B14F-4D97-AF65-F5344CB8AC3E}">
+        <p14:creationId xmlns:p14="http://schemas.microsoft.com/office/powerpoint/2010/main" val="1541395477"/>
+      </p:ext>
+    </p:extLst>
+  </p:cSld>
+  <p:clrMapOvr>
+    <a:masterClrMapping/>
+  </p:clrMapOvr>
+  <p:timing>
+    <p:tnLst>
+      <p:par>
+        <p:cTn id="1" dur="indefinite" restart="never" nodeType="tmRoot"/>
+      </p:par>
+    </p:tnLst>
+  </p:timing>
+</p:sld>
+</file>
+
+<file path=ppt/slides/slide25.xml><?xml version="1.0" encoding="utf-8"?>
+<p:sld xmlns:a="http://schemas.openxmlformats.org/drawingml/2006/main" xmlns:r="http://schemas.openxmlformats.org/officeDocument/2006/relationships" xmlns:p="http://schemas.openxmlformats.org/presentationml/2006/main">
+  <p:cSld>
+    <p:spTree>
+      <p:nvGrpSpPr>
+        <p:cNvPr id="1" name=""/>
+        <p:cNvGrpSpPr/>
+        <p:nvPr/>
+      </p:nvGrpSpPr>
+      <p:grpSpPr>
+        <a:xfrm>
+          <a:off x="0" y="0"/>
+          <a:ext cx="0" cy="0"/>
+          <a:chOff x="0" y="0"/>
+          <a:chExt cx="0" cy="0"/>
+        </a:xfrm>
+      </p:grpSpPr>
+      <p:sp>
+        <p:nvSpPr>
+          <p:cNvPr id="2" name="タイトル 1"/>
+          <p:cNvSpPr>
+            <a:spLocks noGrp="1"/>
+          </p:cNvSpPr>
+          <p:nvPr>
+            <p:ph type="title"/>
+          </p:nvPr>
+        </p:nvSpPr>
+        <p:spPr/>
+        <p:txBody>
+          <a:bodyPr/>
+          <a:lstStyle/>
+          <a:p>
+            <a:r>
+              <a:rPr kumimoji="1" lang="en-US" altLang="ja-JP" dirty="0" err="1" smtClean="0"/>
+              <a:t>MSTest</a:t>
+            </a:r>
+            <a:r>
+              <a:rPr kumimoji="1" lang="ja-JP" altLang="en-US" dirty="0" smtClean="0"/>
+              <a:t>導入方法</a:t>
+            </a:r>
+            <a:endParaRPr kumimoji="1" lang="ja-JP" altLang="en-US" dirty="0"/>
+          </a:p>
+        </p:txBody>
+      </p:sp>
+      <p:pic>
+        <p:nvPicPr>
+          <p:cNvPr id="3" name="図 2"/>
+          <p:cNvPicPr>
+            <a:picLocks noChangeAspect="1"/>
+          </p:cNvPicPr>
+          <p:nvPr/>
+        </p:nvPicPr>
+        <p:blipFill>
+          <a:blip r:embed="rId2">
+            <a:extLst>
+              <a:ext uri="{28A0092B-C50C-407E-A947-70E740481C1C}">
+                <a14:useLocalDpi xmlns:a14="http://schemas.microsoft.com/office/drawing/2010/main" val="0"/>
+              </a:ext>
+            </a:extLst>
+          </a:blip>
+          <a:stretch>
+            <a:fillRect/>
+          </a:stretch>
+        </p:blipFill>
+        <p:spPr>
+          <a:xfrm>
+            <a:off x="1137683" y="1386183"/>
+            <a:ext cx="7293935" cy="3942668"/>
+          </a:xfrm>
+          <a:prstGeom prst="rect">
+            <a:avLst/>
+          </a:prstGeom>
+        </p:spPr>
+      </p:pic>
+    </p:spTree>
+    <p:extLst>
+      <p:ext uri="{BB962C8B-B14F-4D97-AF65-F5344CB8AC3E}">
+        <p14:creationId xmlns:p14="http://schemas.microsoft.com/office/powerpoint/2010/main" val="3906695335"/>
+      </p:ext>
+    </p:extLst>
+  </p:cSld>
+  <p:clrMapOvr>
+    <a:masterClrMapping/>
+  </p:clrMapOvr>
+  <p:timing>
+    <p:tnLst>
+      <p:par>
+        <p:cTn id="1" dur="indefinite" restart="never" nodeType="tmRoot"/>
+      </p:par>
+    </p:tnLst>
+  </p:timing>
+</p:sld>
+</file>
+
+<file path=ppt/slides/slide26.xml><?xml version="1.0" encoding="utf-8"?>
+<p:sld xmlns:a="http://schemas.openxmlformats.org/drawingml/2006/main" xmlns:r="http://schemas.openxmlformats.org/officeDocument/2006/relationships" xmlns:p="http://schemas.openxmlformats.org/presentationml/2006/main">
+  <p:cSld>
+    <p:spTree>
+      <p:nvGrpSpPr>
+        <p:cNvPr id="1" name=""/>
+        <p:cNvGrpSpPr/>
+        <p:nvPr/>
+      </p:nvGrpSpPr>
+      <p:grpSpPr>
+        <a:xfrm>
+          <a:off x="0" y="0"/>
+          <a:ext cx="0" cy="0"/>
+          <a:chOff x="0" y="0"/>
+          <a:chExt cx="0" cy="0"/>
+        </a:xfrm>
+      </p:grpSpPr>
+      <p:sp>
+        <p:nvSpPr>
+          <p:cNvPr id="2" name="タイトル 1"/>
+          <p:cNvSpPr>
+            <a:spLocks noGrp="1"/>
+          </p:cNvSpPr>
+          <p:nvPr>
+            <p:ph type="title"/>
+          </p:nvPr>
+        </p:nvSpPr>
+        <p:spPr/>
+        <p:txBody>
+          <a:bodyPr/>
+          <a:lstStyle/>
+          <a:p>
+            <a:r>
+              <a:rPr kumimoji="1" lang="ja-JP" altLang="en-US" dirty="0" smtClean="0"/>
+              <a:t>本日の内容</a:t>
+            </a:r>
+            <a:endParaRPr kumimoji="1" lang="ja-JP" altLang="en-US" dirty="0"/>
+          </a:p>
+        </p:txBody>
+      </p:sp>
+      <p:sp>
+        <p:nvSpPr>
+          <p:cNvPr id="3" name="コンテンツ プレースホルダー 2"/>
+          <p:cNvSpPr>
+            <a:spLocks noGrp="1"/>
+          </p:cNvSpPr>
+          <p:nvPr>
+            <p:ph idx="1"/>
+          </p:nvPr>
+        </p:nvSpPr>
+        <p:spPr/>
+        <p:txBody>
+          <a:bodyPr/>
+          <a:lstStyle/>
+          <a:p>
+            <a:r>
+              <a:rPr kumimoji="1" lang="ja-JP" altLang="en-US" dirty="0" smtClean="0"/>
+              <a:t>その前に対象の</a:t>
+            </a:r>
+            <a:r>
+              <a:rPr kumimoji="1" lang="en-US" altLang="ja-JP" dirty="0" smtClean="0"/>
+              <a:t>Web</a:t>
+            </a:r>
+            <a:r>
+              <a:rPr kumimoji="1" lang="ja-JP" altLang="en-US" dirty="0" smtClean="0"/>
+              <a:t>アプリについて</a:t>
+            </a:r>
+            <a:endParaRPr kumimoji="1" lang="en-US" altLang="ja-JP" dirty="0" smtClean="0"/>
+          </a:p>
+          <a:p>
+            <a:r>
+              <a:rPr lang="en-US" altLang="ja-JP" dirty="0" err="1" smtClean="0">
+                <a:solidFill>
+                  <a:srgbClr val="FF0000"/>
+                </a:solidFill>
+              </a:rPr>
+              <a:t>MSTest</a:t>
+            </a:r>
+            <a:r>
+              <a:rPr lang="ja-JP" altLang="en-US" dirty="0" smtClean="0">
+                <a:solidFill>
+                  <a:srgbClr val="FF0000"/>
+                </a:solidFill>
+              </a:rPr>
+              <a:t>って？</a:t>
+            </a:r>
+            <a:endParaRPr lang="en-US" altLang="ja-JP" dirty="0" smtClean="0">
+              <a:solidFill>
+                <a:srgbClr val="FF0000"/>
+              </a:solidFill>
+            </a:endParaRPr>
+          </a:p>
+          <a:p>
+            <a:r>
+              <a:rPr kumimoji="1" lang="en-US" altLang="ja-JP" dirty="0" err="1" smtClean="0"/>
+              <a:t>Moq</a:t>
+            </a:r>
+            <a:r>
+              <a:rPr kumimoji="1" lang="ja-JP" altLang="en-US" dirty="0" smtClean="0"/>
+              <a:t>とは</a:t>
+            </a:r>
+            <a:endParaRPr kumimoji="1" lang="en-US" altLang="ja-JP" dirty="0" smtClean="0"/>
+          </a:p>
+          <a:p>
+            <a:r>
+              <a:rPr lang="en-US" altLang="ja-JP" dirty="0" smtClean="0"/>
+              <a:t>DI</a:t>
+            </a:r>
+            <a:r>
+              <a:rPr lang="ja-JP" altLang="en-US" dirty="0" smtClean="0"/>
+              <a:t>の存在意味</a:t>
+            </a:r>
+            <a:endParaRPr kumimoji="1" lang="ja-JP" altLang="en-US" dirty="0"/>
+          </a:p>
+        </p:txBody>
+      </p:sp>
+    </p:spTree>
+    <p:extLst>
+      <p:ext uri="{BB962C8B-B14F-4D97-AF65-F5344CB8AC3E}">
+        <p14:creationId xmlns:p14="http://schemas.microsoft.com/office/powerpoint/2010/main" val="2747967890"/>
+      </p:ext>
+    </p:extLst>
+  </p:cSld>
+  <p:clrMapOvr>
+    <a:masterClrMapping/>
+  </p:clrMapOvr>
+  <p:timing>
+    <p:tnLst>
+      <p:par>
+        <p:cTn id="1" dur="indefinite" restart="never" nodeType="tmRoot"/>
+      </p:par>
+    </p:tnLst>
+  </p:timing>
+</p:sld>
+</file>
+
+<file path=ppt/slides/slide27.xml><?xml version="1.0" encoding="utf-8"?>
+<p:sld xmlns:a="http://schemas.openxmlformats.org/drawingml/2006/main" xmlns:r="http://schemas.openxmlformats.org/officeDocument/2006/relationships" xmlns:p="http://schemas.openxmlformats.org/presentationml/2006/main">
+  <p:cSld>
+    <p:spTree>
+      <p:nvGrpSpPr>
+        <p:cNvPr id="1" name=""/>
+        <p:cNvGrpSpPr/>
+        <p:nvPr/>
+      </p:nvGrpSpPr>
+      <p:grpSpPr>
+        <a:xfrm>
+          <a:off x="0" y="0"/>
+          <a:ext cx="0" cy="0"/>
+          <a:chOff x="0" y="0"/>
+          <a:chExt cx="0" cy="0"/>
+        </a:xfrm>
+      </p:grpSpPr>
+      <p:sp>
+        <p:nvSpPr>
+          <p:cNvPr id="2" name="タイトル 1"/>
+          <p:cNvSpPr>
+            <a:spLocks noGrp="1"/>
+          </p:cNvSpPr>
+          <p:nvPr>
+            <p:ph type="title"/>
+          </p:nvPr>
+        </p:nvSpPr>
+        <p:spPr/>
+        <p:txBody>
+          <a:bodyPr/>
+          <a:lstStyle/>
+          <a:p>
+            <a:r>
+              <a:rPr kumimoji="1" lang="ja-JP" altLang="en-US" dirty="0" smtClean="0"/>
+              <a:t>本日の内容</a:t>
+            </a:r>
+            <a:endParaRPr kumimoji="1" lang="ja-JP" altLang="en-US" dirty="0"/>
+          </a:p>
+        </p:txBody>
+      </p:sp>
+      <p:sp>
+        <p:nvSpPr>
+          <p:cNvPr id="3" name="コンテンツ プレースホルダー 2"/>
+          <p:cNvSpPr>
+            <a:spLocks noGrp="1"/>
+          </p:cNvSpPr>
+          <p:nvPr>
+            <p:ph idx="1"/>
+          </p:nvPr>
+        </p:nvSpPr>
+        <p:spPr/>
+        <p:txBody>
+          <a:bodyPr/>
+          <a:lstStyle/>
+          <a:p>
+            <a:r>
+              <a:rPr kumimoji="1" lang="ja-JP" altLang="en-US" dirty="0" smtClean="0"/>
+              <a:t>その前に対象の</a:t>
+            </a:r>
+            <a:r>
+              <a:rPr kumimoji="1" lang="en-US" altLang="ja-JP" dirty="0" smtClean="0"/>
+              <a:t>Web</a:t>
+            </a:r>
+            <a:r>
+              <a:rPr kumimoji="1" lang="ja-JP" altLang="en-US" dirty="0" smtClean="0"/>
+              <a:t>アプリについて</a:t>
+            </a:r>
+            <a:endParaRPr kumimoji="1" lang="en-US" altLang="ja-JP" dirty="0" smtClean="0"/>
+          </a:p>
+          <a:p>
+            <a:r>
+              <a:rPr lang="en-US" altLang="ja-JP" dirty="0" err="1" smtClean="0"/>
+              <a:t>MSTest</a:t>
+            </a:r>
+            <a:r>
+              <a:rPr lang="ja-JP" altLang="en-US" dirty="0" smtClean="0"/>
+              <a:t>って？</a:t>
+            </a:r>
+            <a:endParaRPr lang="en-US" altLang="ja-JP" dirty="0" smtClean="0"/>
+          </a:p>
+          <a:p>
+            <a:r>
+              <a:rPr kumimoji="1" lang="en-US" altLang="ja-JP" dirty="0" err="1" smtClean="0">
+                <a:solidFill>
+                  <a:srgbClr val="FF0000"/>
+                </a:solidFill>
+              </a:rPr>
+              <a:t>Moq</a:t>
+            </a:r>
+            <a:r>
+              <a:rPr kumimoji="1" lang="ja-JP" altLang="en-US" dirty="0" smtClean="0">
+                <a:solidFill>
+                  <a:srgbClr val="FF0000"/>
+                </a:solidFill>
+              </a:rPr>
+              <a:t>とは</a:t>
+            </a:r>
+            <a:endParaRPr kumimoji="1" lang="en-US" altLang="ja-JP" dirty="0" smtClean="0">
+              <a:solidFill>
+                <a:srgbClr val="FF0000"/>
+              </a:solidFill>
+            </a:endParaRPr>
+          </a:p>
+          <a:p>
+            <a:r>
+              <a:rPr lang="en-US" altLang="ja-JP" dirty="0" smtClean="0"/>
+              <a:t>DI</a:t>
+            </a:r>
+            <a:r>
+              <a:rPr lang="ja-JP" altLang="en-US" dirty="0" smtClean="0"/>
+              <a:t>の存在意味</a:t>
+            </a:r>
+            <a:endParaRPr kumimoji="1" lang="ja-JP" altLang="en-US" dirty="0"/>
+          </a:p>
+        </p:txBody>
+      </p:sp>
+    </p:spTree>
+    <p:extLst>
+      <p:ext uri="{BB962C8B-B14F-4D97-AF65-F5344CB8AC3E}">
+        <p14:creationId xmlns:p14="http://schemas.microsoft.com/office/powerpoint/2010/main" val="3467715661"/>
+      </p:ext>
+    </p:extLst>
+  </p:cSld>
+  <p:clrMapOvr>
+    <a:masterClrMapping/>
+  </p:clrMapOvr>
+  <p:timing>
+    <p:tnLst>
+      <p:par>
+        <p:cTn id="1" dur="indefinite" restart="never" nodeType="tmRoot"/>
+      </p:par>
+    </p:tnLst>
+  </p:timing>
+</p:sld>
+</file>
+
+<file path=ppt/slides/slide28.xml><?xml version="1.0" encoding="utf-8"?>
+<p:sld xmlns:a="http://schemas.openxmlformats.org/drawingml/2006/main" xmlns:r="http://schemas.openxmlformats.org/officeDocument/2006/relationships" xmlns:p="http://schemas.openxmlformats.org/presentationml/2006/main">
+  <p:cSld>
+    <p:spTree>
+      <p:nvGrpSpPr>
+        <p:cNvPr id="1" name=""/>
+        <p:cNvGrpSpPr/>
+        <p:nvPr/>
+      </p:nvGrpSpPr>
+      <p:grpSpPr>
+        <a:xfrm>
+          <a:off x="0" y="0"/>
+          <a:ext cx="0" cy="0"/>
+          <a:chOff x="0" y="0"/>
+          <a:chExt cx="0" cy="0"/>
+        </a:xfrm>
+      </p:grpSpPr>
+      <p:sp>
+        <p:nvSpPr>
+          <p:cNvPr id="2" name="タイトル 1"/>
+          <p:cNvSpPr>
+            <a:spLocks noGrp="1"/>
+          </p:cNvSpPr>
+          <p:nvPr>
+            <p:ph type="title"/>
+          </p:nvPr>
+        </p:nvSpPr>
+        <p:spPr/>
+        <p:txBody>
+          <a:bodyPr/>
+          <a:lstStyle/>
+          <a:p>
+            <a:r>
+              <a:rPr kumimoji="1" lang="en-US" altLang="ja-JP" dirty="0" err="1" smtClean="0"/>
               <a:t>Moq</a:t>
             </a:r>
             <a:r>
@@ -9738,7 +10312,7 @@
 </p:sld>
 </file>
 
-<file path=ppt/slides/slide24.xml><?xml version="1.0" encoding="utf-8"?>
+<file path=ppt/slides/slide29.xml><?xml version="1.0" encoding="utf-8"?>
 <p:sld xmlns:a="http://schemas.openxmlformats.org/drawingml/2006/main" xmlns:r="http://schemas.openxmlformats.org/officeDocument/2006/relationships" xmlns:p="http://schemas.openxmlformats.org/presentationml/2006/main">
   <p:cSld>
     <p:spTree>
@@ -10035,7 +10609,140 @@
 </p:sld>
 </file>
 
-<file path=ppt/slides/slide25.xml><?xml version="1.0" encoding="utf-8"?>
+<file path=ppt/slides/slide3.xml><?xml version="1.0" encoding="utf-8"?>
+<p:sld xmlns:a="http://schemas.openxmlformats.org/drawingml/2006/main" xmlns:r="http://schemas.openxmlformats.org/officeDocument/2006/relationships" xmlns:p="http://schemas.openxmlformats.org/presentationml/2006/main">
+  <p:cSld>
+    <p:spTree>
+      <p:nvGrpSpPr>
+        <p:cNvPr id="1" name=""/>
+        <p:cNvGrpSpPr/>
+        <p:nvPr/>
+      </p:nvGrpSpPr>
+      <p:grpSpPr>
+        <a:xfrm>
+          <a:off x="0" y="0"/>
+          <a:ext cx="0" cy="0"/>
+          <a:chOff x="0" y="0"/>
+          <a:chExt cx="0" cy="0"/>
+        </a:xfrm>
+      </p:grpSpPr>
+      <p:sp>
+        <p:nvSpPr>
+          <p:cNvPr id="2" name="タイトル 1"/>
+          <p:cNvSpPr>
+            <a:spLocks noGrp="1"/>
+          </p:cNvSpPr>
+          <p:nvPr>
+            <p:ph type="title"/>
+          </p:nvPr>
+        </p:nvSpPr>
+        <p:spPr/>
+        <p:txBody>
+          <a:bodyPr/>
+          <a:lstStyle/>
+          <a:p>
+            <a:r>
+              <a:rPr kumimoji="1" lang="ja-JP" altLang="en-US" dirty="0" smtClean="0"/>
+              <a:t>目的</a:t>
+            </a:r>
+            <a:endParaRPr kumimoji="1" lang="ja-JP" altLang="en-US" dirty="0"/>
+          </a:p>
+        </p:txBody>
+      </p:sp>
+      <p:sp>
+        <p:nvSpPr>
+          <p:cNvPr id="3" name="コンテンツ プレースホルダー 2"/>
+          <p:cNvSpPr>
+            <a:spLocks noGrp="1"/>
+          </p:cNvSpPr>
+          <p:nvPr>
+            <p:ph idx="1"/>
+          </p:nvPr>
+        </p:nvSpPr>
+        <p:spPr/>
+        <p:txBody>
+          <a:bodyPr/>
+          <a:lstStyle/>
+          <a:p>
+            <a:r>
+              <a:rPr kumimoji="1" lang="en-US" altLang="ja-JP" dirty="0" smtClean="0"/>
+              <a:t>ASP.NET MVC, Entity Framework</a:t>
+            </a:r>
+            <a:r>
+              <a:rPr kumimoji="1" lang="ja-JP" altLang="en-US" dirty="0" smtClean="0"/>
+              <a:t>で作成した</a:t>
+            </a:r>
+            <a:r>
+              <a:rPr lang="en-US" altLang="ja-JP" dirty="0" smtClean="0"/>
+              <a:t>Web</a:t>
+            </a:r>
+            <a:r>
+              <a:rPr lang="ja-JP" altLang="en-US" dirty="0" smtClean="0"/>
+              <a:t>アプリの単体テストを書けるようになる</a:t>
+            </a:r>
+            <a:endParaRPr lang="en-US" altLang="ja-JP" dirty="0" smtClean="0"/>
+          </a:p>
+        </p:txBody>
+      </p:sp>
+      <p:sp>
+        <p:nvSpPr>
+          <p:cNvPr id="4" name="テキスト ボックス 3"/>
+          <p:cNvSpPr txBox="1"/>
+          <p:nvPr/>
+        </p:nvSpPr>
+        <p:spPr>
+          <a:xfrm>
+            <a:off x="2633013" y="3980360"/>
+            <a:ext cx="3877985" cy="830997"/>
+          </a:xfrm>
+          <a:prstGeom prst="rect">
+            <a:avLst/>
+          </a:prstGeom>
+          <a:noFill/>
+        </p:spPr>
+        <p:txBody>
+          <a:bodyPr wrap="none" rtlCol="0">
+            <a:spAutoFit/>
+          </a:bodyPr>
+          <a:lstStyle/>
+          <a:p>
+            <a:r>
+              <a:rPr kumimoji="1" lang="ja-JP" altLang="en-US" sz="4800" b="1" dirty="0" smtClean="0">
+                <a:solidFill>
+                  <a:srgbClr val="FF0000"/>
+                </a:solidFill>
+              </a:rPr>
+              <a:t>これだけです</a:t>
+            </a:r>
+            <a:endParaRPr kumimoji="1" lang="ja-JP" altLang="en-US" sz="4800" b="1" dirty="0">
+              <a:solidFill>
+                <a:srgbClr val="FF0000"/>
+              </a:solidFill>
+            </a:endParaRPr>
+          </a:p>
+        </p:txBody>
+      </p:sp>
+    </p:spTree>
+    <p:extLst>
+      <p:ext uri="{BB962C8B-B14F-4D97-AF65-F5344CB8AC3E}">
+        <p14:creationId xmlns:p14="http://schemas.microsoft.com/office/powerpoint/2010/main" val="3546680013"/>
+      </p:ext>
+    </p:extLst>
+  </p:cSld>
+  <p:clrMapOvr>
+    <a:masterClrMapping/>
+  </p:clrMapOvr>
+  <p:timing>
+    <p:tnLst>
+      <p:par>
+        <p:cTn id="1" dur="indefinite" restart="never" nodeType="tmRoot"/>
+      </p:par>
+    </p:tnLst>
+  </p:timing>
+</p:sld>
+</file>
+
+<file path=ppt/slides/slide30.xml><?xml version="1.0" encoding="utf-8"?>
 <p:sld xmlns:a="http://schemas.openxmlformats.org/drawingml/2006/main" xmlns:r="http://schemas.openxmlformats.org/officeDocument/2006/relationships" xmlns:p="http://schemas.openxmlformats.org/presentationml/2006/main">
   <p:cSld>
     <p:spTree>
@@ -10408,7 +11115,7 @@
 </p:sld>
 </file>
 
-<file path=ppt/slides/slide26.xml><?xml version="1.0" encoding="utf-8"?>
+<file path=ppt/slides/slide31.xml><?xml version="1.0" encoding="utf-8"?>
 <p:sld xmlns:a="http://schemas.openxmlformats.org/drawingml/2006/main" xmlns:r="http://schemas.openxmlformats.org/officeDocument/2006/relationships" xmlns:p="http://schemas.openxmlformats.org/presentationml/2006/main">
   <p:cSld>
     <p:spTree>
@@ -11059,14 +11766,14 @@
   <p:timing>
     <p:tnLst>
       <p:par>
-        <p:cTn xmlns:p14="http://schemas.microsoft.com/office/powerpoint/2010/main" id="1" dur="indefinite" restart="never" nodeType="tmRoot"/>
+        <p:cTn id="1" dur="indefinite" restart="never" nodeType="tmRoot"/>
       </p:par>
     </p:tnLst>
   </p:timing>
 </p:sld>
 </file>
 
-<file path=ppt/slides/slide27.xml><?xml version="1.0" encoding="utf-8"?>
+<file path=ppt/slides/slide32.xml><?xml version="1.0" encoding="utf-8"?>
 <p:sld xmlns:a="http://schemas.openxmlformats.org/drawingml/2006/main" xmlns:r="http://schemas.openxmlformats.org/officeDocument/2006/relationships" xmlns:p="http://schemas.openxmlformats.org/presentationml/2006/main">
   <p:cSld>
     <p:spTree>
@@ -12092,14 +12799,14 @@
   <p:timing>
     <p:tnLst>
       <p:par>
-        <p:cTn xmlns:p14="http://schemas.microsoft.com/office/powerpoint/2010/main" id="1" dur="indefinite" restart="never" nodeType="tmRoot"/>
+        <p:cTn id="1" dur="indefinite" restart="never" nodeType="tmRoot"/>
       </p:par>
     </p:tnLst>
   </p:timing>
 </p:sld>
 </file>
 
-<file path=ppt/slides/slide28.xml><?xml version="1.0" encoding="utf-8"?>
+<file path=ppt/slides/slide33.xml><?xml version="1.0" encoding="utf-8"?>
 <p:sld xmlns:a="http://schemas.openxmlformats.org/drawingml/2006/main" xmlns:r="http://schemas.openxmlformats.org/officeDocument/2006/relationships" xmlns:p="http://schemas.openxmlformats.org/presentationml/2006/main">
   <p:cSld>
     <p:spTree>
@@ -13256,14 +13963,14 @@
   <p:timing>
     <p:tnLst>
       <p:par>
-        <p:cTn xmlns:p14="http://schemas.microsoft.com/office/powerpoint/2010/main" id="1" dur="indefinite" restart="never" nodeType="tmRoot"/>
+        <p:cTn id="1" dur="indefinite" restart="never" nodeType="tmRoot"/>
       </p:par>
     </p:tnLst>
   </p:timing>
 </p:sld>
 </file>
 
-<file path=ppt/slides/slide29.xml><?xml version="1.0" encoding="utf-8"?>
+<file path=ppt/slides/slide34.xml><?xml version="1.0" encoding="utf-8"?>
 <p:sld xmlns:a="http://schemas.openxmlformats.org/drawingml/2006/main" xmlns:r="http://schemas.openxmlformats.org/officeDocument/2006/relationships" xmlns:p="http://schemas.openxmlformats.org/presentationml/2006/main">
   <p:cSld>
     <p:spTree>
@@ -14420,147 +15127,14 @@
   <p:timing>
     <p:tnLst>
       <p:par>
-        <p:cTn xmlns:p14="http://schemas.microsoft.com/office/powerpoint/2010/main" id="1" dur="indefinite" restart="never" nodeType="tmRoot"/>
+        <p:cTn id="1" dur="indefinite" restart="never" nodeType="tmRoot"/>
       </p:par>
     </p:tnLst>
   </p:timing>
 </p:sld>
 </file>
 
-<file path=ppt/slides/slide3.xml><?xml version="1.0" encoding="utf-8"?>
-<p:sld xmlns:a="http://schemas.openxmlformats.org/drawingml/2006/main" xmlns:r="http://schemas.openxmlformats.org/officeDocument/2006/relationships" xmlns:p="http://schemas.openxmlformats.org/presentationml/2006/main">
-  <p:cSld>
-    <p:spTree>
-      <p:nvGrpSpPr>
-        <p:cNvPr id="1" name=""/>
-        <p:cNvGrpSpPr/>
-        <p:nvPr/>
-      </p:nvGrpSpPr>
-      <p:grpSpPr>
-        <a:xfrm>
-          <a:off x="0" y="0"/>
-          <a:ext cx="0" cy="0"/>
-          <a:chOff x="0" y="0"/>
-          <a:chExt cx="0" cy="0"/>
-        </a:xfrm>
-      </p:grpSpPr>
-      <p:sp>
-        <p:nvSpPr>
-          <p:cNvPr id="2" name="タイトル 1"/>
-          <p:cNvSpPr>
-            <a:spLocks noGrp="1"/>
-          </p:cNvSpPr>
-          <p:nvPr>
-            <p:ph type="title"/>
-          </p:nvPr>
-        </p:nvSpPr>
-        <p:spPr/>
-        <p:txBody>
-          <a:bodyPr/>
-          <a:lstStyle/>
-          <a:p>
-            <a:r>
-              <a:rPr kumimoji="1" lang="ja-JP" altLang="en-US" dirty="0" smtClean="0"/>
-              <a:t>目的</a:t>
-            </a:r>
-            <a:endParaRPr kumimoji="1" lang="ja-JP" altLang="en-US" dirty="0"/>
-          </a:p>
-        </p:txBody>
-      </p:sp>
-      <p:sp>
-        <p:nvSpPr>
-          <p:cNvPr id="3" name="コンテンツ プレースホルダー 2"/>
-          <p:cNvSpPr>
-            <a:spLocks noGrp="1"/>
-          </p:cNvSpPr>
-          <p:nvPr>
-            <p:ph idx="1"/>
-          </p:nvPr>
-        </p:nvSpPr>
-        <p:spPr/>
-        <p:txBody>
-          <a:bodyPr/>
-          <a:lstStyle/>
-          <a:p>
-            <a:r>
-              <a:rPr kumimoji="1" lang="en-US" altLang="ja-JP" dirty="0" smtClean="0"/>
-              <a:t>ASP.NET MVC, Entity Framework</a:t>
-            </a:r>
-            <a:r>
-              <a:rPr kumimoji="1" lang="ja-JP" altLang="en-US" dirty="0" smtClean="0"/>
-              <a:t>で作成した</a:t>
-            </a:r>
-            <a:r>
-              <a:rPr lang="en-US" altLang="ja-JP" dirty="0" smtClean="0"/>
-              <a:t>Web</a:t>
-            </a:r>
-            <a:r>
-              <a:rPr lang="ja-JP" altLang="en-US" dirty="0" smtClean="0"/>
-              <a:t>アプリの単体テストを書けるようになる</a:t>
-            </a:r>
-            <a:endParaRPr lang="en-US" altLang="ja-JP" dirty="0" smtClean="0"/>
-          </a:p>
-        </p:txBody>
-      </p:sp>
-      <p:sp>
-        <p:nvSpPr>
-          <p:cNvPr id="4" name="テキスト ボックス 3"/>
-          <p:cNvSpPr txBox="1"/>
-          <p:nvPr/>
-        </p:nvSpPr>
-        <p:spPr>
-          <a:xfrm>
-            <a:off x="2633013" y="3980360"/>
-            <a:ext cx="3877985" cy="830997"/>
-          </a:xfrm>
-          <a:prstGeom prst="rect">
-            <a:avLst/>
-          </a:prstGeom>
-          <a:noFill/>
-        </p:spPr>
-        <p:txBody>
-          <a:bodyPr wrap="none" rtlCol="0">
-            <a:spAutoFit/>
-          </a:bodyPr>
-          <a:lstStyle/>
-          <a:p>
-            <a:r>
-              <a:rPr kumimoji="1" lang="ja-JP" altLang="en-US" sz="4800" b="1" dirty="0" smtClean="0">
-                <a:solidFill>
-                  <a:srgbClr val="FF0000"/>
-                </a:solidFill>
-              </a:rPr>
-              <a:t>これだけです</a:t>
-            </a:r>
-            <a:endParaRPr kumimoji="1" lang="ja-JP" altLang="en-US" sz="4800" b="1" dirty="0">
-              <a:solidFill>
-                <a:srgbClr val="FF0000"/>
-              </a:solidFill>
-            </a:endParaRPr>
-          </a:p>
-        </p:txBody>
-      </p:sp>
-    </p:spTree>
-    <p:extLst>
-      <p:ext uri="{BB962C8B-B14F-4D97-AF65-F5344CB8AC3E}">
-        <p14:creationId xmlns:p14="http://schemas.microsoft.com/office/powerpoint/2010/main" val="3546680013"/>
-      </p:ext>
-    </p:extLst>
-  </p:cSld>
-  <p:clrMapOvr>
-    <a:masterClrMapping/>
-  </p:clrMapOvr>
-  <p:timing>
-    <p:tnLst>
-      <p:par>
-        <p:cTn xmlns:p14="http://schemas.microsoft.com/office/powerpoint/2010/main" id="1" dur="indefinite" restart="never" nodeType="tmRoot"/>
-      </p:par>
-    </p:tnLst>
-  </p:timing>
-</p:sld>
-</file>
-
-<file path=ppt/slides/slide30.xml><?xml version="1.0" encoding="utf-8"?>
+<file path=ppt/slides/slide35.xml><?xml version="1.0" encoding="utf-8"?>
 <p:sld xmlns:a="http://schemas.openxmlformats.org/drawingml/2006/main" xmlns:r="http://schemas.openxmlformats.org/officeDocument/2006/relationships" xmlns:p="http://schemas.openxmlformats.org/presentationml/2006/main">
   <p:cSld>
     <p:spTree>
@@ -15727,14 +16301,14 @@
   <p:timing>
     <p:tnLst>
       <p:par>
-        <p:cTn xmlns:p14="http://schemas.microsoft.com/office/powerpoint/2010/main" id="1" dur="indefinite" restart="never" nodeType="tmRoot"/>
+        <p:cTn id="1" dur="indefinite" restart="never" nodeType="tmRoot"/>
       </p:par>
     </p:tnLst>
   </p:timing>
 </p:sld>
 </file>
 
-<file path=ppt/slides/slide31.xml><?xml version="1.0" encoding="utf-8"?>
+<file path=ppt/slides/slide36.xml><?xml version="1.0" encoding="utf-8"?>
 <p:sld xmlns:a="http://schemas.openxmlformats.org/drawingml/2006/main" xmlns:r="http://schemas.openxmlformats.org/officeDocument/2006/relationships" xmlns:p="http://schemas.openxmlformats.org/presentationml/2006/main">
   <p:cSld>
     <p:spTree>
@@ -16882,14 +17456,14 @@
   <p:timing>
     <p:tnLst>
       <p:par>
-        <p:cTn xmlns:p14="http://schemas.microsoft.com/office/powerpoint/2010/main" id="1" dur="indefinite" restart="never" nodeType="tmRoot"/>
+        <p:cTn id="1" dur="indefinite" restart="never" nodeType="tmRoot"/>
       </p:par>
     </p:tnLst>
   </p:timing>
 </p:sld>
 </file>
 
-<file path=ppt/slides/slide32.xml><?xml version="1.0" encoding="utf-8"?>
+<file path=ppt/slides/slide37.xml><?xml version="1.0" encoding="utf-8"?>
 <p:sld xmlns:a="http://schemas.openxmlformats.org/drawingml/2006/main" xmlns:r="http://schemas.openxmlformats.org/officeDocument/2006/relationships" xmlns:p="http://schemas.openxmlformats.org/presentationml/2006/main">
   <p:cSld>
     <p:spTree>
@@ -18064,14 +18638,14 @@
   <p:timing>
     <p:tnLst>
       <p:par>
-        <p:cTn xmlns:p14="http://schemas.microsoft.com/office/powerpoint/2010/main" id="1" dur="indefinite" restart="never" nodeType="tmRoot"/>
+        <p:cTn id="1" dur="indefinite" restart="never" nodeType="tmRoot"/>
       </p:par>
     </p:tnLst>
   </p:timing>
 </p:sld>
 </file>
 
-<file path=ppt/slides/slide33.xml><?xml version="1.0" encoding="utf-8"?>
+<file path=ppt/slides/slide38.xml><?xml version="1.0" encoding="utf-8"?>
 <p:sld xmlns:a="http://schemas.openxmlformats.org/drawingml/2006/main" xmlns:r="http://schemas.openxmlformats.org/officeDocument/2006/relationships" xmlns:p="http://schemas.openxmlformats.org/presentationml/2006/main">
   <p:cSld>
     <p:spTree>
@@ -18376,14 +18950,14 @@
   <p:timing>
     <p:tnLst>
       <p:par>
-        <p:cTn xmlns:p14="http://schemas.microsoft.com/office/powerpoint/2010/main" id="1" dur="indefinite" restart="never" nodeType="tmRoot"/>
+        <p:cTn id="1" dur="indefinite" restart="never" nodeType="tmRoot"/>
       </p:par>
     </p:tnLst>
   </p:timing>
 </p:sld>
 </file>
 
-<file path=ppt/slides/slide34.xml><?xml version="1.0" encoding="utf-8"?>
+<file path=ppt/slides/slide39.xml><?xml version="1.0" encoding="utf-8"?>
 <p:sld xmlns:a="http://schemas.openxmlformats.org/drawingml/2006/main" xmlns:r="http://schemas.openxmlformats.org/officeDocument/2006/relationships" xmlns:p="http://schemas.openxmlformats.org/presentationml/2006/main">
   <p:cSld>
     <p:spTree>
@@ -18800,14 +19374,138 @@
   <p:timing>
     <p:tnLst>
       <p:par>
-        <p:cTn xmlns:p14="http://schemas.microsoft.com/office/powerpoint/2010/main" id="1" dur="indefinite" restart="never" nodeType="tmRoot"/>
+        <p:cTn id="1" dur="indefinite" restart="never" nodeType="tmRoot"/>
       </p:par>
     </p:tnLst>
   </p:timing>
 </p:sld>
 </file>
 
-<file path=ppt/slides/slide35.xml><?xml version="1.0" encoding="utf-8"?>
+<file path=ppt/slides/slide4.xml><?xml version="1.0" encoding="utf-8"?>
+<p:sld xmlns:a="http://schemas.openxmlformats.org/drawingml/2006/main" xmlns:r="http://schemas.openxmlformats.org/officeDocument/2006/relationships" xmlns:p="http://schemas.openxmlformats.org/presentationml/2006/main">
+  <p:cSld>
+    <p:spTree>
+      <p:nvGrpSpPr>
+        <p:cNvPr id="1" name=""/>
+        <p:cNvGrpSpPr/>
+        <p:nvPr/>
+      </p:nvGrpSpPr>
+      <p:grpSpPr>
+        <a:xfrm>
+          <a:off x="0" y="0"/>
+          <a:ext cx="0" cy="0"/>
+          <a:chOff x="0" y="0"/>
+          <a:chExt cx="0" cy="0"/>
+        </a:xfrm>
+      </p:grpSpPr>
+      <p:sp>
+        <p:nvSpPr>
+          <p:cNvPr id="2" name="タイトル 1"/>
+          <p:cNvSpPr>
+            <a:spLocks noGrp="1"/>
+          </p:cNvSpPr>
+          <p:nvPr>
+            <p:ph type="title"/>
+          </p:nvPr>
+        </p:nvSpPr>
+        <p:spPr/>
+        <p:txBody>
+          <a:bodyPr/>
+          <a:lstStyle/>
+          <a:p>
+            <a:r>
+              <a:rPr kumimoji="1" lang="ja-JP" altLang="en-US" dirty="0" smtClean="0"/>
+              <a:t>本日の内容</a:t>
+            </a:r>
+            <a:endParaRPr kumimoji="1" lang="ja-JP" altLang="en-US" dirty="0"/>
+          </a:p>
+        </p:txBody>
+      </p:sp>
+      <p:sp>
+        <p:nvSpPr>
+          <p:cNvPr id="3" name="コンテンツ プレースホルダー 2"/>
+          <p:cNvSpPr>
+            <a:spLocks noGrp="1"/>
+          </p:cNvSpPr>
+          <p:nvPr>
+            <p:ph idx="1"/>
+          </p:nvPr>
+        </p:nvSpPr>
+        <p:spPr/>
+        <p:txBody>
+          <a:bodyPr/>
+          <a:lstStyle/>
+          <a:p>
+            <a:r>
+              <a:rPr kumimoji="1" lang="ja-JP" altLang="en-US" dirty="0" smtClean="0"/>
+              <a:t>その前に対象の</a:t>
+            </a:r>
+            <a:r>
+              <a:rPr kumimoji="1" lang="en-US" altLang="ja-JP" dirty="0" smtClean="0"/>
+              <a:t>Web</a:t>
+            </a:r>
+            <a:r>
+              <a:rPr kumimoji="1" lang="ja-JP" altLang="en-US" dirty="0" smtClean="0"/>
+              <a:t>アプリについて</a:t>
+            </a:r>
+            <a:endParaRPr kumimoji="1" lang="en-US" altLang="ja-JP" dirty="0" smtClean="0"/>
+          </a:p>
+          <a:p>
+            <a:r>
+              <a:rPr lang="en-US" altLang="ja-JP" dirty="0" err="1" smtClean="0"/>
+              <a:t>MSTest</a:t>
+            </a:r>
+            <a:r>
+              <a:rPr lang="ja-JP" altLang="en-US" dirty="0" smtClean="0"/>
+              <a:t>って？</a:t>
+            </a:r>
+            <a:endParaRPr lang="en-US" altLang="ja-JP" dirty="0" smtClean="0"/>
+          </a:p>
+          <a:p>
+            <a:r>
+              <a:rPr kumimoji="1" lang="en-US" altLang="ja-JP" dirty="0" err="1" smtClean="0"/>
+              <a:t>Moq</a:t>
+            </a:r>
+            <a:r>
+              <a:rPr kumimoji="1" lang="ja-JP" altLang="en-US" dirty="0" smtClean="0"/>
+              <a:t>とは</a:t>
+            </a:r>
+            <a:endParaRPr kumimoji="1" lang="en-US" altLang="ja-JP" dirty="0" smtClean="0"/>
+          </a:p>
+          <a:p>
+            <a:r>
+              <a:rPr lang="en-US" altLang="ja-JP" dirty="0" smtClean="0"/>
+              <a:t>DI</a:t>
+            </a:r>
+            <a:r>
+              <a:rPr lang="ja-JP" altLang="en-US" dirty="0" smtClean="0"/>
+              <a:t>の存在意味</a:t>
+            </a:r>
+            <a:endParaRPr kumimoji="1" lang="ja-JP" altLang="en-US" dirty="0"/>
+          </a:p>
+        </p:txBody>
+      </p:sp>
+    </p:spTree>
+    <p:extLst>
+      <p:ext uri="{BB962C8B-B14F-4D97-AF65-F5344CB8AC3E}">
+        <p14:creationId xmlns:p14="http://schemas.microsoft.com/office/powerpoint/2010/main" val="3363565455"/>
+      </p:ext>
+    </p:extLst>
+  </p:cSld>
+  <p:clrMapOvr>
+    <a:masterClrMapping/>
+  </p:clrMapOvr>
+  <p:timing>
+    <p:tnLst>
+      <p:par>
+        <p:cTn id="1" dur="indefinite" restart="never" nodeType="tmRoot"/>
+      </p:par>
+    </p:tnLst>
+  </p:timing>
+</p:sld>
+</file>
+
+<file path=ppt/slides/slide40.xml><?xml version="1.0" encoding="utf-8"?>
 <p:sld xmlns:a="http://schemas.openxmlformats.org/drawingml/2006/main" xmlns:r="http://schemas.openxmlformats.org/officeDocument/2006/relationships" xmlns:p="http://schemas.openxmlformats.org/presentationml/2006/main">
   <p:cSld>
     <p:spTree>
@@ -19176,14 +19874,14 @@
   <p:timing>
     <p:tnLst>
       <p:par>
-        <p:cTn xmlns:p14="http://schemas.microsoft.com/office/powerpoint/2010/main" id="1" dur="indefinite" restart="never" nodeType="tmRoot"/>
+        <p:cTn id="1" dur="indefinite" restart="never" nodeType="tmRoot"/>
       </p:par>
     </p:tnLst>
   </p:timing>
 </p:sld>
 </file>
 
-<file path=ppt/slides/slide36.xml><?xml version="1.0" encoding="utf-8"?>
+<file path=ppt/slides/slide41.xml><?xml version="1.0" encoding="utf-8"?>
 <p:sld xmlns:a="http://schemas.openxmlformats.org/drawingml/2006/main" xmlns:r="http://schemas.openxmlformats.org/officeDocument/2006/relationships" xmlns:p="http://schemas.openxmlformats.org/presentationml/2006/main">
   <p:cSld>
     <p:spTree>
@@ -19312,7 +20010,7 @@
 </p:sld>
 </file>
 
-<file path=ppt/slides/slide37.xml><?xml version="1.0" encoding="utf-8"?>
+<file path=ppt/slides/slide42.xml><?xml version="1.0" encoding="utf-8"?>
 <p:sld xmlns:a="http://schemas.openxmlformats.org/drawingml/2006/main" xmlns:r="http://schemas.openxmlformats.org/officeDocument/2006/relationships" xmlns:p="http://schemas.openxmlformats.org/presentationml/2006/main">
   <p:cSld>
     <p:spTree>
@@ -20460,14 +21158,14 @@
   <p:timing>
     <p:tnLst>
       <p:par>
-        <p:cTn xmlns:p14="http://schemas.microsoft.com/office/powerpoint/2010/main" id="1" dur="indefinite" restart="never" nodeType="tmRoot"/>
+        <p:cTn id="1" dur="indefinite" restart="never" nodeType="tmRoot"/>
       </p:par>
     </p:tnLst>
   </p:timing>
 </p:sld>
 </file>
 
-<file path=ppt/slides/slide38.xml><?xml version="1.0" encoding="utf-8"?>
+<file path=ppt/slides/slide43.xml><?xml version="1.0" encoding="utf-8"?>
 <p:sld xmlns:a="http://schemas.openxmlformats.org/drawingml/2006/main" xmlns:r="http://schemas.openxmlformats.org/officeDocument/2006/relationships" xmlns:p="http://schemas.openxmlformats.org/presentationml/2006/main">
   <p:cSld>
     <p:spTree>
@@ -21615,14 +22313,14 @@
   <p:timing>
     <p:tnLst>
       <p:par>
-        <p:cTn xmlns:p14="http://schemas.microsoft.com/office/powerpoint/2010/main" id="1" dur="indefinite" restart="never" nodeType="tmRoot"/>
+        <p:cTn id="1" dur="indefinite" restart="never" nodeType="tmRoot"/>
       </p:par>
     </p:tnLst>
   </p:timing>
 </p:sld>
 </file>
 
-<file path=ppt/slides/slide39.xml><?xml version="1.0" encoding="utf-8"?>
+<file path=ppt/slides/slide44.xml><?xml version="1.0" encoding="utf-8"?>
 <p:sld xmlns:a="http://schemas.openxmlformats.org/drawingml/2006/main" xmlns:r="http://schemas.openxmlformats.org/officeDocument/2006/relationships" xmlns:p="http://schemas.openxmlformats.org/presentationml/2006/main">
   <p:cSld>
     <p:spTree>
@@ -21670,32 +22368,36 @@
           </a:p>
         </p:txBody>
       </p:sp>
-      <p:sp>
-        <p:nvSpPr>
-          <p:cNvPr id="3" name="コンテンツ プレースホルダー 2"/>
-          <p:cNvSpPr>
-            <a:spLocks noGrp="1"/>
-          </p:cNvSpPr>
-          <p:nvPr>
-            <p:ph idx="1"/>
-          </p:nvPr>
-        </p:nvSpPr>
-        <p:spPr/>
-        <p:txBody>
-          <a:bodyPr/>
-          <a:lstStyle/>
-          <a:p>
-            <a:pPr marL="0" indent="0">
-              <a:buNone/>
-            </a:pPr>
-            <a:r>
-              <a:rPr lang="en-US" altLang="ja-JP" dirty="0" smtClean="0"/>
-              <a:t>1. </a:t>
-            </a:r>
-            <a:endParaRPr kumimoji="1" lang="ja-JP" altLang="en-US" dirty="0"/>
-          </a:p>
-        </p:txBody>
-      </p:sp>
+      <p:pic>
+        <p:nvPicPr>
+          <p:cNvPr id="5" name="図 4"/>
+          <p:cNvPicPr>
+            <a:picLocks noChangeAspect="1"/>
+          </p:cNvPicPr>
+          <p:nvPr/>
+        </p:nvPicPr>
+        <p:blipFill>
+          <a:blip r:embed="rId2">
+            <a:extLst>
+              <a:ext uri="{28A0092B-C50C-407E-A947-70E740481C1C}">
+                <a14:useLocalDpi xmlns:a14="http://schemas.microsoft.com/office/drawing/2010/main" val="0"/>
+              </a:ext>
+            </a:extLst>
+          </a:blip>
+          <a:stretch>
+            <a:fillRect/>
+          </a:stretch>
+        </p:blipFill>
+        <p:spPr>
+          <a:xfrm>
+            <a:off x="765544" y="1181366"/>
+            <a:ext cx="7336465" cy="3965657"/>
+          </a:xfrm>
+          <a:prstGeom prst="rect">
+            <a:avLst/>
+          </a:prstGeom>
+        </p:spPr>
+      </p:pic>
     </p:spTree>
     <p:extLst>
       <p:ext uri="{BB962C8B-B14F-4D97-AF65-F5344CB8AC3E}">
@@ -21709,14 +22411,14 @@
   <p:timing>
     <p:tnLst>
       <p:par>
-        <p:cTn xmlns:p14="http://schemas.microsoft.com/office/powerpoint/2010/main" id="1" dur="indefinite" restart="never" nodeType="tmRoot"/>
+        <p:cTn id="1" dur="indefinite" restart="never" nodeType="tmRoot"/>
       </p:par>
     </p:tnLst>
   </p:timing>
 </p:sld>
 </file>
 
-<file path=ppt/slides/slide4.xml><?xml version="1.0" encoding="utf-8"?>
+<file path=ppt/slides/slide45.xml><?xml version="1.0" encoding="utf-8"?>
 <p:sld xmlns:a="http://schemas.openxmlformats.org/drawingml/2006/main" xmlns:r="http://schemas.openxmlformats.org/officeDocument/2006/relationships" xmlns:p="http://schemas.openxmlformats.org/presentationml/2006/main">
   <p:cSld>
     <p:spTree>
@@ -21749,81 +22451,55 @@
           <a:lstStyle/>
           <a:p>
             <a:r>
+              <a:rPr lang="ja-JP" altLang="ja-JP" dirty="0" smtClean="0"/>
+              <a:t>M</a:t>
+            </a:r>
+            <a:r>
+              <a:rPr lang="en-US" altLang="ja-JP" dirty="0" err="1" smtClean="0"/>
+              <a:t>oq</a:t>
+            </a:r>
+            <a:r>
               <a:rPr kumimoji="1" lang="ja-JP" altLang="en-US" dirty="0" smtClean="0"/>
-              <a:t>本日の内容</a:t>
+              <a:t>導入方法</a:t>
             </a:r>
             <a:endParaRPr kumimoji="1" lang="ja-JP" altLang="en-US" dirty="0"/>
           </a:p>
         </p:txBody>
       </p:sp>
-      <p:sp>
-        <p:nvSpPr>
-          <p:cNvPr id="3" name="コンテンツ プレースホルダー 2"/>
-          <p:cNvSpPr>
-            <a:spLocks noGrp="1"/>
-          </p:cNvSpPr>
-          <p:nvPr>
-            <p:ph idx="1"/>
-          </p:nvPr>
-        </p:nvSpPr>
-        <p:spPr/>
-        <p:txBody>
-          <a:bodyPr/>
-          <a:lstStyle/>
-          <a:p>
-            <a:r>
-              <a:rPr kumimoji="1" lang="ja-JP" altLang="en-US" dirty="0" smtClean="0"/>
-              <a:t>その前に対象の</a:t>
-            </a:r>
-            <a:r>
-              <a:rPr kumimoji="1" lang="en-US" altLang="ja-JP" dirty="0" smtClean="0"/>
-              <a:t>Web</a:t>
-            </a:r>
-            <a:r>
-              <a:rPr kumimoji="1" lang="ja-JP" altLang="en-US" dirty="0" smtClean="0"/>
-              <a:t>アプリについて</a:t>
-            </a:r>
-            <a:endParaRPr kumimoji="1" lang="en-US" altLang="ja-JP" dirty="0" smtClean="0"/>
-          </a:p>
-          <a:p>
-            <a:r>
-              <a:rPr lang="en-US" altLang="ja-JP" dirty="0" err="1" smtClean="0"/>
-              <a:t>MSTest</a:t>
-            </a:r>
-            <a:r>
-              <a:rPr lang="ja-JP" altLang="en-US" dirty="0" smtClean="0"/>
-              <a:t>って？</a:t>
-            </a:r>
-            <a:endParaRPr lang="en-US" altLang="ja-JP" dirty="0" smtClean="0"/>
-          </a:p>
-          <a:p>
-            <a:r>
-              <a:rPr kumimoji="1" lang="en-US" altLang="ja-JP" dirty="0" err="1" smtClean="0"/>
-              <a:t>Moq</a:t>
-            </a:r>
-            <a:r>
-              <a:rPr kumimoji="1" lang="ja-JP" altLang="en-US" dirty="0" smtClean="0"/>
-              <a:t>とは</a:t>
-            </a:r>
-            <a:endParaRPr kumimoji="1" lang="en-US" altLang="ja-JP" dirty="0" smtClean="0"/>
-          </a:p>
-          <a:p>
-            <a:r>
-              <a:rPr lang="en-US" altLang="ja-JP" dirty="0" smtClean="0"/>
-              <a:t>DI</a:t>
-            </a:r>
-            <a:r>
-              <a:rPr lang="ja-JP" altLang="en-US" dirty="0" smtClean="0"/>
-              <a:t>の存在意味</a:t>
-            </a:r>
-            <a:endParaRPr kumimoji="1" lang="ja-JP" altLang="en-US" dirty="0"/>
-          </a:p>
-        </p:txBody>
-      </p:sp>
+      <p:pic>
+        <p:nvPicPr>
+          <p:cNvPr id="3" name="図 2"/>
+          <p:cNvPicPr>
+            <a:picLocks noChangeAspect="1"/>
+          </p:cNvPicPr>
+          <p:nvPr/>
+        </p:nvPicPr>
+        <p:blipFill>
+          <a:blip r:embed="rId2">
+            <a:extLst>
+              <a:ext uri="{28A0092B-C50C-407E-A947-70E740481C1C}">
+                <a14:useLocalDpi xmlns:a14="http://schemas.microsoft.com/office/drawing/2010/main" val="0"/>
+              </a:ext>
+            </a:extLst>
+          </a:blip>
+          <a:stretch>
+            <a:fillRect/>
+          </a:stretch>
+        </p:blipFill>
+        <p:spPr>
+          <a:xfrm>
+            <a:off x="1063072" y="1064400"/>
+            <a:ext cx="6315924" cy="4210616"/>
+          </a:xfrm>
+          <a:prstGeom prst="rect">
+            <a:avLst/>
+          </a:prstGeom>
+        </p:spPr>
+      </p:pic>
     </p:spTree>
     <p:extLst>
       <p:ext uri="{BB962C8B-B14F-4D97-AF65-F5344CB8AC3E}">
-        <p14:creationId xmlns:p14="http://schemas.microsoft.com/office/powerpoint/2010/main" val="3363565455"/>
+        <p14:creationId xmlns:p14="http://schemas.microsoft.com/office/powerpoint/2010/main" val="3322883776"/>
       </p:ext>
     </p:extLst>
   </p:cSld>
@@ -21833,14 +22509,14 @@
   <p:timing>
     <p:tnLst>
       <p:par>
-        <p:cTn xmlns:p14="http://schemas.microsoft.com/office/powerpoint/2010/main" id="1" dur="indefinite" restart="never" nodeType="tmRoot"/>
+        <p:cTn id="1" dur="indefinite" restart="never" nodeType="tmRoot"/>
       </p:par>
     </p:tnLst>
   </p:timing>
 </p:sld>
 </file>
 
-<file path=ppt/slides/slide40.xml><?xml version="1.0" encoding="utf-8"?>
+<file path=ppt/slides/slide46.xml><?xml version="1.0" encoding="utf-8"?>
 <p:sld xmlns:a="http://schemas.openxmlformats.org/drawingml/2006/main" xmlns:r="http://schemas.openxmlformats.org/officeDocument/2006/relationships" xmlns:p="http://schemas.openxmlformats.org/presentationml/2006/main">
   <p:cSld>
     <p:spTree>
@@ -21873,1131 +22549,72 @@
           <a:lstStyle/>
           <a:p>
             <a:r>
-              <a:rPr kumimoji="1" lang="en-US" altLang="ja-JP" dirty="0" err="1" smtClean="0"/>
-              <a:t>Moq</a:t>
+              <a:rPr lang="ja-JP" altLang="ja-JP" dirty="0" smtClean="0"/>
+              <a:t>M</a:t>
+            </a:r>
+            <a:r>
+              <a:rPr lang="en-US" altLang="ja-JP" dirty="0" err="1" smtClean="0"/>
+              <a:t>oq</a:t>
             </a:r>
             <a:r>
               <a:rPr kumimoji="1" lang="ja-JP" altLang="en-US" dirty="0" smtClean="0"/>
-              <a:t>を使わないと。。。</a:t>
+              <a:t>導入方法</a:t>
             </a:r>
             <a:endParaRPr kumimoji="1" lang="ja-JP" altLang="en-US" dirty="0"/>
           </a:p>
         </p:txBody>
       </p:sp>
-      <p:sp>
-        <p:nvSpPr>
-          <p:cNvPr id="4" name="テキスト ボックス 3"/>
-          <p:cNvSpPr txBox="1"/>
+      <p:pic>
+        <p:nvPicPr>
+          <p:cNvPr id="3" name="図 2"/>
+          <p:cNvPicPr>
+            <a:picLocks noChangeAspect="1"/>
+          </p:cNvPicPr>
           <p:nvPr/>
-        </p:nvSpPr>
+        </p:nvPicPr>
+        <p:blipFill>
+          <a:blip r:embed="rId2">
+            <a:extLst>
+              <a:ext uri="{28A0092B-C50C-407E-A947-70E740481C1C}">
+                <a14:useLocalDpi xmlns:a14="http://schemas.microsoft.com/office/drawing/2010/main" val="0"/>
+              </a:ext>
+            </a:extLst>
+          </a:blip>
+          <a:stretch>
+            <a:fillRect/>
+          </a:stretch>
+        </p:blipFill>
         <p:spPr>
           <a:xfrm>
-            <a:off x="127469" y="1609834"/>
-            <a:ext cx="3358023" cy="2462213"/>
+            <a:off x="2966734" y="1252234"/>
+            <a:ext cx="3810532" cy="3810532"/>
           </a:xfrm>
           <a:prstGeom prst="rect">
             <a:avLst/>
           </a:prstGeom>
-          <a:solidFill>
-            <a:schemeClr val="tx1"/>
-          </a:solidFill>
         </p:spPr>
-        <p:txBody>
-          <a:bodyPr wrap="none" rtlCol="0">
-            <a:spAutoFit/>
-          </a:bodyPr>
-          <a:lstStyle/>
-          <a:p>
-            <a:r>
-              <a:rPr lang="ja-JP" altLang="ja-JP" sz="1400" b="1" dirty="0" smtClean="0">
-                <a:solidFill>
-                  <a:schemeClr val="bg1"/>
-                </a:solidFill>
-                <a:latin typeface="+mn-ea"/>
-              </a:rPr>
-              <a:t>p</a:t>
-            </a:r>
-            <a:r>
-              <a:rPr lang="en-US" altLang="ja-JP" sz="1400" b="1" dirty="0" err="1" smtClean="0">
-                <a:solidFill>
-                  <a:schemeClr val="bg1"/>
-                </a:solidFill>
-                <a:latin typeface="+mn-ea"/>
-              </a:rPr>
-              <a:t>ublic</a:t>
-            </a:r>
-            <a:r>
-              <a:rPr lang="ja-JP" altLang="en-US" sz="1400" b="1" dirty="0" smtClean="0">
-                <a:solidFill>
-                  <a:schemeClr val="bg1"/>
-                </a:solidFill>
-                <a:latin typeface="+mn-ea"/>
-              </a:rPr>
-              <a:t> </a:t>
-            </a:r>
-            <a:r>
-              <a:rPr lang="ja-JP" altLang="ja-JP" sz="1400" b="1" dirty="0" smtClean="0">
-                <a:solidFill>
-                  <a:schemeClr val="bg1"/>
-                </a:solidFill>
-                <a:latin typeface="+mn-ea"/>
-              </a:rPr>
-              <a:t>I</a:t>
-            </a:r>
-            <a:r>
-              <a:rPr lang="ja-JP" altLang="ja-JP" sz="1400" b="1" dirty="0">
-                <a:solidFill>
-                  <a:schemeClr val="bg1"/>
-                </a:solidFill>
-                <a:latin typeface="+mn-ea"/>
-              </a:rPr>
-              <a:t>I</a:t>
-            </a:r>
-            <a:r>
-              <a:rPr lang="en-US" altLang="ja-JP" sz="1400" b="1" dirty="0" err="1" smtClean="0">
-                <a:solidFill>
-                  <a:schemeClr val="bg1"/>
-                </a:solidFill>
-                <a:latin typeface="+mn-ea"/>
-              </a:rPr>
-              <a:t>temDao</a:t>
-            </a:r>
-            <a:r>
-              <a:rPr lang="ja-JP" altLang="en-US" sz="1400" b="1" dirty="0" smtClean="0">
-                <a:solidFill>
-                  <a:schemeClr val="bg1"/>
-                </a:solidFill>
-                <a:latin typeface="+mn-ea"/>
-              </a:rPr>
-              <a:t> </a:t>
-            </a:r>
-            <a:r>
-              <a:rPr lang="en-US" altLang="ja-JP" sz="1400" b="1" dirty="0" err="1" smtClean="0">
-                <a:solidFill>
-                  <a:schemeClr val="bg1"/>
-                </a:solidFill>
-                <a:latin typeface="+mn-ea"/>
-              </a:rPr>
-              <a:t>dao</a:t>
-            </a:r>
-            <a:r>
-              <a:rPr lang="ja-JP" altLang="en-US" sz="1400" b="1" dirty="0" smtClean="0">
-                <a:solidFill>
-                  <a:schemeClr val="bg1"/>
-                </a:solidFill>
-                <a:latin typeface="+mn-ea"/>
-              </a:rPr>
-              <a:t> </a:t>
-            </a:r>
-            <a:r>
-              <a:rPr lang="en-US" altLang="ja-JP" sz="1400" b="1" dirty="0" smtClean="0">
-                <a:solidFill>
-                  <a:schemeClr val="bg1"/>
-                </a:solidFill>
-                <a:latin typeface="+mn-ea"/>
-              </a:rPr>
-              <a:t>{</a:t>
-            </a:r>
-            <a:r>
-              <a:rPr lang="ja-JP" altLang="en-US" sz="1400" b="1" dirty="0" smtClean="0">
-                <a:solidFill>
-                  <a:schemeClr val="bg1"/>
-                </a:solidFill>
-                <a:latin typeface="+mn-ea"/>
-              </a:rPr>
-              <a:t> </a:t>
-            </a:r>
-            <a:r>
-              <a:rPr lang="en-US" altLang="ja-JP" sz="1400" b="1" dirty="0" smtClean="0">
-                <a:solidFill>
-                  <a:schemeClr val="bg1"/>
-                </a:solidFill>
-                <a:latin typeface="+mn-ea"/>
-              </a:rPr>
-              <a:t>get;</a:t>
-            </a:r>
-            <a:r>
-              <a:rPr lang="ja-JP" altLang="en-US" sz="1400" b="1" dirty="0" smtClean="0">
-                <a:solidFill>
-                  <a:schemeClr val="bg1"/>
-                </a:solidFill>
-                <a:latin typeface="+mn-ea"/>
-              </a:rPr>
-              <a:t> </a:t>
-            </a:r>
-            <a:r>
-              <a:rPr lang="en-US" altLang="ja-JP" sz="1400" b="1" dirty="0" smtClean="0">
-                <a:solidFill>
-                  <a:schemeClr val="bg1"/>
-                </a:solidFill>
-                <a:latin typeface="+mn-ea"/>
-              </a:rPr>
-              <a:t>set;</a:t>
-            </a:r>
-            <a:r>
-              <a:rPr lang="ja-JP" altLang="en-US" sz="1400" b="1" dirty="0" smtClean="0">
-                <a:solidFill>
-                  <a:schemeClr val="bg1"/>
-                </a:solidFill>
-                <a:latin typeface="+mn-ea"/>
-              </a:rPr>
-              <a:t> </a:t>
-            </a:r>
-            <a:r>
-              <a:rPr lang="en-US" altLang="ja-JP" sz="1400" b="1" dirty="0" smtClean="0">
-                <a:solidFill>
-                  <a:schemeClr val="bg1"/>
-                </a:solidFill>
-                <a:latin typeface="+mn-ea"/>
-              </a:rPr>
-              <a:t>}</a:t>
-            </a:r>
-          </a:p>
-          <a:p>
-            <a:endParaRPr lang="en-US" altLang="ja-JP" sz="1400" b="1" dirty="0" smtClean="0">
-              <a:solidFill>
-                <a:schemeClr val="bg1"/>
-              </a:solidFill>
-              <a:latin typeface="+mn-ea"/>
-            </a:endParaRPr>
-          </a:p>
-          <a:p>
-            <a:r>
-              <a:rPr lang="ja-JP" altLang="ja-JP" sz="1400" b="1" dirty="0" smtClean="0">
-                <a:solidFill>
-                  <a:schemeClr val="bg1"/>
-                </a:solidFill>
-                <a:latin typeface="+mn-ea"/>
-              </a:rPr>
-              <a:t>p</a:t>
-            </a:r>
-            <a:r>
-              <a:rPr lang="en-US" altLang="ja-JP" sz="1400" b="1" dirty="0" err="1" smtClean="0">
-                <a:solidFill>
-                  <a:schemeClr val="bg1"/>
-                </a:solidFill>
-                <a:latin typeface="+mn-ea"/>
-              </a:rPr>
-              <a:t>ublic</a:t>
-            </a:r>
-            <a:r>
-              <a:rPr lang="ja-JP" altLang="en-US" sz="1400" b="1" dirty="0" smtClean="0">
-                <a:solidFill>
-                  <a:schemeClr val="bg1"/>
-                </a:solidFill>
-                <a:latin typeface="+mn-ea"/>
-              </a:rPr>
-              <a:t> </a:t>
-            </a:r>
-            <a:r>
-              <a:rPr lang="en-US" altLang="ja-JP" sz="1400" b="1" dirty="0" err="1" smtClean="0">
-                <a:solidFill>
-                  <a:schemeClr val="bg1"/>
-                </a:solidFill>
-                <a:latin typeface="+mn-ea"/>
-              </a:rPr>
-              <a:t>ItemService</a:t>
-            </a:r>
-            <a:r>
-              <a:rPr lang="en-US" altLang="ja-JP" sz="1400" b="1" dirty="0" smtClean="0">
-                <a:solidFill>
-                  <a:schemeClr val="bg1"/>
-                </a:solidFill>
-                <a:latin typeface="+mn-ea"/>
-              </a:rPr>
-              <a:t>()</a:t>
-            </a:r>
-          </a:p>
-          <a:p>
-            <a:r>
-              <a:rPr lang="ja-JP" altLang="ja-JP" sz="1400" b="1" dirty="0" smtClean="0">
-                <a:solidFill>
-                  <a:schemeClr val="bg1"/>
-                </a:solidFill>
-                <a:latin typeface="+mn-ea"/>
-              </a:rPr>
-              <a:t>{</a:t>
-            </a:r>
-            <a:endParaRPr lang="en-US" altLang="ja-JP" sz="1400" b="1" dirty="0" smtClean="0">
-              <a:solidFill>
-                <a:schemeClr val="bg1"/>
-              </a:solidFill>
-              <a:latin typeface="+mn-ea"/>
-            </a:endParaRPr>
-          </a:p>
-          <a:p>
-            <a:r>
-              <a:rPr lang="ja-JP" altLang="en-US" sz="1400" b="1" dirty="0" smtClean="0">
-                <a:solidFill>
-                  <a:schemeClr val="bg1"/>
-                </a:solidFill>
-                <a:latin typeface="+mn-ea"/>
-              </a:rPr>
-              <a:t>    </a:t>
-            </a:r>
-            <a:r>
-              <a:rPr lang="ja-JP" altLang="ja-JP" sz="1400" b="1" dirty="0" smtClean="0">
-                <a:solidFill>
-                  <a:schemeClr val="bg1"/>
-                </a:solidFill>
-                <a:latin typeface="+mn-ea"/>
-              </a:rPr>
-              <a:t>d</a:t>
-            </a:r>
-            <a:r>
-              <a:rPr lang="en-US" altLang="ja-JP" sz="1400" b="1" dirty="0" err="1" smtClean="0">
-                <a:solidFill>
-                  <a:schemeClr val="bg1"/>
-                </a:solidFill>
-                <a:latin typeface="+mn-ea"/>
-              </a:rPr>
-              <a:t>ao</a:t>
-            </a:r>
-            <a:r>
-              <a:rPr lang="ja-JP" altLang="en-US" sz="1400" b="1" dirty="0" smtClean="0">
-                <a:solidFill>
-                  <a:schemeClr val="bg1"/>
-                </a:solidFill>
-                <a:latin typeface="+mn-ea"/>
-              </a:rPr>
-              <a:t> </a:t>
-            </a:r>
-            <a:r>
-              <a:rPr lang="en-US" altLang="ja-JP" sz="1400" b="1" dirty="0" smtClean="0">
-                <a:solidFill>
-                  <a:schemeClr val="bg1"/>
-                </a:solidFill>
-                <a:latin typeface="+mn-ea"/>
-              </a:rPr>
-              <a:t>=</a:t>
-            </a:r>
-            <a:r>
-              <a:rPr lang="ja-JP" altLang="en-US" sz="1400" b="1" dirty="0" smtClean="0">
-                <a:solidFill>
-                  <a:schemeClr val="bg1"/>
-                </a:solidFill>
-                <a:latin typeface="+mn-ea"/>
-              </a:rPr>
-              <a:t> </a:t>
-            </a:r>
-            <a:r>
-              <a:rPr lang="en-US" altLang="ja-JP" sz="1400" b="1" dirty="0" smtClean="0">
-                <a:solidFill>
-                  <a:schemeClr val="bg1"/>
-                </a:solidFill>
-                <a:latin typeface="+mn-ea"/>
-              </a:rPr>
-              <a:t>new</a:t>
-            </a:r>
-            <a:r>
-              <a:rPr lang="ja-JP" altLang="en-US" sz="1400" b="1" dirty="0" smtClean="0">
-                <a:solidFill>
-                  <a:schemeClr val="bg1"/>
-                </a:solidFill>
-                <a:latin typeface="+mn-ea"/>
-              </a:rPr>
-              <a:t> </a:t>
-            </a:r>
-            <a:r>
-              <a:rPr lang="ja-JP" altLang="ja-JP" sz="1400" b="1" dirty="0" smtClean="0">
-                <a:solidFill>
-                  <a:schemeClr val="bg1"/>
-                </a:solidFill>
-                <a:latin typeface="+mn-ea"/>
-              </a:rPr>
-              <a:t>II</a:t>
-            </a:r>
-            <a:r>
-              <a:rPr lang="en-US" altLang="ja-JP" sz="1400" b="1" dirty="0" err="1" smtClean="0">
-                <a:solidFill>
-                  <a:schemeClr val="bg1"/>
-                </a:solidFill>
-                <a:latin typeface="+mn-ea"/>
-              </a:rPr>
-              <a:t>temDao</a:t>
-            </a:r>
-            <a:r>
-              <a:rPr lang="en-US" altLang="ja-JP" sz="1400" b="1" dirty="0" smtClean="0">
-                <a:solidFill>
-                  <a:schemeClr val="bg1"/>
-                </a:solidFill>
-                <a:latin typeface="+mn-ea"/>
-              </a:rPr>
-              <a:t>();</a:t>
-            </a:r>
-            <a:endParaRPr lang="en-US" altLang="ja-JP" sz="1400" b="1" dirty="0">
-              <a:solidFill>
-                <a:schemeClr val="bg1"/>
-              </a:solidFill>
-              <a:latin typeface="+mn-ea"/>
-            </a:endParaRPr>
-          </a:p>
-          <a:p>
-            <a:r>
-              <a:rPr lang="ja-JP" altLang="ja-JP" sz="1400" b="1" dirty="0" smtClean="0">
-                <a:solidFill>
-                  <a:schemeClr val="bg1"/>
-                </a:solidFill>
-                <a:latin typeface="+mn-ea"/>
-              </a:rPr>
-              <a:t>}</a:t>
-            </a:r>
-            <a:endParaRPr lang="en-US" altLang="ja-JP" sz="1400" b="1" dirty="0">
-              <a:solidFill>
-                <a:schemeClr val="bg1"/>
-              </a:solidFill>
-              <a:latin typeface="+mn-ea"/>
-            </a:endParaRPr>
-          </a:p>
-          <a:p>
-            <a:endParaRPr kumimoji="1" lang="en-US" altLang="ja-JP" sz="1400" b="1" dirty="0">
-              <a:solidFill>
-                <a:schemeClr val="bg1"/>
-              </a:solidFill>
-              <a:latin typeface="+mn-ea"/>
-            </a:endParaRPr>
-          </a:p>
-          <a:p>
-            <a:r>
-              <a:rPr lang="en-US" altLang="ja-JP" sz="1400" b="1" dirty="0" smtClean="0">
-                <a:solidFill>
-                  <a:schemeClr val="bg1"/>
-                </a:solidFill>
-                <a:latin typeface="+mn-ea"/>
-              </a:rPr>
-              <a:t>public</a:t>
-            </a:r>
-            <a:r>
-              <a:rPr lang="ja-JP" altLang="en-US" sz="1400" b="1" dirty="0" smtClean="0">
-                <a:solidFill>
-                  <a:schemeClr val="bg1"/>
-                </a:solidFill>
-                <a:latin typeface="+mn-ea"/>
-              </a:rPr>
-              <a:t> </a:t>
-            </a:r>
-            <a:r>
-              <a:rPr lang="ja-JP" altLang="ja-JP" sz="1400" b="1" dirty="0">
-                <a:solidFill>
-                  <a:schemeClr val="bg1"/>
-                </a:solidFill>
-                <a:latin typeface="+mn-ea"/>
-              </a:rPr>
-              <a:t>I</a:t>
-            </a:r>
-            <a:r>
-              <a:rPr lang="en-US" altLang="ja-JP" sz="1400" b="1" dirty="0" smtClean="0">
-                <a:solidFill>
-                  <a:schemeClr val="bg1"/>
-                </a:solidFill>
-                <a:latin typeface="+mn-ea"/>
-              </a:rPr>
-              <a:t>tem</a:t>
-            </a:r>
-            <a:r>
-              <a:rPr lang="ja-JP" altLang="en-US" sz="1400" b="1" dirty="0" smtClean="0">
-                <a:solidFill>
-                  <a:schemeClr val="bg1"/>
-                </a:solidFill>
-                <a:latin typeface="+mn-ea"/>
-              </a:rPr>
-              <a:t> </a:t>
-            </a:r>
-            <a:r>
-              <a:rPr lang="ja-JP" altLang="ja-JP" sz="1400" b="1" dirty="0" smtClean="0">
-                <a:solidFill>
-                  <a:schemeClr val="bg1"/>
-                </a:solidFill>
-                <a:latin typeface="+mn-ea"/>
-              </a:rPr>
-              <a:t>G</a:t>
-            </a:r>
-            <a:r>
-              <a:rPr lang="en-US" altLang="ja-JP" sz="1400" b="1" dirty="0" err="1" smtClean="0">
-                <a:solidFill>
-                  <a:schemeClr val="bg1"/>
-                </a:solidFill>
-                <a:latin typeface="+mn-ea"/>
-              </a:rPr>
-              <a:t>etItem</a:t>
-            </a:r>
-            <a:r>
-              <a:rPr lang="en-US" altLang="ja-JP" sz="1400" b="1" dirty="0" smtClean="0">
-                <a:solidFill>
-                  <a:schemeClr val="bg1"/>
-                </a:solidFill>
-                <a:latin typeface="+mn-ea"/>
-              </a:rPr>
-              <a:t>()</a:t>
-            </a:r>
-          </a:p>
-          <a:p>
-            <a:r>
-              <a:rPr kumimoji="1" lang="ja-JP" altLang="ja-JP" sz="1400" b="1" dirty="0" smtClean="0">
-                <a:solidFill>
-                  <a:schemeClr val="bg1"/>
-                </a:solidFill>
-                <a:latin typeface="+mn-ea"/>
-              </a:rPr>
-              <a:t>{</a:t>
-            </a:r>
-            <a:endParaRPr kumimoji="1" lang="en-US" altLang="ja-JP" sz="1400" b="1" dirty="0" smtClean="0">
-              <a:solidFill>
-                <a:schemeClr val="bg1"/>
-              </a:solidFill>
-              <a:latin typeface="+mn-ea"/>
-            </a:endParaRPr>
-          </a:p>
-          <a:p>
-            <a:r>
-              <a:rPr lang="ja-JP" altLang="ja-JP" sz="1400" b="1" dirty="0">
-                <a:solidFill>
-                  <a:schemeClr val="bg1"/>
-                </a:solidFill>
-                <a:latin typeface="+mn-ea"/>
-              </a:rPr>
-              <a:t> </a:t>
-            </a:r>
-            <a:r>
-              <a:rPr lang="ja-JP" altLang="en-US" sz="1400" b="1" dirty="0" smtClean="0">
-                <a:solidFill>
-                  <a:schemeClr val="bg1"/>
-                </a:solidFill>
-                <a:latin typeface="+mn-ea"/>
-              </a:rPr>
-              <a:t>   </a:t>
-            </a:r>
-            <a:r>
-              <a:rPr lang="en-US" altLang="ja-JP" sz="1400" b="1" dirty="0" smtClean="0">
-                <a:solidFill>
-                  <a:schemeClr val="bg1"/>
-                </a:solidFill>
-                <a:latin typeface="+mn-ea"/>
-              </a:rPr>
-              <a:t>return</a:t>
-            </a:r>
-            <a:r>
-              <a:rPr lang="ja-JP" altLang="en-US" sz="1400" b="1" dirty="0" smtClean="0">
-                <a:solidFill>
-                  <a:schemeClr val="bg1"/>
-                </a:solidFill>
-                <a:latin typeface="+mn-ea"/>
-              </a:rPr>
-              <a:t> </a:t>
-            </a:r>
-            <a:r>
-              <a:rPr lang="en-US" altLang="ja-JP" sz="1400" b="1" dirty="0" err="1" smtClean="0">
-                <a:solidFill>
-                  <a:schemeClr val="bg1"/>
-                </a:solidFill>
-                <a:latin typeface="+mn-ea"/>
-              </a:rPr>
-              <a:t>dao.GetItem</a:t>
-            </a:r>
-            <a:r>
-              <a:rPr lang="en-US" altLang="ja-JP" sz="1400" b="1" dirty="0" smtClean="0">
-                <a:solidFill>
-                  <a:schemeClr val="bg1"/>
-                </a:solidFill>
-                <a:latin typeface="+mn-ea"/>
-              </a:rPr>
-              <a:t>();</a:t>
-            </a:r>
-            <a:endParaRPr kumimoji="1" lang="en-US" altLang="ja-JP" sz="1400" b="1" dirty="0" smtClean="0">
-              <a:solidFill>
-                <a:schemeClr val="bg1"/>
-              </a:solidFill>
-              <a:latin typeface="+mn-ea"/>
-            </a:endParaRPr>
-          </a:p>
-          <a:p>
-            <a:r>
-              <a:rPr lang="ja-JP" altLang="ja-JP" sz="1400" b="1" dirty="0">
-                <a:solidFill>
-                  <a:schemeClr val="bg1"/>
-                </a:solidFill>
-                <a:latin typeface="+mn-ea"/>
-              </a:rPr>
-              <a:t>}</a:t>
-            </a:r>
-            <a:endParaRPr kumimoji="1" lang="ja-JP" altLang="en-US" sz="1400" b="1" dirty="0">
-              <a:solidFill>
-                <a:schemeClr val="bg1"/>
-              </a:solidFill>
-              <a:latin typeface="+mn-ea"/>
-            </a:endParaRPr>
-          </a:p>
-        </p:txBody>
-      </p:sp>
-      <p:sp>
-        <p:nvSpPr>
-          <p:cNvPr id="5" name="テキスト ボックス 4"/>
-          <p:cNvSpPr txBox="1"/>
-          <p:nvPr/>
-        </p:nvSpPr>
-        <p:spPr>
-          <a:xfrm>
-            <a:off x="823630" y="1193941"/>
-            <a:ext cx="1851789" cy="369332"/>
-          </a:xfrm>
-          <a:prstGeom prst="rect">
-            <a:avLst/>
-          </a:prstGeom>
-          <a:noFill/>
-        </p:spPr>
-        <p:txBody>
-          <a:bodyPr wrap="none" rtlCol="0">
-            <a:spAutoFit/>
-          </a:bodyPr>
-          <a:lstStyle/>
-          <a:p>
-            <a:r>
-              <a:rPr lang="ja-JP" altLang="ja-JP" dirty="0">
-                <a:latin typeface="+mn-ea"/>
-              </a:rPr>
-              <a:t>I</a:t>
-            </a:r>
-            <a:r>
-              <a:rPr lang="en-US" altLang="ja-JP" dirty="0" err="1">
-                <a:latin typeface="+mn-ea"/>
-              </a:rPr>
-              <a:t>temService.cs</a:t>
-            </a:r>
-            <a:endParaRPr lang="en-US" altLang="ja-JP" dirty="0">
-              <a:latin typeface="+mn-ea"/>
-            </a:endParaRPr>
-          </a:p>
-        </p:txBody>
-      </p:sp>
-      <p:sp>
-        <p:nvSpPr>
-          <p:cNvPr id="6" name="テキスト ボックス 5"/>
-          <p:cNvSpPr txBox="1"/>
-          <p:nvPr/>
-        </p:nvSpPr>
-        <p:spPr>
-          <a:xfrm>
-            <a:off x="3670536" y="1612500"/>
-            <a:ext cx="4706299" cy="1169551"/>
-          </a:xfrm>
-          <a:prstGeom prst="rect">
-            <a:avLst/>
-          </a:prstGeom>
-          <a:solidFill>
-            <a:srgbClr val="000000"/>
-          </a:solidFill>
-        </p:spPr>
-        <p:txBody>
-          <a:bodyPr wrap="none" rtlCol="0">
-            <a:spAutoFit/>
-          </a:bodyPr>
-          <a:lstStyle/>
-          <a:p>
-            <a:r>
-              <a:rPr lang="en-US" altLang="ja-JP" sz="1400" b="1" dirty="0" err="1" smtClean="0">
-                <a:solidFill>
-                  <a:srgbClr val="FFFFFF"/>
-                </a:solidFill>
-                <a:latin typeface="+mn-ea"/>
-              </a:rPr>
-              <a:t>var</a:t>
-            </a:r>
-            <a:r>
-              <a:rPr lang="en-US" altLang="ja-JP" sz="1400" b="1" dirty="0" smtClean="0">
-                <a:solidFill>
-                  <a:srgbClr val="FFFFFF"/>
-                </a:solidFill>
-                <a:latin typeface="+mn-ea"/>
-              </a:rPr>
-              <a:t> target = new </a:t>
-            </a:r>
-            <a:r>
-              <a:rPr lang="en-US" altLang="ja-JP" sz="1400" b="1" dirty="0" err="1" smtClean="0">
-                <a:solidFill>
-                  <a:srgbClr val="FFFFFF"/>
-                </a:solidFill>
-                <a:latin typeface="+mn-ea"/>
-              </a:rPr>
-              <a:t>ItemService</a:t>
-            </a:r>
-            <a:r>
-              <a:rPr lang="en-US" altLang="ja-JP" sz="1400" b="1" dirty="0" smtClean="0">
-                <a:solidFill>
-                  <a:srgbClr val="FFFFFF"/>
-                </a:solidFill>
-                <a:latin typeface="+mn-ea"/>
-              </a:rPr>
-              <a:t>();</a:t>
-            </a:r>
-          </a:p>
-          <a:p>
-            <a:endParaRPr lang="en-US" altLang="ja-JP" sz="1400" b="1" dirty="0" smtClean="0">
-              <a:solidFill>
-                <a:srgbClr val="FFFFFF"/>
-              </a:solidFill>
-              <a:latin typeface="+mn-ea"/>
-            </a:endParaRPr>
-          </a:p>
-          <a:p>
-            <a:r>
-              <a:rPr lang="en-US" altLang="ja-JP" sz="1400" b="1" dirty="0" err="1" smtClean="0">
-                <a:solidFill>
-                  <a:srgbClr val="FFFFFF"/>
-                </a:solidFill>
-                <a:latin typeface="+mn-ea"/>
-              </a:rPr>
-              <a:t>var</a:t>
-            </a:r>
-            <a:r>
-              <a:rPr lang="en-US" altLang="ja-JP" sz="1400" b="1" dirty="0" smtClean="0">
-                <a:solidFill>
-                  <a:srgbClr val="FFFFFF"/>
-                </a:solidFill>
-                <a:latin typeface="+mn-ea"/>
-              </a:rPr>
-              <a:t> </a:t>
-            </a:r>
-            <a:r>
-              <a:rPr lang="en-US" altLang="ja-JP" sz="1400" b="1" dirty="0" smtClean="0">
-                <a:solidFill>
-                  <a:srgbClr val="FFFFFF"/>
-                </a:solidFill>
-                <a:latin typeface="+mn-ea"/>
-              </a:rPr>
-              <a:t>actual = </a:t>
-            </a:r>
-            <a:r>
-              <a:rPr lang="en-US" altLang="ja-JP" sz="1400" b="1" dirty="0" err="1" smtClean="0">
-                <a:solidFill>
-                  <a:srgbClr val="FFFFFF"/>
-                </a:solidFill>
-                <a:latin typeface="+mn-ea"/>
-              </a:rPr>
-              <a:t>target.GetItem</a:t>
-            </a:r>
-            <a:r>
-              <a:rPr lang="en-US" altLang="ja-JP" sz="1400" b="1" dirty="0" smtClean="0">
-                <a:solidFill>
-                  <a:srgbClr val="FFFFFF"/>
-                </a:solidFill>
-                <a:latin typeface="+mn-ea"/>
-              </a:rPr>
-              <a:t>();</a:t>
-            </a:r>
-          </a:p>
-          <a:p>
-            <a:endParaRPr kumimoji="1" lang="en-US" altLang="ja-JP" sz="1400" b="1" dirty="0">
-              <a:solidFill>
-                <a:srgbClr val="FFFFFF"/>
-              </a:solidFill>
-              <a:latin typeface="+mn-ea"/>
-            </a:endParaRPr>
-          </a:p>
-          <a:p>
-            <a:r>
-              <a:rPr lang="en-US" altLang="ja-JP" sz="1400" b="1" dirty="0" err="1" smtClean="0">
-                <a:solidFill>
-                  <a:srgbClr val="FFFFFF"/>
-                </a:solidFill>
-                <a:latin typeface="+mn-ea"/>
-              </a:rPr>
-              <a:t>Assert.AreEqual</a:t>
-            </a:r>
-            <a:r>
-              <a:rPr lang="en-US" altLang="ja-JP" sz="1400" b="1" dirty="0" smtClean="0">
-                <a:solidFill>
-                  <a:srgbClr val="FFFFFF"/>
-                </a:solidFill>
-                <a:latin typeface="+mn-ea"/>
-              </a:rPr>
-              <a:t>(</a:t>
-            </a:r>
-            <a:r>
-              <a:rPr lang="en-US" altLang="ja-JP" sz="1400" b="1" dirty="0" err="1" smtClean="0">
-                <a:solidFill>
-                  <a:srgbClr val="FFFFFF"/>
-                </a:solidFill>
-                <a:latin typeface="+mn-ea"/>
-              </a:rPr>
-              <a:t>expected.name</a:t>
-            </a:r>
-            <a:r>
-              <a:rPr lang="en-US" altLang="ja-JP" sz="1400" b="1" dirty="0" smtClean="0">
-                <a:solidFill>
-                  <a:srgbClr val="FFFFFF"/>
-                </a:solidFill>
-                <a:latin typeface="+mn-ea"/>
-              </a:rPr>
-              <a:t>, </a:t>
-            </a:r>
-            <a:r>
-              <a:rPr lang="en-US" altLang="ja-JP" sz="1400" b="1" dirty="0" err="1" smtClean="0">
-                <a:solidFill>
-                  <a:srgbClr val="FFFFFF"/>
-                </a:solidFill>
-                <a:latin typeface="+mn-ea"/>
-              </a:rPr>
-              <a:t>target.name</a:t>
-            </a:r>
-            <a:r>
-              <a:rPr lang="en-US" altLang="ja-JP" sz="1400" b="1" dirty="0" smtClean="0">
-                <a:solidFill>
-                  <a:srgbClr val="FFFFFF"/>
-                </a:solidFill>
-                <a:latin typeface="+mn-ea"/>
-              </a:rPr>
-              <a:t>);</a:t>
-            </a:r>
-            <a:endParaRPr kumimoji="1" lang="en-US" altLang="ja-JP" sz="1400" b="1" dirty="0" smtClean="0">
-              <a:solidFill>
-                <a:srgbClr val="FFFFFF"/>
-              </a:solidFill>
-              <a:latin typeface="+mn-ea"/>
-            </a:endParaRPr>
-          </a:p>
-        </p:txBody>
-      </p:sp>
-      <p:sp>
-        <p:nvSpPr>
-          <p:cNvPr id="7" name="テキスト ボックス 6"/>
-          <p:cNvSpPr txBox="1"/>
-          <p:nvPr/>
-        </p:nvSpPr>
-        <p:spPr>
-          <a:xfrm>
-            <a:off x="5145161" y="1193941"/>
-            <a:ext cx="2292364" cy="369332"/>
-          </a:xfrm>
-          <a:prstGeom prst="rect">
-            <a:avLst/>
-          </a:prstGeom>
-          <a:noFill/>
-        </p:spPr>
-        <p:txBody>
-          <a:bodyPr wrap="none" rtlCol="0">
-            <a:spAutoFit/>
-          </a:bodyPr>
-          <a:lstStyle/>
-          <a:p>
-            <a:r>
-              <a:rPr lang="ja-JP" altLang="ja-JP" dirty="0" smtClean="0">
-                <a:latin typeface="+mn-ea"/>
-              </a:rPr>
-              <a:t>I</a:t>
-            </a:r>
-            <a:r>
-              <a:rPr lang="en-US" altLang="ja-JP" dirty="0" err="1" smtClean="0">
-                <a:latin typeface="+mn-ea"/>
-              </a:rPr>
-              <a:t>temServiceTest.cs</a:t>
-            </a:r>
-            <a:endParaRPr lang="en-US" altLang="ja-JP" dirty="0">
-              <a:latin typeface="+mn-ea"/>
-            </a:endParaRPr>
-          </a:p>
-        </p:txBody>
-      </p:sp>
-      <p:sp>
-        <p:nvSpPr>
-          <p:cNvPr id="8" name="テキスト ボックス 7"/>
-          <p:cNvSpPr txBox="1"/>
-          <p:nvPr/>
-        </p:nvSpPr>
-        <p:spPr>
-          <a:xfrm>
-            <a:off x="127469" y="4420958"/>
-            <a:ext cx="1744388" cy="307777"/>
-          </a:xfrm>
-          <a:prstGeom prst="rect">
-            <a:avLst/>
-          </a:prstGeom>
-          <a:solidFill>
-            <a:schemeClr val="tx1"/>
-          </a:solidFill>
-        </p:spPr>
-        <p:txBody>
-          <a:bodyPr wrap="none" rtlCol="0">
-            <a:spAutoFit/>
-          </a:bodyPr>
-          <a:lstStyle/>
-          <a:p>
-            <a:r>
-              <a:rPr lang="en-US" altLang="ja-JP" sz="1400" b="1" dirty="0" smtClean="0">
-                <a:solidFill>
-                  <a:schemeClr val="bg1"/>
-                </a:solidFill>
-                <a:latin typeface="+mn-ea"/>
-              </a:rPr>
-              <a:t>Item </a:t>
-            </a:r>
-            <a:r>
-              <a:rPr lang="en-US" altLang="ja-JP" sz="1400" b="1" dirty="0" err="1" smtClean="0">
-                <a:solidFill>
-                  <a:schemeClr val="bg1"/>
-                </a:solidFill>
-                <a:latin typeface="+mn-ea"/>
-              </a:rPr>
-              <a:t>GetItem</a:t>
-            </a:r>
-            <a:r>
-              <a:rPr lang="en-US" altLang="ja-JP" sz="1400" b="1" dirty="0" smtClean="0">
-                <a:solidFill>
-                  <a:schemeClr val="bg1"/>
-                </a:solidFill>
-                <a:latin typeface="+mn-ea"/>
-              </a:rPr>
-              <a:t>();</a:t>
-            </a:r>
-            <a:endParaRPr kumimoji="1" lang="ja-JP" altLang="en-US" sz="1400" b="1" dirty="0">
-              <a:solidFill>
-                <a:schemeClr val="bg1"/>
-              </a:solidFill>
-              <a:latin typeface="+mn-ea"/>
-            </a:endParaRPr>
-          </a:p>
-        </p:txBody>
-      </p:sp>
-      <p:sp>
-        <p:nvSpPr>
-          <p:cNvPr id="9" name="テキスト ボックス 8"/>
-          <p:cNvSpPr txBox="1"/>
-          <p:nvPr/>
-        </p:nvSpPr>
-        <p:spPr>
-          <a:xfrm>
-            <a:off x="823630" y="4051626"/>
-            <a:ext cx="1569660" cy="369332"/>
-          </a:xfrm>
-          <a:prstGeom prst="rect">
-            <a:avLst/>
-          </a:prstGeom>
-          <a:noFill/>
-        </p:spPr>
-        <p:txBody>
-          <a:bodyPr wrap="none" rtlCol="0">
-            <a:spAutoFit/>
-          </a:bodyPr>
-          <a:lstStyle/>
-          <a:p>
-            <a:r>
-              <a:rPr lang="en-US" altLang="ja-JP" dirty="0" smtClean="0">
-                <a:latin typeface="+mn-ea"/>
-              </a:rPr>
-              <a:t>I</a:t>
-            </a:r>
-            <a:r>
-              <a:rPr lang="ja-JP" altLang="ja-JP" dirty="0" smtClean="0">
-                <a:latin typeface="+mn-ea"/>
-              </a:rPr>
-              <a:t>I</a:t>
-            </a:r>
-            <a:r>
-              <a:rPr lang="en-US" altLang="ja-JP" dirty="0" err="1" smtClean="0">
-                <a:latin typeface="+mn-ea"/>
-              </a:rPr>
-              <a:t>tem</a:t>
-            </a:r>
-            <a:r>
-              <a:rPr lang="en-US" altLang="ja-JP" dirty="0" err="1" smtClean="0">
-                <a:latin typeface="+mn-ea"/>
-              </a:rPr>
-              <a:t>Dao</a:t>
-            </a:r>
-            <a:r>
-              <a:rPr lang="en-US" altLang="ja-JP" dirty="0" err="1" smtClean="0">
-                <a:latin typeface="+mn-ea"/>
-              </a:rPr>
-              <a:t>.cs</a:t>
-            </a:r>
-            <a:endParaRPr lang="en-US" altLang="ja-JP" dirty="0">
-              <a:latin typeface="+mn-ea"/>
-            </a:endParaRPr>
-          </a:p>
-        </p:txBody>
-      </p:sp>
-      <p:sp>
-        <p:nvSpPr>
-          <p:cNvPr id="10" name="テキスト ボックス 9"/>
-          <p:cNvSpPr txBox="1"/>
-          <p:nvPr/>
-        </p:nvSpPr>
-        <p:spPr>
-          <a:xfrm>
-            <a:off x="3646505" y="4198909"/>
-            <a:ext cx="1479892" cy="369332"/>
-          </a:xfrm>
-          <a:prstGeom prst="rect">
-            <a:avLst/>
-          </a:prstGeom>
-          <a:noFill/>
-        </p:spPr>
-        <p:txBody>
-          <a:bodyPr wrap="none" rtlCol="0">
-            <a:spAutoFit/>
-          </a:bodyPr>
-          <a:lstStyle/>
-          <a:p>
-            <a:r>
-              <a:rPr lang="ja-JP" altLang="ja-JP" dirty="0" smtClean="0">
-                <a:latin typeface="+mn-ea"/>
-              </a:rPr>
-              <a:t>I</a:t>
-            </a:r>
-            <a:r>
-              <a:rPr lang="en-US" altLang="ja-JP" dirty="0" err="1" smtClean="0">
-                <a:latin typeface="+mn-ea"/>
-              </a:rPr>
-              <a:t>tem</a:t>
-            </a:r>
-            <a:r>
-              <a:rPr lang="en-US" altLang="ja-JP" dirty="0" err="1" smtClean="0">
-                <a:latin typeface="+mn-ea"/>
-              </a:rPr>
-              <a:t>Dao</a:t>
-            </a:r>
-            <a:r>
-              <a:rPr lang="en-US" altLang="ja-JP" dirty="0" err="1" smtClean="0">
-                <a:latin typeface="+mn-ea"/>
-              </a:rPr>
-              <a:t>.cs</a:t>
-            </a:r>
-            <a:endParaRPr lang="en-US" altLang="ja-JP" dirty="0">
-              <a:latin typeface="+mn-ea"/>
-            </a:endParaRPr>
-          </a:p>
-        </p:txBody>
-      </p:sp>
-      <p:sp>
-        <p:nvSpPr>
-          <p:cNvPr id="11" name="テキスト ボックス 10"/>
-          <p:cNvSpPr txBox="1"/>
-          <p:nvPr/>
-        </p:nvSpPr>
-        <p:spPr>
-          <a:xfrm>
-            <a:off x="3485492" y="4568241"/>
-            <a:ext cx="3342594" cy="954107"/>
-          </a:xfrm>
-          <a:prstGeom prst="rect">
-            <a:avLst/>
-          </a:prstGeom>
-          <a:solidFill>
-            <a:schemeClr val="tx1"/>
-          </a:solidFill>
-        </p:spPr>
-        <p:txBody>
-          <a:bodyPr wrap="none" rtlCol="0">
-            <a:spAutoFit/>
-          </a:bodyPr>
-          <a:lstStyle/>
-          <a:p>
-            <a:r>
-              <a:rPr lang="en-US" altLang="ja-JP" sz="1400" b="1" dirty="0" smtClean="0">
-                <a:solidFill>
-                  <a:schemeClr val="bg1"/>
-                </a:solidFill>
-                <a:latin typeface="+mn-ea"/>
-              </a:rPr>
-              <a:t>public Item </a:t>
-            </a:r>
-            <a:r>
-              <a:rPr lang="en-US" altLang="ja-JP" sz="1400" b="1" dirty="0" err="1" smtClean="0">
-                <a:solidFill>
-                  <a:schemeClr val="bg1"/>
-                </a:solidFill>
-                <a:latin typeface="+mn-ea"/>
-              </a:rPr>
-              <a:t>GetItem</a:t>
-            </a:r>
-            <a:r>
-              <a:rPr lang="en-US" altLang="ja-JP" sz="1400" b="1" dirty="0" smtClean="0">
-                <a:solidFill>
-                  <a:schemeClr val="bg1"/>
-                </a:solidFill>
-                <a:latin typeface="+mn-ea"/>
-              </a:rPr>
-              <a:t>()</a:t>
-            </a:r>
-          </a:p>
-          <a:p>
-            <a:r>
-              <a:rPr kumimoji="1" lang="en-US" altLang="ja-JP" sz="1400" b="1" dirty="0" smtClean="0">
-                <a:solidFill>
-                  <a:schemeClr val="bg1"/>
-                </a:solidFill>
-                <a:latin typeface="+mn-ea"/>
-              </a:rPr>
-              <a:t>{</a:t>
-            </a:r>
-          </a:p>
-          <a:p>
-            <a:r>
-              <a:rPr lang="en-US" altLang="ja-JP" sz="1400" b="1" dirty="0" smtClean="0">
-                <a:solidFill>
-                  <a:schemeClr val="bg1"/>
-                </a:solidFill>
-                <a:latin typeface="+mn-ea"/>
-              </a:rPr>
-              <a:t>    </a:t>
-            </a:r>
-            <a:r>
-              <a:rPr lang="en-US" altLang="ja-JP" sz="1400" b="1" dirty="0" err="1" smtClean="0">
-                <a:solidFill>
-                  <a:schemeClr val="bg1"/>
-                </a:solidFill>
-                <a:latin typeface="+mn-ea"/>
-              </a:rPr>
-              <a:t>Context.Item.FirstOrDefault</a:t>
-            </a:r>
-            <a:r>
-              <a:rPr lang="en-US" altLang="ja-JP" sz="1400" b="1" dirty="0" smtClean="0">
-                <a:solidFill>
-                  <a:schemeClr val="bg1"/>
-                </a:solidFill>
-                <a:latin typeface="+mn-ea"/>
-              </a:rPr>
-              <a:t>();</a:t>
-            </a:r>
-            <a:endParaRPr lang="en-US" altLang="ja-JP" sz="1400" b="1" dirty="0">
-              <a:solidFill>
-                <a:schemeClr val="bg1"/>
-              </a:solidFill>
-              <a:latin typeface="+mn-ea"/>
-            </a:endParaRPr>
-          </a:p>
-          <a:p>
-            <a:r>
-              <a:rPr kumimoji="1" lang="en-US" altLang="ja-JP" sz="1400" b="1" dirty="0" smtClean="0">
-                <a:solidFill>
-                  <a:schemeClr val="bg1"/>
-                </a:solidFill>
-                <a:latin typeface="+mn-ea"/>
-              </a:rPr>
-              <a:t>}</a:t>
-            </a:r>
-            <a:endParaRPr kumimoji="1" lang="ja-JP" altLang="en-US" sz="1400" b="1" dirty="0">
-              <a:solidFill>
-                <a:schemeClr val="bg1"/>
-              </a:solidFill>
-              <a:latin typeface="+mn-ea"/>
-            </a:endParaRPr>
-          </a:p>
-        </p:txBody>
-      </p:sp>
+      </p:pic>
     </p:spTree>
     <p:extLst>
       <p:ext uri="{BB962C8B-B14F-4D97-AF65-F5344CB8AC3E}">
-        <p14:creationId xmlns:p14="http://schemas.microsoft.com/office/powerpoint/2010/main" val="1703765594"/>
+        <p14:creationId xmlns:p14="http://schemas.microsoft.com/office/powerpoint/2010/main" val="4281716964"/>
       </p:ext>
     </p:extLst>
   </p:cSld>
   <p:clrMapOvr>
     <a:masterClrMapping/>
   </p:clrMapOvr>
+  <p:timing>
+    <p:tnLst>
+      <p:par>
+        <p:cTn id="1" dur="indefinite" restart="never" nodeType="tmRoot"/>
+      </p:par>
+    </p:tnLst>
+  </p:timing>
 </p:sld>
 </file>
 
-<file path=ppt/slides/slide41.xml><?xml version="1.0" encoding="utf-8"?>
+<file path=ppt/slides/slide47.xml><?xml version="1.0" encoding="utf-8"?>
 <p:sld xmlns:a="http://schemas.openxmlformats.org/drawingml/2006/main" xmlns:r="http://schemas.openxmlformats.org/officeDocument/2006/relationships" xmlns:p="http://schemas.openxmlformats.org/presentationml/2006/main">
   <p:cSld>
     <p:spTree>
@@ -23030,1204 +22647,72 @@
           <a:lstStyle/>
           <a:p>
             <a:r>
-              <a:rPr kumimoji="1" lang="en-US" altLang="ja-JP" dirty="0" err="1" smtClean="0"/>
-              <a:t>Moq</a:t>
+              <a:rPr lang="ja-JP" altLang="ja-JP" dirty="0" smtClean="0"/>
+              <a:t>M</a:t>
+            </a:r>
+            <a:r>
+              <a:rPr lang="en-US" altLang="ja-JP" dirty="0" err="1" smtClean="0"/>
+              <a:t>oq</a:t>
             </a:r>
             <a:r>
               <a:rPr kumimoji="1" lang="ja-JP" altLang="en-US" dirty="0" smtClean="0"/>
-              <a:t>を使わないと。。。</a:t>
+              <a:t>導入方法</a:t>
             </a:r>
             <a:endParaRPr kumimoji="1" lang="ja-JP" altLang="en-US" dirty="0"/>
           </a:p>
         </p:txBody>
       </p:sp>
-      <p:sp>
-        <p:nvSpPr>
-          <p:cNvPr id="4" name="テキスト ボックス 3"/>
-          <p:cNvSpPr txBox="1"/>
+      <p:pic>
+        <p:nvPicPr>
+          <p:cNvPr id="3" name="図 2"/>
+          <p:cNvPicPr>
+            <a:picLocks noChangeAspect="1"/>
+          </p:cNvPicPr>
           <p:nvPr/>
-        </p:nvSpPr>
+        </p:nvPicPr>
+        <p:blipFill>
+          <a:blip r:embed="rId2">
+            <a:extLst>
+              <a:ext uri="{28A0092B-C50C-407E-A947-70E740481C1C}">
+                <a14:useLocalDpi xmlns:a14="http://schemas.microsoft.com/office/drawing/2010/main" val="0"/>
+              </a:ext>
+            </a:extLst>
+          </a:blip>
+          <a:stretch>
+            <a:fillRect/>
+          </a:stretch>
+        </p:blipFill>
         <p:spPr>
           <a:xfrm>
-            <a:off x="127469" y="1609834"/>
-            <a:ext cx="3358023" cy="2462213"/>
+            <a:off x="450000" y="836149"/>
+            <a:ext cx="8189890" cy="4426968"/>
           </a:xfrm>
           <a:prstGeom prst="rect">
             <a:avLst/>
           </a:prstGeom>
-          <a:solidFill>
-            <a:schemeClr val="tx1"/>
-          </a:solidFill>
         </p:spPr>
-        <p:txBody>
-          <a:bodyPr wrap="none" rtlCol="0">
-            <a:spAutoFit/>
-          </a:bodyPr>
-          <a:lstStyle/>
-          <a:p>
-            <a:r>
-              <a:rPr lang="ja-JP" altLang="ja-JP" sz="1400" b="1" dirty="0" smtClean="0">
-                <a:solidFill>
-                  <a:schemeClr val="bg1"/>
-                </a:solidFill>
-                <a:latin typeface="+mn-ea"/>
-              </a:rPr>
-              <a:t>p</a:t>
-            </a:r>
-            <a:r>
-              <a:rPr lang="en-US" altLang="ja-JP" sz="1400" b="1" dirty="0" err="1" smtClean="0">
-                <a:solidFill>
-                  <a:schemeClr val="bg1"/>
-                </a:solidFill>
-                <a:latin typeface="+mn-ea"/>
-              </a:rPr>
-              <a:t>ublic</a:t>
-            </a:r>
-            <a:r>
-              <a:rPr lang="ja-JP" altLang="en-US" sz="1400" b="1" dirty="0" smtClean="0">
-                <a:solidFill>
-                  <a:schemeClr val="bg1"/>
-                </a:solidFill>
-                <a:latin typeface="+mn-ea"/>
-              </a:rPr>
-              <a:t> </a:t>
-            </a:r>
-            <a:r>
-              <a:rPr lang="ja-JP" altLang="ja-JP" sz="1400" b="1" dirty="0" smtClean="0">
-                <a:solidFill>
-                  <a:schemeClr val="bg1"/>
-                </a:solidFill>
-                <a:latin typeface="+mn-ea"/>
-              </a:rPr>
-              <a:t>I</a:t>
-            </a:r>
-            <a:r>
-              <a:rPr lang="ja-JP" altLang="ja-JP" sz="1400" b="1" dirty="0">
-                <a:solidFill>
-                  <a:schemeClr val="bg1"/>
-                </a:solidFill>
-                <a:latin typeface="+mn-ea"/>
-              </a:rPr>
-              <a:t>I</a:t>
-            </a:r>
-            <a:r>
-              <a:rPr lang="en-US" altLang="ja-JP" sz="1400" b="1" dirty="0" err="1" smtClean="0">
-                <a:solidFill>
-                  <a:schemeClr val="bg1"/>
-                </a:solidFill>
-                <a:latin typeface="+mn-ea"/>
-              </a:rPr>
-              <a:t>temDao</a:t>
-            </a:r>
-            <a:r>
-              <a:rPr lang="ja-JP" altLang="en-US" sz="1400" b="1" dirty="0" smtClean="0">
-                <a:solidFill>
-                  <a:schemeClr val="bg1"/>
-                </a:solidFill>
-                <a:latin typeface="+mn-ea"/>
-              </a:rPr>
-              <a:t> </a:t>
-            </a:r>
-            <a:r>
-              <a:rPr lang="en-US" altLang="ja-JP" sz="1400" b="1" dirty="0" err="1" smtClean="0">
-                <a:solidFill>
-                  <a:schemeClr val="bg1"/>
-                </a:solidFill>
-                <a:latin typeface="+mn-ea"/>
-              </a:rPr>
-              <a:t>dao</a:t>
-            </a:r>
-            <a:r>
-              <a:rPr lang="ja-JP" altLang="en-US" sz="1400" b="1" dirty="0" smtClean="0">
-                <a:solidFill>
-                  <a:schemeClr val="bg1"/>
-                </a:solidFill>
-                <a:latin typeface="+mn-ea"/>
-              </a:rPr>
-              <a:t> </a:t>
-            </a:r>
-            <a:r>
-              <a:rPr lang="en-US" altLang="ja-JP" sz="1400" b="1" dirty="0" smtClean="0">
-                <a:solidFill>
-                  <a:schemeClr val="bg1"/>
-                </a:solidFill>
-                <a:latin typeface="+mn-ea"/>
-              </a:rPr>
-              <a:t>{</a:t>
-            </a:r>
-            <a:r>
-              <a:rPr lang="ja-JP" altLang="en-US" sz="1400" b="1" dirty="0" smtClean="0">
-                <a:solidFill>
-                  <a:schemeClr val="bg1"/>
-                </a:solidFill>
-                <a:latin typeface="+mn-ea"/>
-              </a:rPr>
-              <a:t> </a:t>
-            </a:r>
-            <a:r>
-              <a:rPr lang="en-US" altLang="ja-JP" sz="1400" b="1" dirty="0" smtClean="0">
-                <a:solidFill>
-                  <a:schemeClr val="bg1"/>
-                </a:solidFill>
-                <a:latin typeface="+mn-ea"/>
-              </a:rPr>
-              <a:t>get;</a:t>
-            </a:r>
-            <a:r>
-              <a:rPr lang="ja-JP" altLang="en-US" sz="1400" b="1" dirty="0" smtClean="0">
-                <a:solidFill>
-                  <a:schemeClr val="bg1"/>
-                </a:solidFill>
-                <a:latin typeface="+mn-ea"/>
-              </a:rPr>
-              <a:t> </a:t>
-            </a:r>
-            <a:r>
-              <a:rPr lang="en-US" altLang="ja-JP" sz="1400" b="1" dirty="0" smtClean="0">
-                <a:solidFill>
-                  <a:schemeClr val="bg1"/>
-                </a:solidFill>
-                <a:latin typeface="+mn-ea"/>
-              </a:rPr>
-              <a:t>set;</a:t>
-            </a:r>
-            <a:r>
-              <a:rPr lang="ja-JP" altLang="en-US" sz="1400" b="1" dirty="0" smtClean="0">
-                <a:solidFill>
-                  <a:schemeClr val="bg1"/>
-                </a:solidFill>
-                <a:latin typeface="+mn-ea"/>
-              </a:rPr>
-              <a:t> </a:t>
-            </a:r>
-            <a:r>
-              <a:rPr lang="en-US" altLang="ja-JP" sz="1400" b="1" dirty="0" smtClean="0">
-                <a:solidFill>
-                  <a:schemeClr val="bg1"/>
-                </a:solidFill>
-                <a:latin typeface="+mn-ea"/>
-              </a:rPr>
-              <a:t>}</a:t>
-            </a:r>
-          </a:p>
-          <a:p>
-            <a:endParaRPr lang="en-US" altLang="ja-JP" sz="1400" b="1" dirty="0" smtClean="0">
-              <a:solidFill>
-                <a:schemeClr val="bg1"/>
-              </a:solidFill>
-              <a:latin typeface="+mn-ea"/>
-            </a:endParaRPr>
-          </a:p>
-          <a:p>
-            <a:r>
-              <a:rPr lang="ja-JP" altLang="ja-JP" sz="1400" b="1" dirty="0" smtClean="0">
-                <a:solidFill>
-                  <a:schemeClr val="bg1"/>
-                </a:solidFill>
-                <a:latin typeface="+mn-ea"/>
-              </a:rPr>
-              <a:t>p</a:t>
-            </a:r>
-            <a:r>
-              <a:rPr lang="en-US" altLang="ja-JP" sz="1400" b="1" dirty="0" err="1" smtClean="0">
-                <a:solidFill>
-                  <a:schemeClr val="bg1"/>
-                </a:solidFill>
-                <a:latin typeface="+mn-ea"/>
-              </a:rPr>
-              <a:t>ublic</a:t>
-            </a:r>
-            <a:r>
-              <a:rPr lang="ja-JP" altLang="en-US" sz="1400" b="1" dirty="0" smtClean="0">
-                <a:solidFill>
-                  <a:schemeClr val="bg1"/>
-                </a:solidFill>
-                <a:latin typeface="+mn-ea"/>
-              </a:rPr>
-              <a:t> </a:t>
-            </a:r>
-            <a:r>
-              <a:rPr lang="en-US" altLang="ja-JP" sz="1400" b="1" dirty="0" err="1" smtClean="0">
-                <a:solidFill>
-                  <a:schemeClr val="bg1"/>
-                </a:solidFill>
-                <a:latin typeface="+mn-ea"/>
-              </a:rPr>
-              <a:t>ItemService</a:t>
-            </a:r>
-            <a:r>
-              <a:rPr lang="en-US" altLang="ja-JP" sz="1400" b="1" dirty="0" smtClean="0">
-                <a:solidFill>
-                  <a:schemeClr val="bg1"/>
-                </a:solidFill>
-                <a:latin typeface="+mn-ea"/>
-              </a:rPr>
-              <a:t>()</a:t>
-            </a:r>
-          </a:p>
-          <a:p>
-            <a:r>
-              <a:rPr lang="ja-JP" altLang="ja-JP" sz="1400" b="1" dirty="0" smtClean="0">
-                <a:solidFill>
-                  <a:schemeClr val="bg1"/>
-                </a:solidFill>
-                <a:latin typeface="+mn-ea"/>
-              </a:rPr>
-              <a:t>{</a:t>
-            </a:r>
-            <a:endParaRPr lang="en-US" altLang="ja-JP" sz="1400" b="1" dirty="0" smtClean="0">
-              <a:solidFill>
-                <a:schemeClr val="bg1"/>
-              </a:solidFill>
-              <a:latin typeface="+mn-ea"/>
-            </a:endParaRPr>
-          </a:p>
-          <a:p>
-            <a:r>
-              <a:rPr lang="ja-JP" altLang="en-US" sz="1400" b="1" dirty="0" smtClean="0">
-                <a:solidFill>
-                  <a:schemeClr val="bg1"/>
-                </a:solidFill>
-                <a:latin typeface="+mn-ea"/>
-              </a:rPr>
-              <a:t>    </a:t>
-            </a:r>
-            <a:r>
-              <a:rPr lang="ja-JP" altLang="ja-JP" sz="1400" b="1" dirty="0" smtClean="0">
-                <a:solidFill>
-                  <a:schemeClr val="bg1"/>
-                </a:solidFill>
-                <a:latin typeface="+mn-ea"/>
-              </a:rPr>
-              <a:t>d</a:t>
-            </a:r>
-            <a:r>
-              <a:rPr lang="en-US" altLang="ja-JP" sz="1400" b="1" dirty="0" err="1" smtClean="0">
-                <a:solidFill>
-                  <a:schemeClr val="bg1"/>
-                </a:solidFill>
-                <a:latin typeface="+mn-ea"/>
-              </a:rPr>
-              <a:t>ao</a:t>
-            </a:r>
-            <a:r>
-              <a:rPr lang="ja-JP" altLang="en-US" sz="1400" b="1" dirty="0" smtClean="0">
-                <a:solidFill>
-                  <a:schemeClr val="bg1"/>
-                </a:solidFill>
-                <a:latin typeface="+mn-ea"/>
-              </a:rPr>
-              <a:t> </a:t>
-            </a:r>
-            <a:r>
-              <a:rPr lang="en-US" altLang="ja-JP" sz="1400" b="1" dirty="0" smtClean="0">
-                <a:solidFill>
-                  <a:schemeClr val="bg1"/>
-                </a:solidFill>
-                <a:latin typeface="+mn-ea"/>
-              </a:rPr>
-              <a:t>=</a:t>
-            </a:r>
-            <a:r>
-              <a:rPr lang="ja-JP" altLang="en-US" sz="1400" b="1" dirty="0" smtClean="0">
-                <a:solidFill>
-                  <a:schemeClr val="bg1"/>
-                </a:solidFill>
-                <a:latin typeface="+mn-ea"/>
-              </a:rPr>
-              <a:t> </a:t>
-            </a:r>
-            <a:r>
-              <a:rPr lang="en-US" altLang="ja-JP" sz="1400" b="1" dirty="0" smtClean="0">
-                <a:solidFill>
-                  <a:schemeClr val="bg1"/>
-                </a:solidFill>
-                <a:latin typeface="+mn-ea"/>
-              </a:rPr>
-              <a:t>new</a:t>
-            </a:r>
-            <a:r>
-              <a:rPr lang="ja-JP" altLang="en-US" sz="1400" b="1" dirty="0" smtClean="0">
-                <a:solidFill>
-                  <a:schemeClr val="bg1"/>
-                </a:solidFill>
-                <a:latin typeface="+mn-ea"/>
-              </a:rPr>
-              <a:t> </a:t>
-            </a:r>
-            <a:r>
-              <a:rPr lang="ja-JP" altLang="ja-JP" sz="1400" b="1" dirty="0" smtClean="0">
-                <a:solidFill>
-                  <a:schemeClr val="bg1"/>
-                </a:solidFill>
-                <a:latin typeface="+mn-ea"/>
-              </a:rPr>
-              <a:t>II</a:t>
-            </a:r>
-            <a:r>
-              <a:rPr lang="en-US" altLang="ja-JP" sz="1400" b="1" dirty="0" err="1" smtClean="0">
-                <a:solidFill>
-                  <a:schemeClr val="bg1"/>
-                </a:solidFill>
-                <a:latin typeface="+mn-ea"/>
-              </a:rPr>
-              <a:t>temDao</a:t>
-            </a:r>
-            <a:r>
-              <a:rPr lang="en-US" altLang="ja-JP" sz="1400" b="1" dirty="0" smtClean="0">
-                <a:solidFill>
-                  <a:schemeClr val="bg1"/>
-                </a:solidFill>
-                <a:latin typeface="+mn-ea"/>
-              </a:rPr>
-              <a:t>();</a:t>
-            </a:r>
-            <a:endParaRPr lang="en-US" altLang="ja-JP" sz="1400" b="1" dirty="0">
-              <a:solidFill>
-                <a:schemeClr val="bg1"/>
-              </a:solidFill>
-              <a:latin typeface="+mn-ea"/>
-            </a:endParaRPr>
-          </a:p>
-          <a:p>
-            <a:r>
-              <a:rPr lang="ja-JP" altLang="ja-JP" sz="1400" b="1" dirty="0" smtClean="0">
-                <a:solidFill>
-                  <a:schemeClr val="bg1"/>
-                </a:solidFill>
-                <a:latin typeface="+mn-ea"/>
-              </a:rPr>
-              <a:t>}</a:t>
-            </a:r>
-            <a:endParaRPr lang="en-US" altLang="ja-JP" sz="1400" b="1" dirty="0">
-              <a:solidFill>
-                <a:schemeClr val="bg1"/>
-              </a:solidFill>
-              <a:latin typeface="+mn-ea"/>
-            </a:endParaRPr>
-          </a:p>
-          <a:p>
-            <a:endParaRPr kumimoji="1" lang="en-US" altLang="ja-JP" sz="1400" b="1" dirty="0">
-              <a:solidFill>
-                <a:schemeClr val="bg1"/>
-              </a:solidFill>
-              <a:latin typeface="+mn-ea"/>
-            </a:endParaRPr>
-          </a:p>
-          <a:p>
-            <a:r>
-              <a:rPr lang="en-US" altLang="ja-JP" sz="1400" b="1" dirty="0" smtClean="0">
-                <a:solidFill>
-                  <a:schemeClr val="bg1"/>
-                </a:solidFill>
-                <a:latin typeface="+mn-ea"/>
-              </a:rPr>
-              <a:t>public</a:t>
-            </a:r>
-            <a:r>
-              <a:rPr lang="ja-JP" altLang="en-US" sz="1400" b="1" dirty="0" smtClean="0">
-                <a:solidFill>
-                  <a:schemeClr val="bg1"/>
-                </a:solidFill>
-                <a:latin typeface="+mn-ea"/>
-              </a:rPr>
-              <a:t> </a:t>
-            </a:r>
-            <a:r>
-              <a:rPr lang="ja-JP" altLang="ja-JP" sz="1400" b="1" dirty="0">
-                <a:solidFill>
-                  <a:schemeClr val="bg1"/>
-                </a:solidFill>
-                <a:latin typeface="+mn-ea"/>
-              </a:rPr>
-              <a:t>I</a:t>
-            </a:r>
-            <a:r>
-              <a:rPr lang="en-US" altLang="ja-JP" sz="1400" b="1" dirty="0" smtClean="0">
-                <a:solidFill>
-                  <a:schemeClr val="bg1"/>
-                </a:solidFill>
-                <a:latin typeface="+mn-ea"/>
-              </a:rPr>
-              <a:t>tem</a:t>
-            </a:r>
-            <a:r>
-              <a:rPr lang="ja-JP" altLang="en-US" sz="1400" b="1" dirty="0" smtClean="0">
-                <a:solidFill>
-                  <a:schemeClr val="bg1"/>
-                </a:solidFill>
-                <a:latin typeface="+mn-ea"/>
-              </a:rPr>
-              <a:t> </a:t>
-            </a:r>
-            <a:r>
-              <a:rPr lang="ja-JP" altLang="ja-JP" sz="1400" b="1" dirty="0" smtClean="0">
-                <a:solidFill>
-                  <a:schemeClr val="bg1"/>
-                </a:solidFill>
-                <a:latin typeface="+mn-ea"/>
-              </a:rPr>
-              <a:t>G</a:t>
-            </a:r>
-            <a:r>
-              <a:rPr lang="en-US" altLang="ja-JP" sz="1400" b="1" dirty="0" err="1" smtClean="0">
-                <a:solidFill>
-                  <a:schemeClr val="bg1"/>
-                </a:solidFill>
-                <a:latin typeface="+mn-ea"/>
-              </a:rPr>
-              <a:t>etItem</a:t>
-            </a:r>
-            <a:r>
-              <a:rPr lang="en-US" altLang="ja-JP" sz="1400" b="1" dirty="0" smtClean="0">
-                <a:solidFill>
-                  <a:schemeClr val="bg1"/>
-                </a:solidFill>
-                <a:latin typeface="+mn-ea"/>
-              </a:rPr>
-              <a:t>()</a:t>
-            </a:r>
-          </a:p>
-          <a:p>
-            <a:r>
-              <a:rPr kumimoji="1" lang="ja-JP" altLang="ja-JP" sz="1400" b="1" dirty="0" smtClean="0">
-                <a:solidFill>
-                  <a:schemeClr val="bg1"/>
-                </a:solidFill>
-                <a:latin typeface="+mn-ea"/>
-              </a:rPr>
-              <a:t>{</a:t>
-            </a:r>
-            <a:endParaRPr kumimoji="1" lang="en-US" altLang="ja-JP" sz="1400" b="1" dirty="0" smtClean="0">
-              <a:solidFill>
-                <a:schemeClr val="bg1"/>
-              </a:solidFill>
-              <a:latin typeface="+mn-ea"/>
-            </a:endParaRPr>
-          </a:p>
-          <a:p>
-            <a:r>
-              <a:rPr lang="ja-JP" altLang="ja-JP" sz="1400" b="1" dirty="0">
-                <a:solidFill>
-                  <a:schemeClr val="bg1"/>
-                </a:solidFill>
-                <a:latin typeface="+mn-ea"/>
-              </a:rPr>
-              <a:t> </a:t>
-            </a:r>
-            <a:r>
-              <a:rPr lang="ja-JP" altLang="en-US" sz="1400" b="1" dirty="0" smtClean="0">
-                <a:solidFill>
-                  <a:schemeClr val="bg1"/>
-                </a:solidFill>
-                <a:latin typeface="+mn-ea"/>
-              </a:rPr>
-              <a:t>   </a:t>
-            </a:r>
-            <a:r>
-              <a:rPr lang="en-US" altLang="ja-JP" sz="1400" b="1" dirty="0" smtClean="0">
-                <a:solidFill>
-                  <a:schemeClr val="bg1"/>
-                </a:solidFill>
-                <a:latin typeface="+mn-ea"/>
-              </a:rPr>
-              <a:t>return</a:t>
-            </a:r>
-            <a:r>
-              <a:rPr lang="ja-JP" altLang="en-US" sz="1400" b="1" dirty="0" smtClean="0">
-                <a:solidFill>
-                  <a:schemeClr val="bg1"/>
-                </a:solidFill>
-                <a:latin typeface="+mn-ea"/>
-              </a:rPr>
-              <a:t> </a:t>
-            </a:r>
-            <a:r>
-              <a:rPr lang="en-US" altLang="ja-JP" sz="1400" b="1" dirty="0" err="1" smtClean="0">
-                <a:solidFill>
-                  <a:schemeClr val="bg1"/>
-                </a:solidFill>
-                <a:latin typeface="+mn-ea"/>
-              </a:rPr>
-              <a:t>dao.GetItem</a:t>
-            </a:r>
-            <a:r>
-              <a:rPr lang="en-US" altLang="ja-JP" sz="1400" b="1" dirty="0" smtClean="0">
-                <a:solidFill>
-                  <a:schemeClr val="bg1"/>
-                </a:solidFill>
-                <a:latin typeface="+mn-ea"/>
-              </a:rPr>
-              <a:t>();</a:t>
-            </a:r>
-            <a:endParaRPr kumimoji="1" lang="en-US" altLang="ja-JP" sz="1400" b="1" dirty="0" smtClean="0">
-              <a:solidFill>
-                <a:schemeClr val="bg1"/>
-              </a:solidFill>
-              <a:latin typeface="+mn-ea"/>
-            </a:endParaRPr>
-          </a:p>
-          <a:p>
-            <a:r>
-              <a:rPr lang="ja-JP" altLang="ja-JP" sz="1400" b="1" dirty="0">
-                <a:solidFill>
-                  <a:schemeClr val="bg1"/>
-                </a:solidFill>
-                <a:latin typeface="+mn-ea"/>
-              </a:rPr>
-              <a:t>}</a:t>
-            </a:r>
-            <a:endParaRPr kumimoji="1" lang="ja-JP" altLang="en-US" sz="1400" b="1" dirty="0">
-              <a:solidFill>
-                <a:schemeClr val="bg1"/>
-              </a:solidFill>
-              <a:latin typeface="+mn-ea"/>
-            </a:endParaRPr>
-          </a:p>
-        </p:txBody>
-      </p:sp>
-      <p:sp>
-        <p:nvSpPr>
-          <p:cNvPr id="5" name="テキスト ボックス 4"/>
-          <p:cNvSpPr txBox="1"/>
-          <p:nvPr/>
-        </p:nvSpPr>
-        <p:spPr>
-          <a:xfrm>
-            <a:off x="823630" y="1193941"/>
-            <a:ext cx="1851789" cy="369332"/>
-          </a:xfrm>
-          <a:prstGeom prst="rect">
-            <a:avLst/>
-          </a:prstGeom>
-          <a:noFill/>
-        </p:spPr>
-        <p:txBody>
-          <a:bodyPr wrap="none" rtlCol="0">
-            <a:spAutoFit/>
-          </a:bodyPr>
-          <a:lstStyle/>
-          <a:p>
-            <a:r>
-              <a:rPr lang="ja-JP" altLang="ja-JP" dirty="0">
-                <a:latin typeface="+mn-ea"/>
-              </a:rPr>
-              <a:t>I</a:t>
-            </a:r>
-            <a:r>
-              <a:rPr lang="en-US" altLang="ja-JP" dirty="0" err="1">
-                <a:latin typeface="+mn-ea"/>
-              </a:rPr>
-              <a:t>temService.cs</a:t>
-            </a:r>
-            <a:endParaRPr lang="en-US" altLang="ja-JP" dirty="0">
-              <a:latin typeface="+mn-ea"/>
-            </a:endParaRPr>
-          </a:p>
-        </p:txBody>
-      </p:sp>
-      <p:sp>
-        <p:nvSpPr>
-          <p:cNvPr id="6" name="テキスト ボックス 5"/>
-          <p:cNvSpPr txBox="1"/>
-          <p:nvPr/>
-        </p:nvSpPr>
-        <p:spPr>
-          <a:xfrm>
-            <a:off x="3670536" y="1612500"/>
-            <a:ext cx="4706299" cy="1169551"/>
-          </a:xfrm>
-          <a:prstGeom prst="rect">
-            <a:avLst/>
-          </a:prstGeom>
-          <a:solidFill>
-            <a:srgbClr val="000000"/>
-          </a:solidFill>
-        </p:spPr>
-        <p:txBody>
-          <a:bodyPr wrap="none" rtlCol="0">
-            <a:spAutoFit/>
-          </a:bodyPr>
-          <a:lstStyle/>
-          <a:p>
-            <a:r>
-              <a:rPr lang="en-US" altLang="ja-JP" sz="1400" b="1" dirty="0" err="1" smtClean="0">
-                <a:solidFill>
-                  <a:srgbClr val="FFFFFF"/>
-                </a:solidFill>
-                <a:latin typeface="+mn-ea"/>
-              </a:rPr>
-              <a:t>var</a:t>
-            </a:r>
-            <a:r>
-              <a:rPr lang="en-US" altLang="ja-JP" sz="1400" b="1" dirty="0" smtClean="0">
-                <a:solidFill>
-                  <a:srgbClr val="FFFFFF"/>
-                </a:solidFill>
-                <a:latin typeface="+mn-ea"/>
-              </a:rPr>
-              <a:t> target = new </a:t>
-            </a:r>
-            <a:r>
-              <a:rPr lang="en-US" altLang="ja-JP" sz="1400" b="1" dirty="0" err="1" smtClean="0">
-                <a:solidFill>
-                  <a:srgbClr val="FFFFFF"/>
-                </a:solidFill>
-                <a:latin typeface="+mn-ea"/>
-              </a:rPr>
-              <a:t>ItemService</a:t>
-            </a:r>
-            <a:r>
-              <a:rPr lang="en-US" altLang="ja-JP" sz="1400" b="1" dirty="0" smtClean="0">
-                <a:solidFill>
-                  <a:srgbClr val="FFFFFF"/>
-                </a:solidFill>
-                <a:latin typeface="+mn-ea"/>
-              </a:rPr>
-              <a:t>();</a:t>
-            </a:r>
-          </a:p>
-          <a:p>
-            <a:endParaRPr lang="en-US" altLang="ja-JP" sz="1400" b="1" dirty="0" smtClean="0">
-              <a:solidFill>
-                <a:srgbClr val="FFFFFF"/>
-              </a:solidFill>
-              <a:latin typeface="+mn-ea"/>
-            </a:endParaRPr>
-          </a:p>
-          <a:p>
-            <a:r>
-              <a:rPr lang="en-US" altLang="ja-JP" sz="1400" b="1" dirty="0" err="1" smtClean="0">
-                <a:solidFill>
-                  <a:srgbClr val="FFFFFF"/>
-                </a:solidFill>
-                <a:latin typeface="+mn-ea"/>
-              </a:rPr>
-              <a:t>var</a:t>
-            </a:r>
-            <a:r>
-              <a:rPr lang="en-US" altLang="ja-JP" sz="1400" b="1" dirty="0" smtClean="0">
-                <a:solidFill>
-                  <a:srgbClr val="FFFFFF"/>
-                </a:solidFill>
-                <a:latin typeface="+mn-ea"/>
-              </a:rPr>
-              <a:t> </a:t>
-            </a:r>
-            <a:r>
-              <a:rPr lang="en-US" altLang="ja-JP" sz="1400" b="1" dirty="0" smtClean="0">
-                <a:solidFill>
-                  <a:srgbClr val="FFFFFF"/>
-                </a:solidFill>
-                <a:latin typeface="+mn-ea"/>
-              </a:rPr>
-              <a:t>actual = </a:t>
-            </a:r>
-            <a:r>
-              <a:rPr lang="en-US" altLang="ja-JP" sz="1400" b="1" dirty="0" err="1" smtClean="0">
-                <a:solidFill>
-                  <a:srgbClr val="FFFFFF"/>
-                </a:solidFill>
-                <a:latin typeface="+mn-ea"/>
-              </a:rPr>
-              <a:t>target.GetItem</a:t>
-            </a:r>
-            <a:r>
-              <a:rPr lang="en-US" altLang="ja-JP" sz="1400" b="1" dirty="0" smtClean="0">
-                <a:solidFill>
-                  <a:srgbClr val="FFFFFF"/>
-                </a:solidFill>
-                <a:latin typeface="+mn-ea"/>
-              </a:rPr>
-              <a:t>();</a:t>
-            </a:r>
-          </a:p>
-          <a:p>
-            <a:endParaRPr kumimoji="1" lang="en-US" altLang="ja-JP" sz="1400" b="1" dirty="0">
-              <a:solidFill>
-                <a:srgbClr val="FFFFFF"/>
-              </a:solidFill>
-              <a:latin typeface="+mn-ea"/>
-            </a:endParaRPr>
-          </a:p>
-          <a:p>
-            <a:r>
-              <a:rPr lang="en-US" altLang="ja-JP" sz="1400" b="1" dirty="0" err="1" smtClean="0">
-                <a:solidFill>
-                  <a:srgbClr val="FFFFFF"/>
-                </a:solidFill>
-                <a:latin typeface="+mn-ea"/>
-              </a:rPr>
-              <a:t>Assert.AreEqual</a:t>
-            </a:r>
-            <a:r>
-              <a:rPr lang="en-US" altLang="ja-JP" sz="1400" b="1" dirty="0" smtClean="0">
-                <a:solidFill>
-                  <a:srgbClr val="FFFFFF"/>
-                </a:solidFill>
-                <a:latin typeface="+mn-ea"/>
-              </a:rPr>
-              <a:t>(</a:t>
-            </a:r>
-            <a:r>
-              <a:rPr lang="en-US" altLang="ja-JP" sz="1400" b="1" dirty="0" err="1" smtClean="0">
-                <a:solidFill>
-                  <a:srgbClr val="FFFFFF"/>
-                </a:solidFill>
-                <a:latin typeface="+mn-ea"/>
-              </a:rPr>
-              <a:t>expected.name</a:t>
-            </a:r>
-            <a:r>
-              <a:rPr lang="en-US" altLang="ja-JP" sz="1400" b="1" dirty="0" smtClean="0">
-                <a:solidFill>
-                  <a:srgbClr val="FFFFFF"/>
-                </a:solidFill>
-                <a:latin typeface="+mn-ea"/>
-              </a:rPr>
-              <a:t>, </a:t>
-            </a:r>
-            <a:r>
-              <a:rPr lang="en-US" altLang="ja-JP" sz="1400" b="1" dirty="0" err="1" smtClean="0">
-                <a:solidFill>
-                  <a:srgbClr val="FFFFFF"/>
-                </a:solidFill>
-                <a:latin typeface="+mn-ea"/>
-              </a:rPr>
-              <a:t>target.name</a:t>
-            </a:r>
-            <a:r>
-              <a:rPr lang="en-US" altLang="ja-JP" sz="1400" b="1" dirty="0" smtClean="0">
-                <a:solidFill>
-                  <a:srgbClr val="FFFFFF"/>
-                </a:solidFill>
-                <a:latin typeface="+mn-ea"/>
-              </a:rPr>
-              <a:t>);</a:t>
-            </a:r>
-            <a:endParaRPr kumimoji="1" lang="en-US" altLang="ja-JP" sz="1400" b="1" dirty="0" smtClean="0">
-              <a:solidFill>
-                <a:srgbClr val="FFFFFF"/>
-              </a:solidFill>
-              <a:latin typeface="+mn-ea"/>
-            </a:endParaRPr>
-          </a:p>
-        </p:txBody>
-      </p:sp>
-      <p:sp>
-        <p:nvSpPr>
-          <p:cNvPr id="7" name="テキスト ボックス 6"/>
-          <p:cNvSpPr txBox="1"/>
-          <p:nvPr/>
-        </p:nvSpPr>
-        <p:spPr>
-          <a:xfrm>
-            <a:off x="5145161" y="1193941"/>
-            <a:ext cx="2292364" cy="369332"/>
-          </a:xfrm>
-          <a:prstGeom prst="rect">
-            <a:avLst/>
-          </a:prstGeom>
-          <a:noFill/>
-        </p:spPr>
-        <p:txBody>
-          <a:bodyPr wrap="none" rtlCol="0">
-            <a:spAutoFit/>
-          </a:bodyPr>
-          <a:lstStyle/>
-          <a:p>
-            <a:r>
-              <a:rPr lang="ja-JP" altLang="ja-JP" dirty="0" smtClean="0">
-                <a:latin typeface="+mn-ea"/>
-              </a:rPr>
-              <a:t>I</a:t>
-            </a:r>
-            <a:r>
-              <a:rPr lang="en-US" altLang="ja-JP" dirty="0" err="1" smtClean="0">
-                <a:latin typeface="+mn-ea"/>
-              </a:rPr>
-              <a:t>temServiceTest.cs</a:t>
-            </a:r>
-            <a:endParaRPr lang="en-US" altLang="ja-JP" dirty="0">
-              <a:latin typeface="+mn-ea"/>
-            </a:endParaRPr>
-          </a:p>
-        </p:txBody>
-      </p:sp>
-      <p:sp>
-        <p:nvSpPr>
-          <p:cNvPr id="8" name="テキスト ボックス 7"/>
-          <p:cNvSpPr txBox="1"/>
-          <p:nvPr/>
-        </p:nvSpPr>
-        <p:spPr>
-          <a:xfrm>
-            <a:off x="127469" y="4420958"/>
-            <a:ext cx="1744388" cy="307777"/>
-          </a:xfrm>
-          <a:prstGeom prst="rect">
-            <a:avLst/>
-          </a:prstGeom>
-          <a:solidFill>
-            <a:schemeClr val="tx1"/>
-          </a:solidFill>
-        </p:spPr>
-        <p:txBody>
-          <a:bodyPr wrap="none" rtlCol="0">
-            <a:spAutoFit/>
-          </a:bodyPr>
-          <a:lstStyle/>
-          <a:p>
-            <a:r>
-              <a:rPr lang="en-US" altLang="ja-JP" sz="1400" b="1" dirty="0" smtClean="0">
-                <a:solidFill>
-                  <a:schemeClr val="bg1"/>
-                </a:solidFill>
-                <a:latin typeface="+mn-ea"/>
-              </a:rPr>
-              <a:t>Item </a:t>
-            </a:r>
-            <a:r>
-              <a:rPr lang="en-US" altLang="ja-JP" sz="1400" b="1" dirty="0" err="1" smtClean="0">
-                <a:solidFill>
-                  <a:schemeClr val="bg1"/>
-                </a:solidFill>
-                <a:latin typeface="+mn-ea"/>
-              </a:rPr>
-              <a:t>GetItem</a:t>
-            </a:r>
-            <a:r>
-              <a:rPr lang="en-US" altLang="ja-JP" sz="1400" b="1" dirty="0" smtClean="0">
-                <a:solidFill>
-                  <a:schemeClr val="bg1"/>
-                </a:solidFill>
-                <a:latin typeface="+mn-ea"/>
-              </a:rPr>
-              <a:t>();</a:t>
-            </a:r>
-            <a:endParaRPr kumimoji="1" lang="ja-JP" altLang="en-US" sz="1400" b="1" dirty="0">
-              <a:solidFill>
-                <a:schemeClr val="bg1"/>
-              </a:solidFill>
-              <a:latin typeface="+mn-ea"/>
-            </a:endParaRPr>
-          </a:p>
-        </p:txBody>
-      </p:sp>
-      <p:sp>
-        <p:nvSpPr>
-          <p:cNvPr id="9" name="テキスト ボックス 8"/>
-          <p:cNvSpPr txBox="1"/>
-          <p:nvPr/>
-        </p:nvSpPr>
-        <p:spPr>
-          <a:xfrm>
-            <a:off x="823630" y="4051626"/>
-            <a:ext cx="1569660" cy="369332"/>
-          </a:xfrm>
-          <a:prstGeom prst="rect">
-            <a:avLst/>
-          </a:prstGeom>
-          <a:noFill/>
-        </p:spPr>
-        <p:txBody>
-          <a:bodyPr wrap="none" rtlCol="0">
-            <a:spAutoFit/>
-          </a:bodyPr>
-          <a:lstStyle/>
-          <a:p>
-            <a:r>
-              <a:rPr lang="en-US" altLang="ja-JP" dirty="0" smtClean="0">
-                <a:latin typeface="+mn-ea"/>
-              </a:rPr>
-              <a:t>I</a:t>
-            </a:r>
-            <a:r>
-              <a:rPr lang="ja-JP" altLang="ja-JP" dirty="0" smtClean="0">
-                <a:latin typeface="+mn-ea"/>
-              </a:rPr>
-              <a:t>I</a:t>
-            </a:r>
-            <a:r>
-              <a:rPr lang="en-US" altLang="ja-JP" dirty="0" err="1" smtClean="0">
-                <a:latin typeface="+mn-ea"/>
-              </a:rPr>
-              <a:t>tem</a:t>
-            </a:r>
-            <a:r>
-              <a:rPr lang="en-US" altLang="ja-JP" dirty="0" err="1" smtClean="0">
-                <a:latin typeface="+mn-ea"/>
-              </a:rPr>
-              <a:t>Dao</a:t>
-            </a:r>
-            <a:r>
-              <a:rPr lang="en-US" altLang="ja-JP" dirty="0" err="1" smtClean="0">
-                <a:latin typeface="+mn-ea"/>
-              </a:rPr>
-              <a:t>.cs</a:t>
-            </a:r>
-            <a:endParaRPr lang="en-US" altLang="ja-JP" dirty="0">
-              <a:latin typeface="+mn-ea"/>
-            </a:endParaRPr>
-          </a:p>
-        </p:txBody>
-      </p:sp>
-      <p:sp>
-        <p:nvSpPr>
-          <p:cNvPr id="10" name="テキスト ボックス 9"/>
-          <p:cNvSpPr txBox="1"/>
-          <p:nvPr/>
-        </p:nvSpPr>
-        <p:spPr>
-          <a:xfrm>
-            <a:off x="3646505" y="4198909"/>
-            <a:ext cx="1479892" cy="369332"/>
-          </a:xfrm>
-          <a:prstGeom prst="rect">
-            <a:avLst/>
-          </a:prstGeom>
-          <a:noFill/>
-        </p:spPr>
-        <p:txBody>
-          <a:bodyPr wrap="none" rtlCol="0">
-            <a:spAutoFit/>
-          </a:bodyPr>
-          <a:lstStyle/>
-          <a:p>
-            <a:r>
-              <a:rPr lang="ja-JP" altLang="ja-JP" dirty="0" smtClean="0">
-                <a:latin typeface="+mn-ea"/>
-              </a:rPr>
-              <a:t>I</a:t>
-            </a:r>
-            <a:r>
-              <a:rPr lang="en-US" altLang="ja-JP" dirty="0" err="1" smtClean="0">
-                <a:latin typeface="+mn-ea"/>
-              </a:rPr>
-              <a:t>tem</a:t>
-            </a:r>
-            <a:r>
-              <a:rPr lang="en-US" altLang="ja-JP" dirty="0" err="1" smtClean="0">
-                <a:latin typeface="+mn-ea"/>
-              </a:rPr>
-              <a:t>Dao</a:t>
-            </a:r>
-            <a:r>
-              <a:rPr lang="en-US" altLang="ja-JP" dirty="0" err="1" smtClean="0">
-                <a:latin typeface="+mn-ea"/>
-              </a:rPr>
-              <a:t>.cs</a:t>
-            </a:r>
-            <a:endParaRPr lang="en-US" altLang="ja-JP" dirty="0">
-              <a:latin typeface="+mn-ea"/>
-            </a:endParaRPr>
-          </a:p>
-        </p:txBody>
-      </p:sp>
-      <p:sp>
-        <p:nvSpPr>
-          <p:cNvPr id="11" name="テキスト ボックス 10"/>
-          <p:cNvSpPr txBox="1"/>
-          <p:nvPr/>
-        </p:nvSpPr>
-        <p:spPr>
-          <a:xfrm>
-            <a:off x="3485492" y="4568241"/>
-            <a:ext cx="3342594" cy="954107"/>
-          </a:xfrm>
-          <a:prstGeom prst="rect">
-            <a:avLst/>
-          </a:prstGeom>
-          <a:solidFill>
-            <a:schemeClr val="tx1"/>
-          </a:solidFill>
-        </p:spPr>
-        <p:txBody>
-          <a:bodyPr wrap="none" rtlCol="0">
-            <a:spAutoFit/>
-          </a:bodyPr>
-          <a:lstStyle/>
-          <a:p>
-            <a:r>
-              <a:rPr lang="en-US" altLang="ja-JP" sz="1400" b="1" dirty="0" smtClean="0">
-                <a:solidFill>
-                  <a:schemeClr val="bg1"/>
-                </a:solidFill>
-                <a:latin typeface="+mn-ea"/>
-              </a:rPr>
-              <a:t>public Item </a:t>
-            </a:r>
-            <a:r>
-              <a:rPr lang="en-US" altLang="ja-JP" sz="1400" b="1" dirty="0" err="1" smtClean="0">
-                <a:solidFill>
-                  <a:schemeClr val="bg1"/>
-                </a:solidFill>
-                <a:latin typeface="+mn-ea"/>
-              </a:rPr>
-              <a:t>GetItem</a:t>
-            </a:r>
-            <a:r>
-              <a:rPr lang="en-US" altLang="ja-JP" sz="1400" b="1" dirty="0" smtClean="0">
-                <a:solidFill>
-                  <a:schemeClr val="bg1"/>
-                </a:solidFill>
-                <a:latin typeface="+mn-ea"/>
-              </a:rPr>
-              <a:t>()</a:t>
-            </a:r>
-          </a:p>
-          <a:p>
-            <a:r>
-              <a:rPr kumimoji="1" lang="en-US" altLang="ja-JP" sz="1400" b="1" dirty="0" smtClean="0">
-                <a:solidFill>
-                  <a:schemeClr val="bg1"/>
-                </a:solidFill>
-                <a:latin typeface="+mn-ea"/>
-              </a:rPr>
-              <a:t>{</a:t>
-            </a:r>
-          </a:p>
-          <a:p>
-            <a:r>
-              <a:rPr lang="en-US" altLang="ja-JP" sz="1400" b="1" dirty="0" smtClean="0">
-                <a:solidFill>
-                  <a:schemeClr val="bg1"/>
-                </a:solidFill>
-                <a:latin typeface="+mn-ea"/>
-              </a:rPr>
-              <a:t>    </a:t>
-            </a:r>
-            <a:r>
-              <a:rPr lang="en-US" altLang="ja-JP" sz="1400" b="1" dirty="0" err="1" smtClean="0">
-                <a:solidFill>
-                  <a:schemeClr val="bg1"/>
-                </a:solidFill>
-                <a:latin typeface="+mn-ea"/>
-              </a:rPr>
-              <a:t>Context.Item.FirstOrDefault</a:t>
-            </a:r>
-            <a:r>
-              <a:rPr lang="en-US" altLang="ja-JP" sz="1400" b="1" dirty="0" smtClean="0">
-                <a:solidFill>
-                  <a:schemeClr val="bg1"/>
-                </a:solidFill>
-                <a:latin typeface="+mn-ea"/>
-              </a:rPr>
-              <a:t>();</a:t>
-            </a:r>
-            <a:endParaRPr lang="en-US" altLang="ja-JP" sz="1400" b="1" dirty="0">
-              <a:solidFill>
-                <a:schemeClr val="bg1"/>
-              </a:solidFill>
-              <a:latin typeface="+mn-ea"/>
-            </a:endParaRPr>
-          </a:p>
-          <a:p>
-            <a:r>
-              <a:rPr kumimoji="1" lang="en-US" altLang="ja-JP" sz="1400" b="1" dirty="0" smtClean="0">
-                <a:solidFill>
-                  <a:schemeClr val="bg1"/>
-                </a:solidFill>
-                <a:latin typeface="+mn-ea"/>
-              </a:rPr>
-              <a:t>}</a:t>
-            </a:r>
-            <a:endParaRPr kumimoji="1" lang="ja-JP" altLang="en-US" sz="1400" b="1" dirty="0">
-              <a:solidFill>
-                <a:schemeClr val="bg1"/>
-              </a:solidFill>
-              <a:latin typeface="+mn-ea"/>
-            </a:endParaRPr>
-          </a:p>
-        </p:txBody>
-      </p:sp>
-      <p:sp>
-        <p:nvSpPr>
-          <p:cNvPr id="3" name="テキスト ボックス 2"/>
-          <p:cNvSpPr txBox="1"/>
-          <p:nvPr/>
-        </p:nvSpPr>
-        <p:spPr>
-          <a:xfrm>
-            <a:off x="974164" y="1993401"/>
-            <a:ext cx="6889977" cy="1323439"/>
-          </a:xfrm>
-          <a:prstGeom prst="rect">
-            <a:avLst/>
-          </a:prstGeom>
-          <a:solidFill>
-            <a:schemeClr val="bg1">
-              <a:alpha val="80000"/>
-            </a:schemeClr>
-          </a:solidFill>
-        </p:spPr>
-        <p:txBody>
-          <a:bodyPr wrap="none" rtlCol="0">
-            <a:spAutoFit/>
-          </a:bodyPr>
-          <a:lstStyle/>
-          <a:p>
-            <a:r>
-              <a:rPr kumimoji="1" lang="en-US" altLang="ja-JP" sz="4000" b="1" dirty="0" smtClean="0">
-                <a:solidFill>
-                  <a:srgbClr val="FF0000"/>
-                </a:solidFill>
-              </a:rPr>
-              <a:t>Service</a:t>
-            </a:r>
-            <a:r>
-              <a:rPr kumimoji="1" lang="ja-JP" altLang="en-US" sz="4000" b="1" dirty="0" smtClean="0">
-                <a:solidFill>
-                  <a:srgbClr val="FF0000"/>
-                </a:solidFill>
-              </a:rPr>
-              <a:t>の単体テストなのに</a:t>
-            </a:r>
-            <a:endParaRPr kumimoji="1" lang="en-US" altLang="ja-JP" sz="4000" b="1" dirty="0" smtClean="0">
-              <a:solidFill>
-                <a:srgbClr val="FF0000"/>
-              </a:solidFill>
-            </a:endParaRPr>
-          </a:p>
-          <a:p>
-            <a:r>
-              <a:rPr kumimoji="1" lang="en-US" altLang="ja-JP" sz="4000" b="1" dirty="0" smtClean="0">
-                <a:solidFill>
-                  <a:srgbClr val="FF0000"/>
-                </a:solidFill>
-              </a:rPr>
-              <a:t>DAO</a:t>
-            </a:r>
-            <a:r>
-              <a:rPr kumimoji="1" lang="ja-JP" altLang="en-US" sz="4000" b="1" dirty="0" smtClean="0">
-                <a:solidFill>
-                  <a:srgbClr val="FF0000"/>
-                </a:solidFill>
-              </a:rPr>
-              <a:t>に依存してんじゃん！！</a:t>
-            </a:r>
-            <a:endParaRPr kumimoji="1" lang="ja-JP" altLang="en-US" sz="4000" b="1" dirty="0">
-              <a:solidFill>
-                <a:srgbClr val="FF0000"/>
-              </a:solidFill>
-            </a:endParaRPr>
-          </a:p>
-        </p:txBody>
-      </p:sp>
+      </p:pic>
     </p:spTree>
     <p:extLst>
       <p:ext uri="{BB962C8B-B14F-4D97-AF65-F5344CB8AC3E}">
-        <p14:creationId xmlns:p14="http://schemas.microsoft.com/office/powerpoint/2010/main" val="2831866984"/>
+        <p14:creationId xmlns:p14="http://schemas.microsoft.com/office/powerpoint/2010/main" val="35460696"/>
       </p:ext>
     </p:extLst>
   </p:cSld>
   <p:clrMapOvr>
     <a:masterClrMapping/>
   </p:clrMapOvr>
+  <p:timing>
+    <p:tnLst>
+      <p:par>
+        <p:cTn id="1" dur="indefinite" restart="never" nodeType="tmRoot"/>
+      </p:par>
+    </p:tnLst>
+  </p:timing>
 </p:sld>
 </file>
 
-<file path=ppt/slides/slide42.xml><?xml version="1.0" encoding="utf-8"?>
+<file path=ppt/slides/slide48.xml><?xml version="1.0" encoding="utf-8"?>
 <p:sld xmlns:a="http://schemas.openxmlformats.org/drawingml/2006/main" xmlns:r="http://schemas.openxmlformats.org/officeDocument/2006/relationships" xmlns:p="http://schemas.openxmlformats.org/presentationml/2006/main">
   <p:cSld>
     <p:spTree>
@@ -24260,8 +22745,1230 @@
           <a:lstStyle/>
           <a:p>
             <a:r>
-              <a:rPr lang="ja-JP" altLang="en-US" dirty="0" smtClean="0"/>
-              <a:t>つまり</a:t>
+              <a:rPr lang="ja-JP" altLang="ja-JP" dirty="0" smtClean="0"/>
+              <a:t>M</a:t>
+            </a:r>
+            <a:r>
+              <a:rPr lang="en-US" altLang="ja-JP" dirty="0" err="1" smtClean="0"/>
+              <a:t>oq</a:t>
+            </a:r>
+            <a:r>
+              <a:rPr kumimoji="1" lang="ja-JP" altLang="en-US" dirty="0" smtClean="0"/>
+              <a:t>導入方法</a:t>
+            </a:r>
+            <a:endParaRPr kumimoji="1" lang="ja-JP" altLang="en-US" dirty="0"/>
+          </a:p>
+        </p:txBody>
+      </p:sp>
+      <p:pic>
+        <p:nvPicPr>
+          <p:cNvPr id="3" name="図 2"/>
+          <p:cNvPicPr>
+            <a:picLocks noChangeAspect="1"/>
+          </p:cNvPicPr>
+          <p:nvPr/>
+        </p:nvPicPr>
+        <p:blipFill>
+          <a:blip r:embed="rId2">
+            <a:extLst>
+              <a:ext uri="{28A0092B-C50C-407E-A947-70E740481C1C}">
+                <a14:useLocalDpi xmlns:a14="http://schemas.microsoft.com/office/drawing/2010/main" val="0"/>
+              </a:ext>
+            </a:extLst>
+          </a:blip>
+          <a:stretch>
+            <a:fillRect/>
+          </a:stretch>
+        </p:blipFill>
+        <p:spPr>
+          <a:xfrm>
+            <a:off x="600000" y="986149"/>
+            <a:ext cx="7884781" cy="4262044"/>
+          </a:xfrm>
+          <a:prstGeom prst="rect">
+            <a:avLst/>
+          </a:prstGeom>
+        </p:spPr>
+      </p:pic>
+    </p:spTree>
+    <p:extLst>
+      <p:ext uri="{BB962C8B-B14F-4D97-AF65-F5344CB8AC3E}">
+        <p14:creationId xmlns:p14="http://schemas.microsoft.com/office/powerpoint/2010/main" val="119217084"/>
+      </p:ext>
+    </p:extLst>
+  </p:cSld>
+  <p:clrMapOvr>
+    <a:masterClrMapping/>
+  </p:clrMapOvr>
+  <p:timing>
+    <p:tnLst>
+      <p:par>
+        <p:cTn id="1" dur="indefinite" restart="never" nodeType="tmRoot"/>
+      </p:par>
+    </p:tnLst>
+  </p:timing>
+</p:sld>
+</file>
+
+<file path=ppt/slides/slide49.xml><?xml version="1.0" encoding="utf-8"?>
+<p:sld xmlns:a="http://schemas.openxmlformats.org/drawingml/2006/main" xmlns:r="http://schemas.openxmlformats.org/officeDocument/2006/relationships" xmlns:p="http://schemas.openxmlformats.org/presentationml/2006/main">
+  <p:cSld>
+    <p:spTree>
+      <p:nvGrpSpPr>
+        <p:cNvPr id="1" name=""/>
+        <p:cNvGrpSpPr/>
+        <p:nvPr/>
+      </p:nvGrpSpPr>
+      <p:grpSpPr>
+        <a:xfrm>
+          <a:off x="0" y="0"/>
+          <a:ext cx="0" cy="0"/>
+          <a:chOff x="0" y="0"/>
+          <a:chExt cx="0" cy="0"/>
+        </a:xfrm>
+      </p:grpSpPr>
+      <p:sp>
+        <p:nvSpPr>
+          <p:cNvPr id="2" name="タイトル 1"/>
+          <p:cNvSpPr>
+            <a:spLocks noGrp="1"/>
+          </p:cNvSpPr>
+          <p:nvPr>
+            <p:ph type="title"/>
+          </p:nvPr>
+        </p:nvSpPr>
+        <p:spPr/>
+        <p:txBody>
+          <a:bodyPr/>
+          <a:lstStyle/>
+          <a:p>
+            <a:r>
+              <a:rPr kumimoji="1" lang="en-US" altLang="ja-JP" dirty="0" err="1" smtClean="0"/>
+              <a:t>Moq</a:t>
+            </a:r>
+            <a:r>
+              <a:rPr kumimoji="1" lang="ja-JP" altLang="en-US" dirty="0" smtClean="0"/>
+              <a:t>を使わないと。。。</a:t>
+            </a:r>
+            <a:endParaRPr kumimoji="1" lang="ja-JP" altLang="en-US" dirty="0"/>
+          </a:p>
+        </p:txBody>
+      </p:sp>
+      <p:sp>
+        <p:nvSpPr>
+          <p:cNvPr id="4" name="テキスト ボックス 3"/>
+          <p:cNvSpPr txBox="1"/>
+          <p:nvPr/>
+        </p:nvSpPr>
+        <p:spPr>
+          <a:xfrm>
+            <a:off x="127469" y="1609834"/>
+            <a:ext cx="3358023" cy="2462213"/>
+          </a:xfrm>
+          <a:prstGeom prst="rect">
+            <a:avLst/>
+          </a:prstGeom>
+          <a:solidFill>
+            <a:schemeClr val="tx1"/>
+          </a:solidFill>
+        </p:spPr>
+        <p:txBody>
+          <a:bodyPr wrap="none" rtlCol="0">
+            <a:spAutoFit/>
+          </a:bodyPr>
+          <a:lstStyle/>
+          <a:p>
+            <a:r>
+              <a:rPr lang="ja-JP" altLang="ja-JP" sz="1400" b="1" dirty="0" smtClean="0">
+                <a:solidFill>
+                  <a:schemeClr val="bg1"/>
+                </a:solidFill>
+                <a:latin typeface="+mn-ea"/>
+              </a:rPr>
+              <a:t>p</a:t>
+            </a:r>
+            <a:r>
+              <a:rPr lang="en-US" altLang="ja-JP" sz="1400" b="1" dirty="0" err="1" smtClean="0">
+                <a:solidFill>
+                  <a:schemeClr val="bg1"/>
+                </a:solidFill>
+                <a:latin typeface="+mn-ea"/>
+              </a:rPr>
+              <a:t>ublic</a:t>
+            </a:r>
+            <a:r>
+              <a:rPr lang="ja-JP" altLang="en-US" sz="1400" b="1" dirty="0" smtClean="0">
+                <a:solidFill>
+                  <a:schemeClr val="bg1"/>
+                </a:solidFill>
+                <a:latin typeface="+mn-ea"/>
+              </a:rPr>
+              <a:t> </a:t>
+            </a:r>
+            <a:r>
+              <a:rPr lang="ja-JP" altLang="ja-JP" sz="1400" b="1" dirty="0" smtClean="0">
+                <a:solidFill>
+                  <a:schemeClr val="bg1"/>
+                </a:solidFill>
+                <a:latin typeface="+mn-ea"/>
+              </a:rPr>
+              <a:t>I</a:t>
+            </a:r>
+            <a:r>
+              <a:rPr lang="ja-JP" altLang="ja-JP" sz="1400" b="1" dirty="0">
+                <a:solidFill>
+                  <a:schemeClr val="bg1"/>
+                </a:solidFill>
+                <a:latin typeface="+mn-ea"/>
+              </a:rPr>
+              <a:t>I</a:t>
+            </a:r>
+            <a:r>
+              <a:rPr lang="en-US" altLang="ja-JP" sz="1400" b="1" dirty="0" err="1" smtClean="0">
+                <a:solidFill>
+                  <a:schemeClr val="bg1"/>
+                </a:solidFill>
+                <a:latin typeface="+mn-ea"/>
+              </a:rPr>
+              <a:t>temDao</a:t>
+            </a:r>
+            <a:r>
+              <a:rPr lang="ja-JP" altLang="en-US" sz="1400" b="1" dirty="0" smtClean="0">
+                <a:solidFill>
+                  <a:schemeClr val="bg1"/>
+                </a:solidFill>
+                <a:latin typeface="+mn-ea"/>
+              </a:rPr>
+              <a:t> </a:t>
+            </a:r>
+            <a:r>
+              <a:rPr lang="en-US" altLang="ja-JP" sz="1400" b="1" dirty="0" err="1" smtClean="0">
+                <a:solidFill>
+                  <a:schemeClr val="bg1"/>
+                </a:solidFill>
+                <a:latin typeface="+mn-ea"/>
+              </a:rPr>
+              <a:t>dao</a:t>
+            </a:r>
+            <a:r>
+              <a:rPr lang="ja-JP" altLang="en-US" sz="1400" b="1" dirty="0" smtClean="0">
+                <a:solidFill>
+                  <a:schemeClr val="bg1"/>
+                </a:solidFill>
+                <a:latin typeface="+mn-ea"/>
+              </a:rPr>
+              <a:t> </a:t>
+            </a:r>
+            <a:r>
+              <a:rPr lang="en-US" altLang="ja-JP" sz="1400" b="1" dirty="0" smtClean="0">
+                <a:solidFill>
+                  <a:schemeClr val="bg1"/>
+                </a:solidFill>
+                <a:latin typeface="+mn-ea"/>
+              </a:rPr>
+              <a:t>{</a:t>
+            </a:r>
+            <a:r>
+              <a:rPr lang="ja-JP" altLang="en-US" sz="1400" b="1" dirty="0" smtClean="0">
+                <a:solidFill>
+                  <a:schemeClr val="bg1"/>
+                </a:solidFill>
+                <a:latin typeface="+mn-ea"/>
+              </a:rPr>
+              <a:t> </a:t>
+            </a:r>
+            <a:r>
+              <a:rPr lang="en-US" altLang="ja-JP" sz="1400" b="1" dirty="0" smtClean="0">
+                <a:solidFill>
+                  <a:schemeClr val="bg1"/>
+                </a:solidFill>
+                <a:latin typeface="+mn-ea"/>
+              </a:rPr>
+              <a:t>get;</a:t>
+            </a:r>
+            <a:r>
+              <a:rPr lang="ja-JP" altLang="en-US" sz="1400" b="1" dirty="0" smtClean="0">
+                <a:solidFill>
+                  <a:schemeClr val="bg1"/>
+                </a:solidFill>
+                <a:latin typeface="+mn-ea"/>
+              </a:rPr>
+              <a:t> </a:t>
+            </a:r>
+            <a:r>
+              <a:rPr lang="en-US" altLang="ja-JP" sz="1400" b="1" dirty="0" smtClean="0">
+                <a:solidFill>
+                  <a:schemeClr val="bg1"/>
+                </a:solidFill>
+                <a:latin typeface="+mn-ea"/>
+              </a:rPr>
+              <a:t>set;</a:t>
+            </a:r>
+            <a:r>
+              <a:rPr lang="ja-JP" altLang="en-US" sz="1400" b="1" dirty="0" smtClean="0">
+                <a:solidFill>
+                  <a:schemeClr val="bg1"/>
+                </a:solidFill>
+                <a:latin typeface="+mn-ea"/>
+              </a:rPr>
+              <a:t> </a:t>
+            </a:r>
+            <a:r>
+              <a:rPr lang="en-US" altLang="ja-JP" sz="1400" b="1" dirty="0" smtClean="0">
+                <a:solidFill>
+                  <a:schemeClr val="bg1"/>
+                </a:solidFill>
+                <a:latin typeface="+mn-ea"/>
+              </a:rPr>
+              <a:t>}</a:t>
+            </a:r>
+          </a:p>
+          <a:p>
+            <a:endParaRPr lang="en-US" altLang="ja-JP" sz="1400" b="1" dirty="0" smtClean="0">
+              <a:solidFill>
+                <a:schemeClr val="bg1"/>
+              </a:solidFill>
+              <a:latin typeface="+mn-ea"/>
+            </a:endParaRPr>
+          </a:p>
+          <a:p>
+            <a:r>
+              <a:rPr lang="ja-JP" altLang="ja-JP" sz="1400" b="1" dirty="0" smtClean="0">
+                <a:solidFill>
+                  <a:schemeClr val="bg1"/>
+                </a:solidFill>
+                <a:latin typeface="+mn-ea"/>
+              </a:rPr>
+              <a:t>p</a:t>
+            </a:r>
+            <a:r>
+              <a:rPr lang="en-US" altLang="ja-JP" sz="1400" b="1" dirty="0" err="1" smtClean="0">
+                <a:solidFill>
+                  <a:schemeClr val="bg1"/>
+                </a:solidFill>
+                <a:latin typeface="+mn-ea"/>
+              </a:rPr>
+              <a:t>ublic</a:t>
+            </a:r>
+            <a:r>
+              <a:rPr lang="ja-JP" altLang="en-US" sz="1400" b="1" dirty="0" smtClean="0">
+                <a:solidFill>
+                  <a:schemeClr val="bg1"/>
+                </a:solidFill>
+                <a:latin typeface="+mn-ea"/>
+              </a:rPr>
+              <a:t> </a:t>
+            </a:r>
+            <a:r>
+              <a:rPr lang="en-US" altLang="ja-JP" sz="1400" b="1" dirty="0" err="1" smtClean="0">
+                <a:solidFill>
+                  <a:schemeClr val="bg1"/>
+                </a:solidFill>
+                <a:latin typeface="+mn-ea"/>
+              </a:rPr>
+              <a:t>ItemService</a:t>
+            </a:r>
+            <a:r>
+              <a:rPr lang="en-US" altLang="ja-JP" sz="1400" b="1" dirty="0" smtClean="0">
+                <a:solidFill>
+                  <a:schemeClr val="bg1"/>
+                </a:solidFill>
+                <a:latin typeface="+mn-ea"/>
+              </a:rPr>
+              <a:t>()</a:t>
+            </a:r>
+          </a:p>
+          <a:p>
+            <a:r>
+              <a:rPr lang="ja-JP" altLang="ja-JP" sz="1400" b="1" dirty="0" smtClean="0">
+                <a:solidFill>
+                  <a:schemeClr val="bg1"/>
+                </a:solidFill>
+                <a:latin typeface="+mn-ea"/>
+              </a:rPr>
+              <a:t>{</a:t>
+            </a:r>
+            <a:endParaRPr lang="en-US" altLang="ja-JP" sz="1400" b="1" dirty="0" smtClean="0">
+              <a:solidFill>
+                <a:schemeClr val="bg1"/>
+              </a:solidFill>
+              <a:latin typeface="+mn-ea"/>
+            </a:endParaRPr>
+          </a:p>
+          <a:p>
+            <a:r>
+              <a:rPr lang="ja-JP" altLang="en-US" sz="1400" b="1" dirty="0" smtClean="0">
+                <a:solidFill>
+                  <a:schemeClr val="bg1"/>
+                </a:solidFill>
+                <a:latin typeface="+mn-ea"/>
+              </a:rPr>
+              <a:t>    </a:t>
+            </a:r>
+            <a:r>
+              <a:rPr lang="ja-JP" altLang="ja-JP" sz="1400" b="1" dirty="0" smtClean="0">
+                <a:solidFill>
+                  <a:schemeClr val="bg1"/>
+                </a:solidFill>
+                <a:latin typeface="+mn-ea"/>
+              </a:rPr>
+              <a:t>d</a:t>
+            </a:r>
+            <a:r>
+              <a:rPr lang="en-US" altLang="ja-JP" sz="1400" b="1" dirty="0" err="1" smtClean="0">
+                <a:solidFill>
+                  <a:schemeClr val="bg1"/>
+                </a:solidFill>
+                <a:latin typeface="+mn-ea"/>
+              </a:rPr>
+              <a:t>ao</a:t>
+            </a:r>
+            <a:r>
+              <a:rPr lang="ja-JP" altLang="en-US" sz="1400" b="1" dirty="0" smtClean="0">
+                <a:solidFill>
+                  <a:schemeClr val="bg1"/>
+                </a:solidFill>
+                <a:latin typeface="+mn-ea"/>
+              </a:rPr>
+              <a:t> </a:t>
+            </a:r>
+            <a:r>
+              <a:rPr lang="en-US" altLang="ja-JP" sz="1400" b="1" dirty="0" smtClean="0">
+                <a:solidFill>
+                  <a:schemeClr val="bg1"/>
+                </a:solidFill>
+                <a:latin typeface="+mn-ea"/>
+              </a:rPr>
+              <a:t>=</a:t>
+            </a:r>
+            <a:r>
+              <a:rPr lang="ja-JP" altLang="en-US" sz="1400" b="1" dirty="0" smtClean="0">
+                <a:solidFill>
+                  <a:schemeClr val="bg1"/>
+                </a:solidFill>
+                <a:latin typeface="+mn-ea"/>
+              </a:rPr>
+              <a:t> </a:t>
+            </a:r>
+            <a:r>
+              <a:rPr lang="en-US" altLang="ja-JP" sz="1400" b="1" dirty="0" smtClean="0">
+                <a:solidFill>
+                  <a:schemeClr val="bg1"/>
+                </a:solidFill>
+                <a:latin typeface="+mn-ea"/>
+              </a:rPr>
+              <a:t>new</a:t>
+            </a:r>
+            <a:r>
+              <a:rPr lang="ja-JP" altLang="en-US" sz="1400" b="1" dirty="0" smtClean="0">
+                <a:solidFill>
+                  <a:schemeClr val="bg1"/>
+                </a:solidFill>
+                <a:latin typeface="+mn-ea"/>
+              </a:rPr>
+              <a:t> </a:t>
+            </a:r>
+            <a:r>
+              <a:rPr lang="ja-JP" altLang="ja-JP" sz="1400" b="1" dirty="0" smtClean="0">
+                <a:solidFill>
+                  <a:schemeClr val="bg1"/>
+                </a:solidFill>
+                <a:latin typeface="+mn-ea"/>
+              </a:rPr>
+              <a:t>II</a:t>
+            </a:r>
+            <a:r>
+              <a:rPr lang="en-US" altLang="ja-JP" sz="1400" b="1" dirty="0" err="1" smtClean="0">
+                <a:solidFill>
+                  <a:schemeClr val="bg1"/>
+                </a:solidFill>
+                <a:latin typeface="+mn-ea"/>
+              </a:rPr>
+              <a:t>temDao</a:t>
+            </a:r>
+            <a:r>
+              <a:rPr lang="en-US" altLang="ja-JP" sz="1400" b="1" dirty="0" smtClean="0">
+                <a:solidFill>
+                  <a:schemeClr val="bg1"/>
+                </a:solidFill>
+                <a:latin typeface="+mn-ea"/>
+              </a:rPr>
+              <a:t>();</a:t>
+            </a:r>
+            <a:endParaRPr lang="en-US" altLang="ja-JP" sz="1400" b="1" dirty="0">
+              <a:solidFill>
+                <a:schemeClr val="bg1"/>
+              </a:solidFill>
+              <a:latin typeface="+mn-ea"/>
+            </a:endParaRPr>
+          </a:p>
+          <a:p>
+            <a:r>
+              <a:rPr lang="ja-JP" altLang="ja-JP" sz="1400" b="1" dirty="0" smtClean="0">
+                <a:solidFill>
+                  <a:schemeClr val="bg1"/>
+                </a:solidFill>
+                <a:latin typeface="+mn-ea"/>
+              </a:rPr>
+              <a:t>}</a:t>
+            </a:r>
+            <a:endParaRPr lang="en-US" altLang="ja-JP" sz="1400" b="1" dirty="0">
+              <a:solidFill>
+                <a:schemeClr val="bg1"/>
+              </a:solidFill>
+              <a:latin typeface="+mn-ea"/>
+            </a:endParaRPr>
+          </a:p>
+          <a:p>
+            <a:endParaRPr kumimoji="1" lang="en-US" altLang="ja-JP" sz="1400" b="1" dirty="0">
+              <a:solidFill>
+                <a:schemeClr val="bg1"/>
+              </a:solidFill>
+              <a:latin typeface="+mn-ea"/>
+            </a:endParaRPr>
+          </a:p>
+          <a:p>
+            <a:r>
+              <a:rPr lang="en-US" altLang="ja-JP" sz="1400" b="1" dirty="0" smtClean="0">
+                <a:solidFill>
+                  <a:schemeClr val="bg1"/>
+                </a:solidFill>
+                <a:latin typeface="+mn-ea"/>
+              </a:rPr>
+              <a:t>public</a:t>
+            </a:r>
+            <a:r>
+              <a:rPr lang="ja-JP" altLang="en-US" sz="1400" b="1" dirty="0" smtClean="0">
+                <a:solidFill>
+                  <a:schemeClr val="bg1"/>
+                </a:solidFill>
+                <a:latin typeface="+mn-ea"/>
+              </a:rPr>
+              <a:t> </a:t>
+            </a:r>
+            <a:r>
+              <a:rPr lang="ja-JP" altLang="ja-JP" sz="1400" b="1" dirty="0">
+                <a:solidFill>
+                  <a:schemeClr val="bg1"/>
+                </a:solidFill>
+                <a:latin typeface="+mn-ea"/>
+              </a:rPr>
+              <a:t>I</a:t>
+            </a:r>
+            <a:r>
+              <a:rPr lang="en-US" altLang="ja-JP" sz="1400" b="1" dirty="0" smtClean="0">
+                <a:solidFill>
+                  <a:schemeClr val="bg1"/>
+                </a:solidFill>
+                <a:latin typeface="+mn-ea"/>
+              </a:rPr>
+              <a:t>tem</a:t>
+            </a:r>
+            <a:r>
+              <a:rPr lang="ja-JP" altLang="en-US" sz="1400" b="1" dirty="0" smtClean="0">
+                <a:solidFill>
+                  <a:schemeClr val="bg1"/>
+                </a:solidFill>
+                <a:latin typeface="+mn-ea"/>
+              </a:rPr>
+              <a:t> </a:t>
+            </a:r>
+            <a:r>
+              <a:rPr lang="ja-JP" altLang="ja-JP" sz="1400" b="1" dirty="0" smtClean="0">
+                <a:solidFill>
+                  <a:schemeClr val="bg1"/>
+                </a:solidFill>
+                <a:latin typeface="+mn-ea"/>
+              </a:rPr>
+              <a:t>G</a:t>
+            </a:r>
+            <a:r>
+              <a:rPr lang="en-US" altLang="ja-JP" sz="1400" b="1" dirty="0" err="1" smtClean="0">
+                <a:solidFill>
+                  <a:schemeClr val="bg1"/>
+                </a:solidFill>
+                <a:latin typeface="+mn-ea"/>
+              </a:rPr>
+              <a:t>etItem</a:t>
+            </a:r>
+            <a:r>
+              <a:rPr lang="en-US" altLang="ja-JP" sz="1400" b="1" dirty="0" smtClean="0">
+                <a:solidFill>
+                  <a:schemeClr val="bg1"/>
+                </a:solidFill>
+                <a:latin typeface="+mn-ea"/>
+              </a:rPr>
+              <a:t>()</a:t>
+            </a:r>
+          </a:p>
+          <a:p>
+            <a:r>
+              <a:rPr kumimoji="1" lang="ja-JP" altLang="ja-JP" sz="1400" b="1" dirty="0" smtClean="0">
+                <a:solidFill>
+                  <a:schemeClr val="bg1"/>
+                </a:solidFill>
+                <a:latin typeface="+mn-ea"/>
+              </a:rPr>
+              <a:t>{</a:t>
+            </a:r>
+            <a:endParaRPr kumimoji="1" lang="en-US" altLang="ja-JP" sz="1400" b="1" dirty="0" smtClean="0">
+              <a:solidFill>
+                <a:schemeClr val="bg1"/>
+              </a:solidFill>
+              <a:latin typeface="+mn-ea"/>
+            </a:endParaRPr>
+          </a:p>
+          <a:p>
+            <a:r>
+              <a:rPr lang="ja-JP" altLang="ja-JP" sz="1400" b="1" dirty="0">
+                <a:solidFill>
+                  <a:schemeClr val="bg1"/>
+                </a:solidFill>
+                <a:latin typeface="+mn-ea"/>
+              </a:rPr>
+              <a:t> </a:t>
+            </a:r>
+            <a:r>
+              <a:rPr lang="ja-JP" altLang="en-US" sz="1400" b="1" dirty="0" smtClean="0">
+                <a:solidFill>
+                  <a:schemeClr val="bg1"/>
+                </a:solidFill>
+                <a:latin typeface="+mn-ea"/>
+              </a:rPr>
+              <a:t>   </a:t>
+            </a:r>
+            <a:r>
+              <a:rPr lang="en-US" altLang="ja-JP" sz="1400" b="1" dirty="0" smtClean="0">
+                <a:solidFill>
+                  <a:schemeClr val="bg1"/>
+                </a:solidFill>
+                <a:latin typeface="+mn-ea"/>
+              </a:rPr>
+              <a:t>return</a:t>
+            </a:r>
+            <a:r>
+              <a:rPr lang="ja-JP" altLang="en-US" sz="1400" b="1" dirty="0" smtClean="0">
+                <a:solidFill>
+                  <a:schemeClr val="bg1"/>
+                </a:solidFill>
+                <a:latin typeface="+mn-ea"/>
+              </a:rPr>
+              <a:t> </a:t>
+            </a:r>
+            <a:r>
+              <a:rPr lang="en-US" altLang="ja-JP" sz="1400" b="1" dirty="0" err="1" smtClean="0">
+                <a:solidFill>
+                  <a:schemeClr val="bg1"/>
+                </a:solidFill>
+                <a:latin typeface="+mn-ea"/>
+              </a:rPr>
+              <a:t>dao.GetItem</a:t>
+            </a:r>
+            <a:r>
+              <a:rPr lang="en-US" altLang="ja-JP" sz="1400" b="1" dirty="0" smtClean="0">
+                <a:solidFill>
+                  <a:schemeClr val="bg1"/>
+                </a:solidFill>
+                <a:latin typeface="+mn-ea"/>
+              </a:rPr>
+              <a:t>();</a:t>
+            </a:r>
+            <a:endParaRPr kumimoji="1" lang="en-US" altLang="ja-JP" sz="1400" b="1" dirty="0" smtClean="0">
+              <a:solidFill>
+                <a:schemeClr val="bg1"/>
+              </a:solidFill>
+              <a:latin typeface="+mn-ea"/>
+            </a:endParaRPr>
+          </a:p>
+          <a:p>
+            <a:r>
+              <a:rPr lang="ja-JP" altLang="ja-JP" sz="1400" b="1" dirty="0">
+                <a:solidFill>
+                  <a:schemeClr val="bg1"/>
+                </a:solidFill>
+                <a:latin typeface="+mn-ea"/>
+              </a:rPr>
+              <a:t>}</a:t>
+            </a:r>
+            <a:endParaRPr kumimoji="1" lang="ja-JP" altLang="en-US" sz="1400" b="1" dirty="0">
+              <a:solidFill>
+                <a:schemeClr val="bg1"/>
+              </a:solidFill>
+              <a:latin typeface="+mn-ea"/>
+            </a:endParaRPr>
+          </a:p>
+        </p:txBody>
+      </p:sp>
+      <p:sp>
+        <p:nvSpPr>
+          <p:cNvPr id="5" name="テキスト ボックス 4"/>
+          <p:cNvSpPr txBox="1"/>
+          <p:nvPr/>
+        </p:nvSpPr>
+        <p:spPr>
+          <a:xfrm>
+            <a:off x="823630" y="1193941"/>
+            <a:ext cx="1851789" cy="369332"/>
+          </a:xfrm>
+          <a:prstGeom prst="rect">
+            <a:avLst/>
+          </a:prstGeom>
+          <a:noFill/>
+        </p:spPr>
+        <p:txBody>
+          <a:bodyPr wrap="none" rtlCol="0">
+            <a:spAutoFit/>
+          </a:bodyPr>
+          <a:lstStyle/>
+          <a:p>
+            <a:r>
+              <a:rPr lang="ja-JP" altLang="ja-JP" dirty="0">
+                <a:latin typeface="+mn-ea"/>
+              </a:rPr>
+              <a:t>I</a:t>
+            </a:r>
+            <a:r>
+              <a:rPr lang="en-US" altLang="ja-JP" dirty="0" err="1">
+                <a:latin typeface="+mn-ea"/>
+              </a:rPr>
+              <a:t>temService.cs</a:t>
+            </a:r>
+            <a:endParaRPr lang="en-US" altLang="ja-JP" dirty="0">
+              <a:latin typeface="+mn-ea"/>
+            </a:endParaRPr>
+          </a:p>
+        </p:txBody>
+      </p:sp>
+      <p:sp>
+        <p:nvSpPr>
+          <p:cNvPr id="6" name="テキスト ボックス 5"/>
+          <p:cNvSpPr txBox="1"/>
+          <p:nvPr/>
+        </p:nvSpPr>
+        <p:spPr>
+          <a:xfrm>
+            <a:off x="3670536" y="1612500"/>
+            <a:ext cx="4706299" cy="1169551"/>
+          </a:xfrm>
+          <a:prstGeom prst="rect">
+            <a:avLst/>
+          </a:prstGeom>
+          <a:solidFill>
+            <a:srgbClr val="000000"/>
+          </a:solidFill>
+        </p:spPr>
+        <p:txBody>
+          <a:bodyPr wrap="none" rtlCol="0">
+            <a:spAutoFit/>
+          </a:bodyPr>
+          <a:lstStyle/>
+          <a:p>
+            <a:r>
+              <a:rPr lang="en-US" altLang="ja-JP" sz="1400" b="1" dirty="0" err="1" smtClean="0">
+                <a:solidFill>
+                  <a:srgbClr val="FFFFFF"/>
+                </a:solidFill>
+                <a:latin typeface="+mn-ea"/>
+              </a:rPr>
+              <a:t>var</a:t>
+            </a:r>
+            <a:r>
+              <a:rPr lang="en-US" altLang="ja-JP" sz="1400" b="1" dirty="0" smtClean="0">
+                <a:solidFill>
+                  <a:srgbClr val="FFFFFF"/>
+                </a:solidFill>
+                <a:latin typeface="+mn-ea"/>
+              </a:rPr>
+              <a:t> target = new </a:t>
+            </a:r>
+            <a:r>
+              <a:rPr lang="en-US" altLang="ja-JP" sz="1400" b="1" dirty="0" err="1" smtClean="0">
+                <a:solidFill>
+                  <a:srgbClr val="FFFFFF"/>
+                </a:solidFill>
+                <a:latin typeface="+mn-ea"/>
+              </a:rPr>
+              <a:t>ItemService</a:t>
+            </a:r>
+            <a:r>
+              <a:rPr lang="en-US" altLang="ja-JP" sz="1400" b="1" dirty="0" smtClean="0">
+                <a:solidFill>
+                  <a:srgbClr val="FFFFFF"/>
+                </a:solidFill>
+                <a:latin typeface="+mn-ea"/>
+              </a:rPr>
+              <a:t>();</a:t>
+            </a:r>
+          </a:p>
+          <a:p>
+            <a:endParaRPr lang="en-US" altLang="ja-JP" sz="1400" b="1" dirty="0" smtClean="0">
+              <a:solidFill>
+                <a:srgbClr val="FFFFFF"/>
+              </a:solidFill>
+              <a:latin typeface="+mn-ea"/>
+            </a:endParaRPr>
+          </a:p>
+          <a:p>
+            <a:r>
+              <a:rPr lang="en-US" altLang="ja-JP" sz="1400" b="1" dirty="0" err="1" smtClean="0">
+                <a:solidFill>
+                  <a:srgbClr val="FFFFFF"/>
+                </a:solidFill>
+                <a:latin typeface="+mn-ea"/>
+              </a:rPr>
+              <a:t>var</a:t>
+            </a:r>
+            <a:r>
+              <a:rPr lang="en-US" altLang="ja-JP" sz="1400" b="1" dirty="0" smtClean="0">
+                <a:solidFill>
+                  <a:srgbClr val="FFFFFF"/>
+                </a:solidFill>
+                <a:latin typeface="+mn-ea"/>
+              </a:rPr>
+              <a:t> actual = </a:t>
+            </a:r>
+            <a:r>
+              <a:rPr lang="en-US" altLang="ja-JP" sz="1400" b="1" dirty="0" err="1" smtClean="0">
+                <a:solidFill>
+                  <a:srgbClr val="FFFFFF"/>
+                </a:solidFill>
+                <a:latin typeface="+mn-ea"/>
+              </a:rPr>
+              <a:t>target.GetItem</a:t>
+            </a:r>
+            <a:r>
+              <a:rPr lang="en-US" altLang="ja-JP" sz="1400" b="1" dirty="0" smtClean="0">
+                <a:solidFill>
+                  <a:srgbClr val="FFFFFF"/>
+                </a:solidFill>
+                <a:latin typeface="+mn-ea"/>
+              </a:rPr>
+              <a:t>();</a:t>
+            </a:r>
+          </a:p>
+          <a:p>
+            <a:endParaRPr kumimoji="1" lang="en-US" altLang="ja-JP" sz="1400" b="1" dirty="0">
+              <a:solidFill>
+                <a:srgbClr val="FFFFFF"/>
+              </a:solidFill>
+              <a:latin typeface="+mn-ea"/>
+            </a:endParaRPr>
+          </a:p>
+          <a:p>
+            <a:r>
+              <a:rPr lang="en-US" altLang="ja-JP" sz="1400" b="1" dirty="0" err="1" smtClean="0">
+                <a:solidFill>
+                  <a:srgbClr val="FFFFFF"/>
+                </a:solidFill>
+                <a:latin typeface="+mn-ea"/>
+              </a:rPr>
+              <a:t>Assert.AreEqual</a:t>
+            </a:r>
+            <a:r>
+              <a:rPr lang="en-US" altLang="ja-JP" sz="1400" b="1" dirty="0" smtClean="0">
+                <a:solidFill>
+                  <a:srgbClr val="FFFFFF"/>
+                </a:solidFill>
+                <a:latin typeface="+mn-ea"/>
+              </a:rPr>
+              <a:t>(</a:t>
+            </a:r>
+            <a:r>
+              <a:rPr lang="en-US" altLang="ja-JP" sz="1400" b="1" dirty="0" err="1" smtClean="0">
+                <a:solidFill>
+                  <a:srgbClr val="FFFFFF"/>
+                </a:solidFill>
+                <a:latin typeface="+mn-ea"/>
+              </a:rPr>
+              <a:t>expected.name</a:t>
+            </a:r>
+            <a:r>
+              <a:rPr lang="en-US" altLang="ja-JP" sz="1400" b="1" dirty="0" smtClean="0">
+                <a:solidFill>
+                  <a:srgbClr val="FFFFFF"/>
+                </a:solidFill>
+                <a:latin typeface="+mn-ea"/>
+              </a:rPr>
+              <a:t>, </a:t>
+            </a:r>
+            <a:r>
+              <a:rPr lang="en-US" altLang="ja-JP" sz="1400" b="1" dirty="0" err="1" smtClean="0">
+                <a:solidFill>
+                  <a:srgbClr val="FFFFFF"/>
+                </a:solidFill>
+                <a:latin typeface="+mn-ea"/>
+              </a:rPr>
+              <a:t>target.name</a:t>
+            </a:r>
+            <a:r>
+              <a:rPr lang="en-US" altLang="ja-JP" sz="1400" b="1" dirty="0" smtClean="0">
+                <a:solidFill>
+                  <a:srgbClr val="FFFFFF"/>
+                </a:solidFill>
+                <a:latin typeface="+mn-ea"/>
+              </a:rPr>
+              <a:t>);</a:t>
+            </a:r>
+            <a:endParaRPr kumimoji="1" lang="en-US" altLang="ja-JP" sz="1400" b="1" dirty="0" smtClean="0">
+              <a:solidFill>
+                <a:srgbClr val="FFFFFF"/>
+              </a:solidFill>
+              <a:latin typeface="+mn-ea"/>
+            </a:endParaRPr>
+          </a:p>
+        </p:txBody>
+      </p:sp>
+      <p:sp>
+        <p:nvSpPr>
+          <p:cNvPr id="7" name="テキスト ボックス 6"/>
+          <p:cNvSpPr txBox="1"/>
+          <p:nvPr/>
+        </p:nvSpPr>
+        <p:spPr>
+          <a:xfrm>
+            <a:off x="5145161" y="1193941"/>
+            <a:ext cx="2292364" cy="369332"/>
+          </a:xfrm>
+          <a:prstGeom prst="rect">
+            <a:avLst/>
+          </a:prstGeom>
+          <a:noFill/>
+        </p:spPr>
+        <p:txBody>
+          <a:bodyPr wrap="none" rtlCol="0">
+            <a:spAutoFit/>
+          </a:bodyPr>
+          <a:lstStyle/>
+          <a:p>
+            <a:r>
+              <a:rPr lang="ja-JP" altLang="ja-JP" dirty="0" smtClean="0">
+                <a:latin typeface="+mn-ea"/>
+              </a:rPr>
+              <a:t>I</a:t>
+            </a:r>
+            <a:r>
+              <a:rPr lang="en-US" altLang="ja-JP" dirty="0" err="1" smtClean="0">
+                <a:latin typeface="+mn-ea"/>
+              </a:rPr>
+              <a:t>temServiceTest.cs</a:t>
+            </a:r>
+            <a:endParaRPr lang="en-US" altLang="ja-JP" dirty="0">
+              <a:latin typeface="+mn-ea"/>
+            </a:endParaRPr>
+          </a:p>
+        </p:txBody>
+      </p:sp>
+      <p:sp>
+        <p:nvSpPr>
+          <p:cNvPr id="8" name="テキスト ボックス 7"/>
+          <p:cNvSpPr txBox="1"/>
+          <p:nvPr/>
+        </p:nvSpPr>
+        <p:spPr>
+          <a:xfrm>
+            <a:off x="127469" y="4420958"/>
+            <a:ext cx="1744388" cy="307777"/>
+          </a:xfrm>
+          <a:prstGeom prst="rect">
+            <a:avLst/>
+          </a:prstGeom>
+          <a:solidFill>
+            <a:schemeClr val="tx1"/>
+          </a:solidFill>
+        </p:spPr>
+        <p:txBody>
+          <a:bodyPr wrap="none" rtlCol="0">
+            <a:spAutoFit/>
+          </a:bodyPr>
+          <a:lstStyle/>
+          <a:p>
+            <a:r>
+              <a:rPr lang="en-US" altLang="ja-JP" sz="1400" b="1" dirty="0" smtClean="0">
+                <a:solidFill>
+                  <a:schemeClr val="bg1"/>
+                </a:solidFill>
+                <a:latin typeface="+mn-ea"/>
+              </a:rPr>
+              <a:t>Item </a:t>
+            </a:r>
+            <a:r>
+              <a:rPr lang="en-US" altLang="ja-JP" sz="1400" b="1" dirty="0" err="1" smtClean="0">
+                <a:solidFill>
+                  <a:schemeClr val="bg1"/>
+                </a:solidFill>
+                <a:latin typeface="+mn-ea"/>
+              </a:rPr>
+              <a:t>GetItem</a:t>
+            </a:r>
+            <a:r>
+              <a:rPr lang="en-US" altLang="ja-JP" sz="1400" b="1" dirty="0" smtClean="0">
+                <a:solidFill>
+                  <a:schemeClr val="bg1"/>
+                </a:solidFill>
+                <a:latin typeface="+mn-ea"/>
+              </a:rPr>
+              <a:t>();</a:t>
+            </a:r>
+            <a:endParaRPr kumimoji="1" lang="ja-JP" altLang="en-US" sz="1400" b="1" dirty="0">
+              <a:solidFill>
+                <a:schemeClr val="bg1"/>
+              </a:solidFill>
+              <a:latin typeface="+mn-ea"/>
+            </a:endParaRPr>
+          </a:p>
+        </p:txBody>
+      </p:sp>
+      <p:sp>
+        <p:nvSpPr>
+          <p:cNvPr id="9" name="テキスト ボックス 8"/>
+          <p:cNvSpPr txBox="1"/>
+          <p:nvPr/>
+        </p:nvSpPr>
+        <p:spPr>
+          <a:xfrm>
+            <a:off x="823630" y="4051626"/>
+            <a:ext cx="1569660" cy="369332"/>
+          </a:xfrm>
+          <a:prstGeom prst="rect">
+            <a:avLst/>
+          </a:prstGeom>
+          <a:noFill/>
+        </p:spPr>
+        <p:txBody>
+          <a:bodyPr wrap="none" rtlCol="0">
+            <a:spAutoFit/>
+          </a:bodyPr>
+          <a:lstStyle/>
+          <a:p>
+            <a:r>
+              <a:rPr lang="en-US" altLang="ja-JP" dirty="0" smtClean="0">
+                <a:latin typeface="+mn-ea"/>
+              </a:rPr>
+              <a:t>I</a:t>
+            </a:r>
+            <a:r>
+              <a:rPr lang="ja-JP" altLang="ja-JP" dirty="0" smtClean="0">
+                <a:latin typeface="+mn-ea"/>
+              </a:rPr>
+              <a:t>I</a:t>
+            </a:r>
+            <a:r>
+              <a:rPr lang="en-US" altLang="ja-JP" dirty="0" err="1" smtClean="0">
+                <a:latin typeface="+mn-ea"/>
+              </a:rPr>
+              <a:t>temDao.cs</a:t>
+            </a:r>
+            <a:endParaRPr lang="en-US" altLang="ja-JP" dirty="0">
+              <a:latin typeface="+mn-ea"/>
+            </a:endParaRPr>
+          </a:p>
+        </p:txBody>
+      </p:sp>
+      <p:sp>
+        <p:nvSpPr>
+          <p:cNvPr id="10" name="テキスト ボックス 9"/>
+          <p:cNvSpPr txBox="1"/>
+          <p:nvPr/>
+        </p:nvSpPr>
+        <p:spPr>
+          <a:xfrm>
+            <a:off x="3646505" y="4198909"/>
+            <a:ext cx="1479892" cy="369332"/>
+          </a:xfrm>
+          <a:prstGeom prst="rect">
+            <a:avLst/>
+          </a:prstGeom>
+          <a:noFill/>
+        </p:spPr>
+        <p:txBody>
+          <a:bodyPr wrap="none" rtlCol="0">
+            <a:spAutoFit/>
+          </a:bodyPr>
+          <a:lstStyle/>
+          <a:p>
+            <a:r>
+              <a:rPr lang="ja-JP" altLang="ja-JP" dirty="0" smtClean="0">
+                <a:latin typeface="+mn-ea"/>
+              </a:rPr>
+              <a:t>I</a:t>
+            </a:r>
+            <a:r>
+              <a:rPr lang="en-US" altLang="ja-JP" dirty="0" err="1" smtClean="0">
+                <a:latin typeface="+mn-ea"/>
+              </a:rPr>
+              <a:t>temDao.cs</a:t>
+            </a:r>
+            <a:endParaRPr lang="en-US" altLang="ja-JP" dirty="0">
+              <a:latin typeface="+mn-ea"/>
+            </a:endParaRPr>
+          </a:p>
+        </p:txBody>
+      </p:sp>
+      <p:sp>
+        <p:nvSpPr>
+          <p:cNvPr id="11" name="テキスト ボックス 10"/>
+          <p:cNvSpPr txBox="1"/>
+          <p:nvPr/>
+        </p:nvSpPr>
+        <p:spPr>
+          <a:xfrm>
+            <a:off x="3485492" y="4568241"/>
+            <a:ext cx="3342594" cy="954107"/>
+          </a:xfrm>
+          <a:prstGeom prst="rect">
+            <a:avLst/>
+          </a:prstGeom>
+          <a:solidFill>
+            <a:schemeClr val="tx1"/>
+          </a:solidFill>
+        </p:spPr>
+        <p:txBody>
+          <a:bodyPr wrap="none" rtlCol="0">
+            <a:spAutoFit/>
+          </a:bodyPr>
+          <a:lstStyle/>
+          <a:p>
+            <a:r>
+              <a:rPr lang="en-US" altLang="ja-JP" sz="1400" b="1" dirty="0" smtClean="0">
+                <a:solidFill>
+                  <a:schemeClr val="bg1"/>
+                </a:solidFill>
+                <a:latin typeface="+mn-ea"/>
+              </a:rPr>
+              <a:t>public Item </a:t>
+            </a:r>
+            <a:r>
+              <a:rPr lang="en-US" altLang="ja-JP" sz="1400" b="1" dirty="0" err="1" smtClean="0">
+                <a:solidFill>
+                  <a:schemeClr val="bg1"/>
+                </a:solidFill>
+                <a:latin typeface="+mn-ea"/>
+              </a:rPr>
+              <a:t>GetItem</a:t>
+            </a:r>
+            <a:r>
+              <a:rPr lang="en-US" altLang="ja-JP" sz="1400" b="1" dirty="0" smtClean="0">
+                <a:solidFill>
+                  <a:schemeClr val="bg1"/>
+                </a:solidFill>
+                <a:latin typeface="+mn-ea"/>
+              </a:rPr>
+              <a:t>()</a:t>
+            </a:r>
+          </a:p>
+          <a:p>
+            <a:r>
+              <a:rPr kumimoji="1" lang="en-US" altLang="ja-JP" sz="1400" b="1" dirty="0" smtClean="0">
+                <a:solidFill>
+                  <a:schemeClr val="bg1"/>
+                </a:solidFill>
+                <a:latin typeface="+mn-ea"/>
+              </a:rPr>
+              <a:t>{</a:t>
+            </a:r>
+          </a:p>
+          <a:p>
+            <a:r>
+              <a:rPr lang="en-US" altLang="ja-JP" sz="1400" b="1" dirty="0" smtClean="0">
+                <a:solidFill>
+                  <a:schemeClr val="bg1"/>
+                </a:solidFill>
+                <a:latin typeface="+mn-ea"/>
+              </a:rPr>
+              <a:t>    </a:t>
+            </a:r>
+            <a:r>
+              <a:rPr lang="en-US" altLang="ja-JP" sz="1400" b="1" dirty="0" err="1" smtClean="0">
+                <a:solidFill>
+                  <a:schemeClr val="bg1"/>
+                </a:solidFill>
+                <a:latin typeface="+mn-ea"/>
+              </a:rPr>
+              <a:t>Context.Item.FirstOrDefault</a:t>
+            </a:r>
+            <a:r>
+              <a:rPr lang="en-US" altLang="ja-JP" sz="1400" b="1" dirty="0" smtClean="0">
+                <a:solidFill>
+                  <a:schemeClr val="bg1"/>
+                </a:solidFill>
+                <a:latin typeface="+mn-ea"/>
+              </a:rPr>
+              <a:t>();</a:t>
+            </a:r>
+            <a:endParaRPr lang="en-US" altLang="ja-JP" sz="1400" b="1" dirty="0">
+              <a:solidFill>
+                <a:schemeClr val="bg1"/>
+              </a:solidFill>
+              <a:latin typeface="+mn-ea"/>
+            </a:endParaRPr>
+          </a:p>
+          <a:p>
+            <a:r>
+              <a:rPr kumimoji="1" lang="en-US" altLang="ja-JP" sz="1400" b="1" dirty="0" smtClean="0">
+                <a:solidFill>
+                  <a:schemeClr val="bg1"/>
+                </a:solidFill>
+                <a:latin typeface="+mn-ea"/>
+              </a:rPr>
+              <a:t>}</a:t>
+            </a:r>
+            <a:endParaRPr kumimoji="1" lang="ja-JP" altLang="en-US" sz="1400" b="1" dirty="0">
+              <a:solidFill>
+                <a:schemeClr val="bg1"/>
+              </a:solidFill>
+              <a:latin typeface="+mn-ea"/>
+            </a:endParaRPr>
+          </a:p>
+        </p:txBody>
+      </p:sp>
+    </p:spTree>
+    <p:extLst>
+      <p:ext uri="{BB962C8B-B14F-4D97-AF65-F5344CB8AC3E}">
+        <p14:creationId xmlns:p14="http://schemas.microsoft.com/office/powerpoint/2010/main" val="1703765594"/>
+      </p:ext>
+    </p:extLst>
+  </p:cSld>
+  <p:clrMapOvr>
+    <a:masterClrMapping/>
+  </p:clrMapOvr>
+</p:sld>
+</file>
+
+<file path=ppt/slides/slide5.xml><?xml version="1.0" encoding="utf-8"?>
+<p:sld xmlns:a="http://schemas.openxmlformats.org/drawingml/2006/main" xmlns:r="http://schemas.openxmlformats.org/officeDocument/2006/relationships" xmlns:p="http://schemas.openxmlformats.org/presentationml/2006/main">
+  <p:cSld>
+    <p:spTree>
+      <p:nvGrpSpPr>
+        <p:cNvPr id="1" name=""/>
+        <p:cNvGrpSpPr/>
+        <p:nvPr/>
+      </p:nvGrpSpPr>
+      <p:grpSpPr>
+        <a:xfrm>
+          <a:off x="0" y="0"/>
+          <a:ext cx="0" cy="0"/>
+          <a:chOff x="0" y="0"/>
+          <a:chExt cx="0" cy="0"/>
+        </a:xfrm>
+      </p:grpSpPr>
+      <p:sp>
+        <p:nvSpPr>
+          <p:cNvPr id="2" name="タイトル 1"/>
+          <p:cNvSpPr>
+            <a:spLocks noGrp="1"/>
+          </p:cNvSpPr>
+          <p:nvPr>
+            <p:ph type="title"/>
+          </p:nvPr>
+        </p:nvSpPr>
+        <p:spPr/>
+        <p:txBody>
+          <a:bodyPr/>
+          <a:lstStyle/>
+          <a:p>
+            <a:r>
+              <a:rPr kumimoji="1" lang="ja-JP" altLang="en-US" dirty="0" smtClean="0"/>
+              <a:t>本日の内容</a:t>
             </a:r>
             <a:endParaRPr kumimoji="1" lang="ja-JP" altLang="en-US" dirty="0"/>
           </a:p>
@@ -24283,6 +23990,1343 @@
           <a:lstStyle/>
           <a:p>
             <a:r>
+              <a:rPr kumimoji="1" lang="ja-JP" altLang="en-US" dirty="0" smtClean="0">
+                <a:solidFill>
+                  <a:srgbClr val="FF0000"/>
+                </a:solidFill>
+              </a:rPr>
+              <a:t>その前に対象の</a:t>
+            </a:r>
+            <a:r>
+              <a:rPr kumimoji="1" lang="en-US" altLang="ja-JP" dirty="0" smtClean="0">
+                <a:solidFill>
+                  <a:srgbClr val="FF0000"/>
+                </a:solidFill>
+              </a:rPr>
+              <a:t>Web</a:t>
+            </a:r>
+            <a:r>
+              <a:rPr kumimoji="1" lang="ja-JP" altLang="en-US" dirty="0" smtClean="0">
+                <a:solidFill>
+                  <a:srgbClr val="FF0000"/>
+                </a:solidFill>
+              </a:rPr>
+              <a:t>アプリについて</a:t>
+            </a:r>
+            <a:endParaRPr kumimoji="1" lang="en-US" altLang="ja-JP" dirty="0" smtClean="0">
+              <a:solidFill>
+                <a:srgbClr val="FF0000"/>
+              </a:solidFill>
+            </a:endParaRPr>
+          </a:p>
+          <a:p>
+            <a:r>
+              <a:rPr lang="en-US" altLang="ja-JP" dirty="0" err="1" smtClean="0"/>
+              <a:t>MSTest</a:t>
+            </a:r>
+            <a:r>
+              <a:rPr lang="ja-JP" altLang="en-US" dirty="0" smtClean="0"/>
+              <a:t>って？</a:t>
+            </a:r>
+            <a:endParaRPr lang="en-US" altLang="ja-JP" dirty="0" smtClean="0"/>
+          </a:p>
+          <a:p>
+            <a:r>
+              <a:rPr kumimoji="1" lang="en-US" altLang="ja-JP" dirty="0" err="1" smtClean="0"/>
+              <a:t>Moq</a:t>
+            </a:r>
+            <a:r>
+              <a:rPr kumimoji="1" lang="ja-JP" altLang="en-US" dirty="0" smtClean="0"/>
+              <a:t>とは</a:t>
+            </a:r>
+            <a:endParaRPr kumimoji="1" lang="en-US" altLang="ja-JP" dirty="0" smtClean="0"/>
+          </a:p>
+          <a:p>
+            <a:r>
+              <a:rPr lang="en-US" altLang="ja-JP" dirty="0" smtClean="0"/>
+              <a:t>DI</a:t>
+            </a:r>
+            <a:r>
+              <a:rPr lang="ja-JP" altLang="en-US" dirty="0" smtClean="0"/>
+              <a:t>の存在意味</a:t>
+            </a:r>
+            <a:endParaRPr kumimoji="1" lang="ja-JP" altLang="en-US" dirty="0"/>
+          </a:p>
+        </p:txBody>
+      </p:sp>
+    </p:spTree>
+    <p:extLst>
+      <p:ext uri="{BB962C8B-B14F-4D97-AF65-F5344CB8AC3E}">
+        <p14:creationId xmlns:p14="http://schemas.microsoft.com/office/powerpoint/2010/main" val="3290869424"/>
+      </p:ext>
+    </p:extLst>
+  </p:cSld>
+  <p:clrMapOvr>
+    <a:masterClrMapping/>
+  </p:clrMapOvr>
+  <p:timing>
+    <p:tnLst>
+      <p:par>
+        <p:cTn id="1" dur="indefinite" restart="never" nodeType="tmRoot"/>
+      </p:par>
+    </p:tnLst>
+  </p:timing>
+</p:sld>
+</file>
+
+<file path=ppt/slides/slide50.xml><?xml version="1.0" encoding="utf-8"?>
+<p:sld xmlns:a="http://schemas.openxmlformats.org/drawingml/2006/main" xmlns:r="http://schemas.openxmlformats.org/officeDocument/2006/relationships" xmlns:p="http://schemas.openxmlformats.org/presentationml/2006/main">
+  <p:cSld>
+    <p:spTree>
+      <p:nvGrpSpPr>
+        <p:cNvPr id="1" name=""/>
+        <p:cNvGrpSpPr/>
+        <p:nvPr/>
+      </p:nvGrpSpPr>
+      <p:grpSpPr>
+        <a:xfrm>
+          <a:off x="0" y="0"/>
+          <a:ext cx="0" cy="0"/>
+          <a:chOff x="0" y="0"/>
+          <a:chExt cx="0" cy="0"/>
+        </a:xfrm>
+      </p:grpSpPr>
+      <p:sp>
+        <p:nvSpPr>
+          <p:cNvPr id="2" name="タイトル 1"/>
+          <p:cNvSpPr>
+            <a:spLocks noGrp="1"/>
+          </p:cNvSpPr>
+          <p:nvPr>
+            <p:ph type="title"/>
+          </p:nvPr>
+        </p:nvSpPr>
+        <p:spPr/>
+        <p:txBody>
+          <a:bodyPr/>
+          <a:lstStyle/>
+          <a:p>
+            <a:r>
+              <a:rPr kumimoji="1" lang="en-US" altLang="ja-JP" dirty="0" err="1" smtClean="0"/>
+              <a:t>Moq</a:t>
+            </a:r>
+            <a:r>
+              <a:rPr kumimoji="1" lang="ja-JP" altLang="en-US" dirty="0" smtClean="0"/>
+              <a:t>を使わないと。。。</a:t>
+            </a:r>
+            <a:endParaRPr kumimoji="1" lang="ja-JP" altLang="en-US" dirty="0"/>
+          </a:p>
+        </p:txBody>
+      </p:sp>
+      <p:sp>
+        <p:nvSpPr>
+          <p:cNvPr id="4" name="テキスト ボックス 3"/>
+          <p:cNvSpPr txBox="1"/>
+          <p:nvPr/>
+        </p:nvSpPr>
+        <p:spPr>
+          <a:xfrm>
+            <a:off x="127469" y="1609834"/>
+            <a:ext cx="3358023" cy="2462213"/>
+          </a:xfrm>
+          <a:prstGeom prst="rect">
+            <a:avLst/>
+          </a:prstGeom>
+          <a:solidFill>
+            <a:schemeClr val="tx1"/>
+          </a:solidFill>
+        </p:spPr>
+        <p:txBody>
+          <a:bodyPr wrap="none" rtlCol="0">
+            <a:spAutoFit/>
+          </a:bodyPr>
+          <a:lstStyle/>
+          <a:p>
+            <a:r>
+              <a:rPr lang="ja-JP" altLang="ja-JP" sz="1400" b="1" dirty="0" smtClean="0">
+                <a:solidFill>
+                  <a:schemeClr val="bg1"/>
+                </a:solidFill>
+                <a:latin typeface="+mn-ea"/>
+              </a:rPr>
+              <a:t>p</a:t>
+            </a:r>
+            <a:r>
+              <a:rPr lang="en-US" altLang="ja-JP" sz="1400" b="1" dirty="0" err="1" smtClean="0">
+                <a:solidFill>
+                  <a:schemeClr val="bg1"/>
+                </a:solidFill>
+                <a:latin typeface="+mn-ea"/>
+              </a:rPr>
+              <a:t>ublic</a:t>
+            </a:r>
+            <a:r>
+              <a:rPr lang="ja-JP" altLang="en-US" sz="1400" b="1" dirty="0" smtClean="0">
+                <a:solidFill>
+                  <a:schemeClr val="bg1"/>
+                </a:solidFill>
+                <a:latin typeface="+mn-ea"/>
+              </a:rPr>
+              <a:t> </a:t>
+            </a:r>
+            <a:r>
+              <a:rPr lang="ja-JP" altLang="ja-JP" sz="1400" b="1" dirty="0" smtClean="0">
+                <a:solidFill>
+                  <a:schemeClr val="bg1"/>
+                </a:solidFill>
+                <a:latin typeface="+mn-ea"/>
+              </a:rPr>
+              <a:t>I</a:t>
+            </a:r>
+            <a:r>
+              <a:rPr lang="ja-JP" altLang="ja-JP" sz="1400" b="1" dirty="0">
+                <a:solidFill>
+                  <a:schemeClr val="bg1"/>
+                </a:solidFill>
+                <a:latin typeface="+mn-ea"/>
+              </a:rPr>
+              <a:t>I</a:t>
+            </a:r>
+            <a:r>
+              <a:rPr lang="en-US" altLang="ja-JP" sz="1400" b="1" dirty="0" err="1" smtClean="0">
+                <a:solidFill>
+                  <a:schemeClr val="bg1"/>
+                </a:solidFill>
+                <a:latin typeface="+mn-ea"/>
+              </a:rPr>
+              <a:t>temDao</a:t>
+            </a:r>
+            <a:r>
+              <a:rPr lang="ja-JP" altLang="en-US" sz="1400" b="1" dirty="0" smtClean="0">
+                <a:solidFill>
+                  <a:schemeClr val="bg1"/>
+                </a:solidFill>
+                <a:latin typeface="+mn-ea"/>
+              </a:rPr>
+              <a:t> </a:t>
+            </a:r>
+            <a:r>
+              <a:rPr lang="en-US" altLang="ja-JP" sz="1400" b="1" dirty="0" err="1" smtClean="0">
+                <a:solidFill>
+                  <a:schemeClr val="bg1"/>
+                </a:solidFill>
+                <a:latin typeface="+mn-ea"/>
+              </a:rPr>
+              <a:t>dao</a:t>
+            </a:r>
+            <a:r>
+              <a:rPr lang="ja-JP" altLang="en-US" sz="1400" b="1" dirty="0" smtClean="0">
+                <a:solidFill>
+                  <a:schemeClr val="bg1"/>
+                </a:solidFill>
+                <a:latin typeface="+mn-ea"/>
+              </a:rPr>
+              <a:t> </a:t>
+            </a:r>
+            <a:r>
+              <a:rPr lang="en-US" altLang="ja-JP" sz="1400" b="1" dirty="0" smtClean="0">
+                <a:solidFill>
+                  <a:schemeClr val="bg1"/>
+                </a:solidFill>
+                <a:latin typeface="+mn-ea"/>
+              </a:rPr>
+              <a:t>{</a:t>
+            </a:r>
+            <a:r>
+              <a:rPr lang="ja-JP" altLang="en-US" sz="1400" b="1" dirty="0" smtClean="0">
+                <a:solidFill>
+                  <a:schemeClr val="bg1"/>
+                </a:solidFill>
+                <a:latin typeface="+mn-ea"/>
+              </a:rPr>
+              <a:t> </a:t>
+            </a:r>
+            <a:r>
+              <a:rPr lang="en-US" altLang="ja-JP" sz="1400" b="1" dirty="0" smtClean="0">
+                <a:solidFill>
+                  <a:schemeClr val="bg1"/>
+                </a:solidFill>
+                <a:latin typeface="+mn-ea"/>
+              </a:rPr>
+              <a:t>get;</a:t>
+            </a:r>
+            <a:r>
+              <a:rPr lang="ja-JP" altLang="en-US" sz="1400" b="1" dirty="0" smtClean="0">
+                <a:solidFill>
+                  <a:schemeClr val="bg1"/>
+                </a:solidFill>
+                <a:latin typeface="+mn-ea"/>
+              </a:rPr>
+              <a:t> </a:t>
+            </a:r>
+            <a:r>
+              <a:rPr lang="en-US" altLang="ja-JP" sz="1400" b="1" dirty="0" smtClean="0">
+                <a:solidFill>
+                  <a:schemeClr val="bg1"/>
+                </a:solidFill>
+                <a:latin typeface="+mn-ea"/>
+              </a:rPr>
+              <a:t>set;</a:t>
+            </a:r>
+            <a:r>
+              <a:rPr lang="ja-JP" altLang="en-US" sz="1400" b="1" dirty="0" smtClean="0">
+                <a:solidFill>
+                  <a:schemeClr val="bg1"/>
+                </a:solidFill>
+                <a:latin typeface="+mn-ea"/>
+              </a:rPr>
+              <a:t> </a:t>
+            </a:r>
+            <a:r>
+              <a:rPr lang="en-US" altLang="ja-JP" sz="1400" b="1" dirty="0" smtClean="0">
+                <a:solidFill>
+                  <a:schemeClr val="bg1"/>
+                </a:solidFill>
+                <a:latin typeface="+mn-ea"/>
+              </a:rPr>
+              <a:t>}</a:t>
+            </a:r>
+          </a:p>
+          <a:p>
+            <a:endParaRPr lang="en-US" altLang="ja-JP" sz="1400" b="1" dirty="0" smtClean="0">
+              <a:solidFill>
+                <a:schemeClr val="bg1"/>
+              </a:solidFill>
+              <a:latin typeface="+mn-ea"/>
+            </a:endParaRPr>
+          </a:p>
+          <a:p>
+            <a:r>
+              <a:rPr lang="ja-JP" altLang="ja-JP" sz="1400" b="1" dirty="0" smtClean="0">
+                <a:solidFill>
+                  <a:schemeClr val="bg1"/>
+                </a:solidFill>
+                <a:latin typeface="+mn-ea"/>
+              </a:rPr>
+              <a:t>p</a:t>
+            </a:r>
+            <a:r>
+              <a:rPr lang="en-US" altLang="ja-JP" sz="1400" b="1" dirty="0" err="1" smtClean="0">
+                <a:solidFill>
+                  <a:schemeClr val="bg1"/>
+                </a:solidFill>
+                <a:latin typeface="+mn-ea"/>
+              </a:rPr>
+              <a:t>ublic</a:t>
+            </a:r>
+            <a:r>
+              <a:rPr lang="ja-JP" altLang="en-US" sz="1400" b="1" dirty="0" smtClean="0">
+                <a:solidFill>
+                  <a:schemeClr val="bg1"/>
+                </a:solidFill>
+                <a:latin typeface="+mn-ea"/>
+              </a:rPr>
+              <a:t> </a:t>
+            </a:r>
+            <a:r>
+              <a:rPr lang="en-US" altLang="ja-JP" sz="1400" b="1" dirty="0" err="1" smtClean="0">
+                <a:solidFill>
+                  <a:schemeClr val="bg1"/>
+                </a:solidFill>
+                <a:latin typeface="+mn-ea"/>
+              </a:rPr>
+              <a:t>ItemService</a:t>
+            </a:r>
+            <a:r>
+              <a:rPr lang="en-US" altLang="ja-JP" sz="1400" b="1" dirty="0" smtClean="0">
+                <a:solidFill>
+                  <a:schemeClr val="bg1"/>
+                </a:solidFill>
+                <a:latin typeface="+mn-ea"/>
+              </a:rPr>
+              <a:t>()</a:t>
+            </a:r>
+          </a:p>
+          <a:p>
+            <a:r>
+              <a:rPr lang="ja-JP" altLang="ja-JP" sz="1400" b="1" dirty="0" smtClean="0">
+                <a:solidFill>
+                  <a:schemeClr val="bg1"/>
+                </a:solidFill>
+                <a:latin typeface="+mn-ea"/>
+              </a:rPr>
+              <a:t>{</a:t>
+            </a:r>
+            <a:endParaRPr lang="en-US" altLang="ja-JP" sz="1400" b="1" dirty="0" smtClean="0">
+              <a:solidFill>
+                <a:schemeClr val="bg1"/>
+              </a:solidFill>
+              <a:latin typeface="+mn-ea"/>
+            </a:endParaRPr>
+          </a:p>
+          <a:p>
+            <a:r>
+              <a:rPr lang="ja-JP" altLang="en-US" sz="1400" b="1" dirty="0" smtClean="0">
+                <a:solidFill>
+                  <a:schemeClr val="bg1"/>
+                </a:solidFill>
+                <a:latin typeface="+mn-ea"/>
+              </a:rPr>
+              <a:t>    </a:t>
+            </a:r>
+            <a:r>
+              <a:rPr lang="ja-JP" altLang="ja-JP" sz="1400" b="1" dirty="0" smtClean="0">
+                <a:solidFill>
+                  <a:schemeClr val="bg1"/>
+                </a:solidFill>
+                <a:latin typeface="+mn-ea"/>
+              </a:rPr>
+              <a:t>d</a:t>
+            </a:r>
+            <a:r>
+              <a:rPr lang="en-US" altLang="ja-JP" sz="1400" b="1" dirty="0" err="1" smtClean="0">
+                <a:solidFill>
+                  <a:schemeClr val="bg1"/>
+                </a:solidFill>
+                <a:latin typeface="+mn-ea"/>
+              </a:rPr>
+              <a:t>ao</a:t>
+            </a:r>
+            <a:r>
+              <a:rPr lang="ja-JP" altLang="en-US" sz="1400" b="1" dirty="0" smtClean="0">
+                <a:solidFill>
+                  <a:schemeClr val="bg1"/>
+                </a:solidFill>
+                <a:latin typeface="+mn-ea"/>
+              </a:rPr>
+              <a:t> </a:t>
+            </a:r>
+            <a:r>
+              <a:rPr lang="en-US" altLang="ja-JP" sz="1400" b="1" dirty="0" smtClean="0">
+                <a:solidFill>
+                  <a:schemeClr val="bg1"/>
+                </a:solidFill>
+                <a:latin typeface="+mn-ea"/>
+              </a:rPr>
+              <a:t>=</a:t>
+            </a:r>
+            <a:r>
+              <a:rPr lang="ja-JP" altLang="en-US" sz="1400" b="1" dirty="0" smtClean="0">
+                <a:solidFill>
+                  <a:schemeClr val="bg1"/>
+                </a:solidFill>
+                <a:latin typeface="+mn-ea"/>
+              </a:rPr>
+              <a:t> </a:t>
+            </a:r>
+            <a:r>
+              <a:rPr lang="en-US" altLang="ja-JP" sz="1400" b="1" dirty="0" smtClean="0">
+                <a:solidFill>
+                  <a:schemeClr val="bg1"/>
+                </a:solidFill>
+                <a:latin typeface="+mn-ea"/>
+              </a:rPr>
+              <a:t>new</a:t>
+            </a:r>
+            <a:r>
+              <a:rPr lang="ja-JP" altLang="en-US" sz="1400" b="1" dirty="0" smtClean="0">
+                <a:solidFill>
+                  <a:schemeClr val="bg1"/>
+                </a:solidFill>
+                <a:latin typeface="+mn-ea"/>
+              </a:rPr>
+              <a:t> </a:t>
+            </a:r>
+            <a:r>
+              <a:rPr lang="ja-JP" altLang="ja-JP" sz="1400" b="1" dirty="0" smtClean="0">
+                <a:solidFill>
+                  <a:schemeClr val="bg1"/>
+                </a:solidFill>
+                <a:latin typeface="+mn-ea"/>
+              </a:rPr>
+              <a:t>II</a:t>
+            </a:r>
+            <a:r>
+              <a:rPr lang="en-US" altLang="ja-JP" sz="1400" b="1" dirty="0" err="1" smtClean="0">
+                <a:solidFill>
+                  <a:schemeClr val="bg1"/>
+                </a:solidFill>
+                <a:latin typeface="+mn-ea"/>
+              </a:rPr>
+              <a:t>temDao</a:t>
+            </a:r>
+            <a:r>
+              <a:rPr lang="en-US" altLang="ja-JP" sz="1400" b="1" dirty="0" smtClean="0">
+                <a:solidFill>
+                  <a:schemeClr val="bg1"/>
+                </a:solidFill>
+                <a:latin typeface="+mn-ea"/>
+              </a:rPr>
+              <a:t>();</a:t>
+            </a:r>
+            <a:endParaRPr lang="en-US" altLang="ja-JP" sz="1400" b="1" dirty="0">
+              <a:solidFill>
+                <a:schemeClr val="bg1"/>
+              </a:solidFill>
+              <a:latin typeface="+mn-ea"/>
+            </a:endParaRPr>
+          </a:p>
+          <a:p>
+            <a:r>
+              <a:rPr lang="ja-JP" altLang="ja-JP" sz="1400" b="1" dirty="0" smtClean="0">
+                <a:solidFill>
+                  <a:schemeClr val="bg1"/>
+                </a:solidFill>
+                <a:latin typeface="+mn-ea"/>
+              </a:rPr>
+              <a:t>}</a:t>
+            </a:r>
+            <a:endParaRPr lang="en-US" altLang="ja-JP" sz="1400" b="1" dirty="0">
+              <a:solidFill>
+                <a:schemeClr val="bg1"/>
+              </a:solidFill>
+              <a:latin typeface="+mn-ea"/>
+            </a:endParaRPr>
+          </a:p>
+          <a:p>
+            <a:endParaRPr kumimoji="1" lang="en-US" altLang="ja-JP" sz="1400" b="1" dirty="0">
+              <a:solidFill>
+                <a:schemeClr val="bg1"/>
+              </a:solidFill>
+              <a:latin typeface="+mn-ea"/>
+            </a:endParaRPr>
+          </a:p>
+          <a:p>
+            <a:r>
+              <a:rPr lang="en-US" altLang="ja-JP" sz="1400" b="1" dirty="0" smtClean="0">
+                <a:solidFill>
+                  <a:schemeClr val="bg1"/>
+                </a:solidFill>
+                <a:latin typeface="+mn-ea"/>
+              </a:rPr>
+              <a:t>public</a:t>
+            </a:r>
+            <a:r>
+              <a:rPr lang="ja-JP" altLang="en-US" sz="1400" b="1" dirty="0" smtClean="0">
+                <a:solidFill>
+                  <a:schemeClr val="bg1"/>
+                </a:solidFill>
+                <a:latin typeface="+mn-ea"/>
+              </a:rPr>
+              <a:t> </a:t>
+            </a:r>
+            <a:r>
+              <a:rPr lang="ja-JP" altLang="ja-JP" sz="1400" b="1" dirty="0">
+                <a:solidFill>
+                  <a:schemeClr val="bg1"/>
+                </a:solidFill>
+                <a:latin typeface="+mn-ea"/>
+              </a:rPr>
+              <a:t>I</a:t>
+            </a:r>
+            <a:r>
+              <a:rPr lang="en-US" altLang="ja-JP" sz="1400" b="1" dirty="0" smtClean="0">
+                <a:solidFill>
+                  <a:schemeClr val="bg1"/>
+                </a:solidFill>
+                <a:latin typeface="+mn-ea"/>
+              </a:rPr>
+              <a:t>tem</a:t>
+            </a:r>
+            <a:r>
+              <a:rPr lang="ja-JP" altLang="en-US" sz="1400" b="1" dirty="0" smtClean="0">
+                <a:solidFill>
+                  <a:schemeClr val="bg1"/>
+                </a:solidFill>
+                <a:latin typeface="+mn-ea"/>
+              </a:rPr>
+              <a:t> </a:t>
+            </a:r>
+            <a:r>
+              <a:rPr lang="ja-JP" altLang="ja-JP" sz="1400" b="1" dirty="0" smtClean="0">
+                <a:solidFill>
+                  <a:schemeClr val="bg1"/>
+                </a:solidFill>
+                <a:latin typeface="+mn-ea"/>
+              </a:rPr>
+              <a:t>G</a:t>
+            </a:r>
+            <a:r>
+              <a:rPr lang="en-US" altLang="ja-JP" sz="1400" b="1" dirty="0" err="1" smtClean="0">
+                <a:solidFill>
+                  <a:schemeClr val="bg1"/>
+                </a:solidFill>
+                <a:latin typeface="+mn-ea"/>
+              </a:rPr>
+              <a:t>etItem</a:t>
+            </a:r>
+            <a:r>
+              <a:rPr lang="en-US" altLang="ja-JP" sz="1400" b="1" dirty="0" smtClean="0">
+                <a:solidFill>
+                  <a:schemeClr val="bg1"/>
+                </a:solidFill>
+                <a:latin typeface="+mn-ea"/>
+              </a:rPr>
+              <a:t>()</a:t>
+            </a:r>
+          </a:p>
+          <a:p>
+            <a:r>
+              <a:rPr kumimoji="1" lang="ja-JP" altLang="ja-JP" sz="1400" b="1" dirty="0" smtClean="0">
+                <a:solidFill>
+                  <a:schemeClr val="bg1"/>
+                </a:solidFill>
+                <a:latin typeface="+mn-ea"/>
+              </a:rPr>
+              <a:t>{</a:t>
+            </a:r>
+            <a:endParaRPr kumimoji="1" lang="en-US" altLang="ja-JP" sz="1400" b="1" dirty="0" smtClean="0">
+              <a:solidFill>
+                <a:schemeClr val="bg1"/>
+              </a:solidFill>
+              <a:latin typeface="+mn-ea"/>
+            </a:endParaRPr>
+          </a:p>
+          <a:p>
+            <a:r>
+              <a:rPr lang="ja-JP" altLang="ja-JP" sz="1400" b="1" dirty="0">
+                <a:solidFill>
+                  <a:schemeClr val="bg1"/>
+                </a:solidFill>
+                <a:latin typeface="+mn-ea"/>
+              </a:rPr>
+              <a:t> </a:t>
+            </a:r>
+            <a:r>
+              <a:rPr lang="ja-JP" altLang="en-US" sz="1400" b="1" dirty="0" smtClean="0">
+                <a:solidFill>
+                  <a:schemeClr val="bg1"/>
+                </a:solidFill>
+                <a:latin typeface="+mn-ea"/>
+              </a:rPr>
+              <a:t>   </a:t>
+            </a:r>
+            <a:r>
+              <a:rPr lang="en-US" altLang="ja-JP" sz="1400" b="1" dirty="0" smtClean="0">
+                <a:solidFill>
+                  <a:schemeClr val="bg1"/>
+                </a:solidFill>
+                <a:latin typeface="+mn-ea"/>
+              </a:rPr>
+              <a:t>return</a:t>
+            </a:r>
+            <a:r>
+              <a:rPr lang="ja-JP" altLang="en-US" sz="1400" b="1" dirty="0" smtClean="0">
+                <a:solidFill>
+                  <a:schemeClr val="bg1"/>
+                </a:solidFill>
+                <a:latin typeface="+mn-ea"/>
+              </a:rPr>
+              <a:t> </a:t>
+            </a:r>
+            <a:r>
+              <a:rPr lang="en-US" altLang="ja-JP" sz="1400" b="1" dirty="0" err="1" smtClean="0">
+                <a:solidFill>
+                  <a:schemeClr val="bg1"/>
+                </a:solidFill>
+                <a:latin typeface="+mn-ea"/>
+              </a:rPr>
+              <a:t>dao.GetItem</a:t>
+            </a:r>
+            <a:r>
+              <a:rPr lang="en-US" altLang="ja-JP" sz="1400" b="1" dirty="0" smtClean="0">
+                <a:solidFill>
+                  <a:schemeClr val="bg1"/>
+                </a:solidFill>
+                <a:latin typeface="+mn-ea"/>
+              </a:rPr>
+              <a:t>();</a:t>
+            </a:r>
+            <a:endParaRPr kumimoji="1" lang="en-US" altLang="ja-JP" sz="1400" b="1" dirty="0" smtClean="0">
+              <a:solidFill>
+                <a:schemeClr val="bg1"/>
+              </a:solidFill>
+              <a:latin typeface="+mn-ea"/>
+            </a:endParaRPr>
+          </a:p>
+          <a:p>
+            <a:r>
+              <a:rPr lang="ja-JP" altLang="ja-JP" sz="1400" b="1" dirty="0">
+                <a:solidFill>
+                  <a:schemeClr val="bg1"/>
+                </a:solidFill>
+                <a:latin typeface="+mn-ea"/>
+              </a:rPr>
+              <a:t>}</a:t>
+            </a:r>
+            <a:endParaRPr kumimoji="1" lang="ja-JP" altLang="en-US" sz="1400" b="1" dirty="0">
+              <a:solidFill>
+                <a:schemeClr val="bg1"/>
+              </a:solidFill>
+              <a:latin typeface="+mn-ea"/>
+            </a:endParaRPr>
+          </a:p>
+        </p:txBody>
+      </p:sp>
+      <p:sp>
+        <p:nvSpPr>
+          <p:cNvPr id="5" name="テキスト ボックス 4"/>
+          <p:cNvSpPr txBox="1"/>
+          <p:nvPr/>
+        </p:nvSpPr>
+        <p:spPr>
+          <a:xfrm>
+            <a:off x="823630" y="1193941"/>
+            <a:ext cx="1851789" cy="369332"/>
+          </a:xfrm>
+          <a:prstGeom prst="rect">
+            <a:avLst/>
+          </a:prstGeom>
+          <a:noFill/>
+        </p:spPr>
+        <p:txBody>
+          <a:bodyPr wrap="none" rtlCol="0">
+            <a:spAutoFit/>
+          </a:bodyPr>
+          <a:lstStyle/>
+          <a:p>
+            <a:r>
+              <a:rPr lang="ja-JP" altLang="ja-JP" dirty="0">
+                <a:latin typeface="+mn-ea"/>
+              </a:rPr>
+              <a:t>I</a:t>
+            </a:r>
+            <a:r>
+              <a:rPr lang="en-US" altLang="ja-JP" dirty="0" err="1">
+                <a:latin typeface="+mn-ea"/>
+              </a:rPr>
+              <a:t>temService.cs</a:t>
+            </a:r>
+            <a:endParaRPr lang="en-US" altLang="ja-JP" dirty="0">
+              <a:latin typeface="+mn-ea"/>
+            </a:endParaRPr>
+          </a:p>
+        </p:txBody>
+      </p:sp>
+      <p:sp>
+        <p:nvSpPr>
+          <p:cNvPr id="6" name="テキスト ボックス 5"/>
+          <p:cNvSpPr txBox="1"/>
+          <p:nvPr/>
+        </p:nvSpPr>
+        <p:spPr>
+          <a:xfrm>
+            <a:off x="3670536" y="1612500"/>
+            <a:ext cx="4706299" cy="1169551"/>
+          </a:xfrm>
+          <a:prstGeom prst="rect">
+            <a:avLst/>
+          </a:prstGeom>
+          <a:solidFill>
+            <a:srgbClr val="000000"/>
+          </a:solidFill>
+        </p:spPr>
+        <p:txBody>
+          <a:bodyPr wrap="none" rtlCol="0">
+            <a:spAutoFit/>
+          </a:bodyPr>
+          <a:lstStyle/>
+          <a:p>
+            <a:r>
+              <a:rPr lang="en-US" altLang="ja-JP" sz="1400" b="1" dirty="0" err="1" smtClean="0">
+                <a:solidFill>
+                  <a:srgbClr val="FFFFFF"/>
+                </a:solidFill>
+                <a:latin typeface="+mn-ea"/>
+              </a:rPr>
+              <a:t>var</a:t>
+            </a:r>
+            <a:r>
+              <a:rPr lang="en-US" altLang="ja-JP" sz="1400" b="1" dirty="0" smtClean="0">
+                <a:solidFill>
+                  <a:srgbClr val="FFFFFF"/>
+                </a:solidFill>
+                <a:latin typeface="+mn-ea"/>
+              </a:rPr>
+              <a:t> target = new </a:t>
+            </a:r>
+            <a:r>
+              <a:rPr lang="en-US" altLang="ja-JP" sz="1400" b="1" dirty="0" err="1" smtClean="0">
+                <a:solidFill>
+                  <a:srgbClr val="FFFFFF"/>
+                </a:solidFill>
+                <a:latin typeface="+mn-ea"/>
+              </a:rPr>
+              <a:t>ItemService</a:t>
+            </a:r>
+            <a:r>
+              <a:rPr lang="en-US" altLang="ja-JP" sz="1400" b="1" dirty="0" smtClean="0">
+                <a:solidFill>
+                  <a:srgbClr val="FFFFFF"/>
+                </a:solidFill>
+                <a:latin typeface="+mn-ea"/>
+              </a:rPr>
+              <a:t>();</a:t>
+            </a:r>
+          </a:p>
+          <a:p>
+            <a:endParaRPr lang="en-US" altLang="ja-JP" sz="1400" b="1" dirty="0" smtClean="0">
+              <a:solidFill>
+                <a:srgbClr val="FFFFFF"/>
+              </a:solidFill>
+              <a:latin typeface="+mn-ea"/>
+            </a:endParaRPr>
+          </a:p>
+          <a:p>
+            <a:r>
+              <a:rPr lang="en-US" altLang="ja-JP" sz="1400" b="1" dirty="0" err="1" smtClean="0">
+                <a:solidFill>
+                  <a:srgbClr val="FFFFFF"/>
+                </a:solidFill>
+                <a:latin typeface="+mn-ea"/>
+              </a:rPr>
+              <a:t>var</a:t>
+            </a:r>
+            <a:r>
+              <a:rPr lang="en-US" altLang="ja-JP" sz="1400" b="1" dirty="0" smtClean="0">
+                <a:solidFill>
+                  <a:srgbClr val="FFFFFF"/>
+                </a:solidFill>
+                <a:latin typeface="+mn-ea"/>
+              </a:rPr>
+              <a:t> actual = </a:t>
+            </a:r>
+            <a:r>
+              <a:rPr lang="en-US" altLang="ja-JP" sz="1400" b="1" dirty="0" err="1" smtClean="0">
+                <a:solidFill>
+                  <a:srgbClr val="FFFFFF"/>
+                </a:solidFill>
+                <a:latin typeface="+mn-ea"/>
+              </a:rPr>
+              <a:t>target.GetItem</a:t>
+            </a:r>
+            <a:r>
+              <a:rPr lang="en-US" altLang="ja-JP" sz="1400" b="1" dirty="0" smtClean="0">
+                <a:solidFill>
+                  <a:srgbClr val="FFFFFF"/>
+                </a:solidFill>
+                <a:latin typeface="+mn-ea"/>
+              </a:rPr>
+              <a:t>();</a:t>
+            </a:r>
+          </a:p>
+          <a:p>
+            <a:endParaRPr kumimoji="1" lang="en-US" altLang="ja-JP" sz="1400" b="1" dirty="0">
+              <a:solidFill>
+                <a:srgbClr val="FFFFFF"/>
+              </a:solidFill>
+              <a:latin typeface="+mn-ea"/>
+            </a:endParaRPr>
+          </a:p>
+          <a:p>
+            <a:r>
+              <a:rPr lang="en-US" altLang="ja-JP" sz="1400" b="1" dirty="0" err="1" smtClean="0">
+                <a:solidFill>
+                  <a:srgbClr val="FFFFFF"/>
+                </a:solidFill>
+                <a:latin typeface="+mn-ea"/>
+              </a:rPr>
+              <a:t>Assert.AreEqual</a:t>
+            </a:r>
+            <a:r>
+              <a:rPr lang="en-US" altLang="ja-JP" sz="1400" b="1" dirty="0" smtClean="0">
+                <a:solidFill>
+                  <a:srgbClr val="FFFFFF"/>
+                </a:solidFill>
+                <a:latin typeface="+mn-ea"/>
+              </a:rPr>
+              <a:t>(</a:t>
+            </a:r>
+            <a:r>
+              <a:rPr lang="en-US" altLang="ja-JP" sz="1400" b="1" dirty="0" err="1" smtClean="0">
+                <a:solidFill>
+                  <a:srgbClr val="FFFFFF"/>
+                </a:solidFill>
+                <a:latin typeface="+mn-ea"/>
+              </a:rPr>
+              <a:t>expected.name</a:t>
+            </a:r>
+            <a:r>
+              <a:rPr lang="en-US" altLang="ja-JP" sz="1400" b="1" dirty="0" smtClean="0">
+                <a:solidFill>
+                  <a:srgbClr val="FFFFFF"/>
+                </a:solidFill>
+                <a:latin typeface="+mn-ea"/>
+              </a:rPr>
+              <a:t>, </a:t>
+            </a:r>
+            <a:r>
+              <a:rPr lang="en-US" altLang="ja-JP" sz="1400" b="1" dirty="0" err="1" smtClean="0">
+                <a:solidFill>
+                  <a:srgbClr val="FFFFFF"/>
+                </a:solidFill>
+                <a:latin typeface="+mn-ea"/>
+              </a:rPr>
+              <a:t>target.name</a:t>
+            </a:r>
+            <a:r>
+              <a:rPr lang="en-US" altLang="ja-JP" sz="1400" b="1" dirty="0" smtClean="0">
+                <a:solidFill>
+                  <a:srgbClr val="FFFFFF"/>
+                </a:solidFill>
+                <a:latin typeface="+mn-ea"/>
+              </a:rPr>
+              <a:t>);</a:t>
+            </a:r>
+            <a:endParaRPr kumimoji="1" lang="en-US" altLang="ja-JP" sz="1400" b="1" dirty="0" smtClean="0">
+              <a:solidFill>
+                <a:srgbClr val="FFFFFF"/>
+              </a:solidFill>
+              <a:latin typeface="+mn-ea"/>
+            </a:endParaRPr>
+          </a:p>
+        </p:txBody>
+      </p:sp>
+      <p:sp>
+        <p:nvSpPr>
+          <p:cNvPr id="7" name="テキスト ボックス 6"/>
+          <p:cNvSpPr txBox="1"/>
+          <p:nvPr/>
+        </p:nvSpPr>
+        <p:spPr>
+          <a:xfrm>
+            <a:off x="5145161" y="1193941"/>
+            <a:ext cx="2292364" cy="369332"/>
+          </a:xfrm>
+          <a:prstGeom prst="rect">
+            <a:avLst/>
+          </a:prstGeom>
+          <a:noFill/>
+        </p:spPr>
+        <p:txBody>
+          <a:bodyPr wrap="none" rtlCol="0">
+            <a:spAutoFit/>
+          </a:bodyPr>
+          <a:lstStyle/>
+          <a:p>
+            <a:r>
+              <a:rPr lang="ja-JP" altLang="ja-JP" dirty="0" smtClean="0">
+                <a:latin typeface="+mn-ea"/>
+              </a:rPr>
+              <a:t>I</a:t>
+            </a:r>
+            <a:r>
+              <a:rPr lang="en-US" altLang="ja-JP" dirty="0" err="1" smtClean="0">
+                <a:latin typeface="+mn-ea"/>
+              </a:rPr>
+              <a:t>temServiceTest.cs</a:t>
+            </a:r>
+            <a:endParaRPr lang="en-US" altLang="ja-JP" dirty="0">
+              <a:latin typeface="+mn-ea"/>
+            </a:endParaRPr>
+          </a:p>
+        </p:txBody>
+      </p:sp>
+      <p:sp>
+        <p:nvSpPr>
+          <p:cNvPr id="8" name="テキスト ボックス 7"/>
+          <p:cNvSpPr txBox="1"/>
+          <p:nvPr/>
+        </p:nvSpPr>
+        <p:spPr>
+          <a:xfrm>
+            <a:off x="127469" y="4420958"/>
+            <a:ext cx="1744388" cy="307777"/>
+          </a:xfrm>
+          <a:prstGeom prst="rect">
+            <a:avLst/>
+          </a:prstGeom>
+          <a:solidFill>
+            <a:schemeClr val="tx1"/>
+          </a:solidFill>
+        </p:spPr>
+        <p:txBody>
+          <a:bodyPr wrap="none" rtlCol="0">
+            <a:spAutoFit/>
+          </a:bodyPr>
+          <a:lstStyle/>
+          <a:p>
+            <a:r>
+              <a:rPr lang="en-US" altLang="ja-JP" sz="1400" b="1" dirty="0" smtClean="0">
+                <a:solidFill>
+                  <a:schemeClr val="bg1"/>
+                </a:solidFill>
+                <a:latin typeface="+mn-ea"/>
+              </a:rPr>
+              <a:t>Item </a:t>
+            </a:r>
+            <a:r>
+              <a:rPr lang="en-US" altLang="ja-JP" sz="1400" b="1" dirty="0" err="1" smtClean="0">
+                <a:solidFill>
+                  <a:schemeClr val="bg1"/>
+                </a:solidFill>
+                <a:latin typeface="+mn-ea"/>
+              </a:rPr>
+              <a:t>GetItem</a:t>
+            </a:r>
+            <a:r>
+              <a:rPr lang="en-US" altLang="ja-JP" sz="1400" b="1" dirty="0" smtClean="0">
+                <a:solidFill>
+                  <a:schemeClr val="bg1"/>
+                </a:solidFill>
+                <a:latin typeface="+mn-ea"/>
+              </a:rPr>
+              <a:t>();</a:t>
+            </a:r>
+            <a:endParaRPr kumimoji="1" lang="ja-JP" altLang="en-US" sz="1400" b="1" dirty="0">
+              <a:solidFill>
+                <a:schemeClr val="bg1"/>
+              </a:solidFill>
+              <a:latin typeface="+mn-ea"/>
+            </a:endParaRPr>
+          </a:p>
+        </p:txBody>
+      </p:sp>
+      <p:sp>
+        <p:nvSpPr>
+          <p:cNvPr id="9" name="テキスト ボックス 8"/>
+          <p:cNvSpPr txBox="1"/>
+          <p:nvPr/>
+        </p:nvSpPr>
+        <p:spPr>
+          <a:xfrm>
+            <a:off x="823630" y="4051626"/>
+            <a:ext cx="1569660" cy="369332"/>
+          </a:xfrm>
+          <a:prstGeom prst="rect">
+            <a:avLst/>
+          </a:prstGeom>
+          <a:noFill/>
+        </p:spPr>
+        <p:txBody>
+          <a:bodyPr wrap="none" rtlCol="0">
+            <a:spAutoFit/>
+          </a:bodyPr>
+          <a:lstStyle/>
+          <a:p>
+            <a:r>
+              <a:rPr lang="en-US" altLang="ja-JP" dirty="0" smtClean="0">
+                <a:latin typeface="+mn-ea"/>
+              </a:rPr>
+              <a:t>I</a:t>
+            </a:r>
+            <a:r>
+              <a:rPr lang="ja-JP" altLang="ja-JP" dirty="0" smtClean="0">
+                <a:latin typeface="+mn-ea"/>
+              </a:rPr>
+              <a:t>I</a:t>
+            </a:r>
+            <a:r>
+              <a:rPr lang="en-US" altLang="ja-JP" dirty="0" err="1" smtClean="0">
+                <a:latin typeface="+mn-ea"/>
+              </a:rPr>
+              <a:t>temDao.cs</a:t>
+            </a:r>
+            <a:endParaRPr lang="en-US" altLang="ja-JP" dirty="0">
+              <a:latin typeface="+mn-ea"/>
+            </a:endParaRPr>
+          </a:p>
+        </p:txBody>
+      </p:sp>
+      <p:sp>
+        <p:nvSpPr>
+          <p:cNvPr id="10" name="テキスト ボックス 9"/>
+          <p:cNvSpPr txBox="1"/>
+          <p:nvPr/>
+        </p:nvSpPr>
+        <p:spPr>
+          <a:xfrm>
+            <a:off x="3646505" y="4198909"/>
+            <a:ext cx="1479892" cy="369332"/>
+          </a:xfrm>
+          <a:prstGeom prst="rect">
+            <a:avLst/>
+          </a:prstGeom>
+          <a:noFill/>
+        </p:spPr>
+        <p:txBody>
+          <a:bodyPr wrap="none" rtlCol="0">
+            <a:spAutoFit/>
+          </a:bodyPr>
+          <a:lstStyle/>
+          <a:p>
+            <a:r>
+              <a:rPr lang="ja-JP" altLang="ja-JP" dirty="0" smtClean="0">
+                <a:latin typeface="+mn-ea"/>
+              </a:rPr>
+              <a:t>I</a:t>
+            </a:r>
+            <a:r>
+              <a:rPr lang="en-US" altLang="ja-JP" dirty="0" err="1" smtClean="0">
+                <a:latin typeface="+mn-ea"/>
+              </a:rPr>
+              <a:t>temDao.cs</a:t>
+            </a:r>
+            <a:endParaRPr lang="en-US" altLang="ja-JP" dirty="0">
+              <a:latin typeface="+mn-ea"/>
+            </a:endParaRPr>
+          </a:p>
+        </p:txBody>
+      </p:sp>
+      <p:sp>
+        <p:nvSpPr>
+          <p:cNvPr id="11" name="テキスト ボックス 10"/>
+          <p:cNvSpPr txBox="1"/>
+          <p:nvPr/>
+        </p:nvSpPr>
+        <p:spPr>
+          <a:xfrm>
+            <a:off x="3485492" y="4568241"/>
+            <a:ext cx="3342594" cy="954107"/>
+          </a:xfrm>
+          <a:prstGeom prst="rect">
+            <a:avLst/>
+          </a:prstGeom>
+          <a:solidFill>
+            <a:schemeClr val="tx1"/>
+          </a:solidFill>
+        </p:spPr>
+        <p:txBody>
+          <a:bodyPr wrap="none" rtlCol="0">
+            <a:spAutoFit/>
+          </a:bodyPr>
+          <a:lstStyle/>
+          <a:p>
+            <a:r>
+              <a:rPr lang="en-US" altLang="ja-JP" sz="1400" b="1" dirty="0" smtClean="0">
+                <a:solidFill>
+                  <a:schemeClr val="bg1"/>
+                </a:solidFill>
+                <a:latin typeface="+mn-ea"/>
+              </a:rPr>
+              <a:t>public Item </a:t>
+            </a:r>
+            <a:r>
+              <a:rPr lang="en-US" altLang="ja-JP" sz="1400" b="1" dirty="0" err="1" smtClean="0">
+                <a:solidFill>
+                  <a:schemeClr val="bg1"/>
+                </a:solidFill>
+                <a:latin typeface="+mn-ea"/>
+              </a:rPr>
+              <a:t>GetItem</a:t>
+            </a:r>
+            <a:r>
+              <a:rPr lang="en-US" altLang="ja-JP" sz="1400" b="1" dirty="0" smtClean="0">
+                <a:solidFill>
+                  <a:schemeClr val="bg1"/>
+                </a:solidFill>
+                <a:latin typeface="+mn-ea"/>
+              </a:rPr>
+              <a:t>()</a:t>
+            </a:r>
+          </a:p>
+          <a:p>
+            <a:r>
+              <a:rPr kumimoji="1" lang="en-US" altLang="ja-JP" sz="1400" b="1" dirty="0" smtClean="0">
+                <a:solidFill>
+                  <a:schemeClr val="bg1"/>
+                </a:solidFill>
+                <a:latin typeface="+mn-ea"/>
+              </a:rPr>
+              <a:t>{</a:t>
+            </a:r>
+          </a:p>
+          <a:p>
+            <a:r>
+              <a:rPr lang="en-US" altLang="ja-JP" sz="1400" b="1" dirty="0" smtClean="0">
+                <a:solidFill>
+                  <a:schemeClr val="bg1"/>
+                </a:solidFill>
+                <a:latin typeface="+mn-ea"/>
+              </a:rPr>
+              <a:t>    </a:t>
+            </a:r>
+            <a:r>
+              <a:rPr lang="en-US" altLang="ja-JP" sz="1400" b="1" dirty="0" err="1" smtClean="0">
+                <a:solidFill>
+                  <a:schemeClr val="bg1"/>
+                </a:solidFill>
+                <a:latin typeface="+mn-ea"/>
+              </a:rPr>
+              <a:t>Context.Item.FirstOrDefault</a:t>
+            </a:r>
+            <a:r>
+              <a:rPr lang="en-US" altLang="ja-JP" sz="1400" b="1" dirty="0" smtClean="0">
+                <a:solidFill>
+                  <a:schemeClr val="bg1"/>
+                </a:solidFill>
+                <a:latin typeface="+mn-ea"/>
+              </a:rPr>
+              <a:t>();</a:t>
+            </a:r>
+            <a:endParaRPr lang="en-US" altLang="ja-JP" sz="1400" b="1" dirty="0">
+              <a:solidFill>
+                <a:schemeClr val="bg1"/>
+              </a:solidFill>
+              <a:latin typeface="+mn-ea"/>
+            </a:endParaRPr>
+          </a:p>
+          <a:p>
+            <a:r>
+              <a:rPr kumimoji="1" lang="en-US" altLang="ja-JP" sz="1400" b="1" dirty="0" smtClean="0">
+                <a:solidFill>
+                  <a:schemeClr val="bg1"/>
+                </a:solidFill>
+                <a:latin typeface="+mn-ea"/>
+              </a:rPr>
+              <a:t>}</a:t>
+            </a:r>
+            <a:endParaRPr kumimoji="1" lang="ja-JP" altLang="en-US" sz="1400" b="1" dirty="0">
+              <a:solidFill>
+                <a:schemeClr val="bg1"/>
+              </a:solidFill>
+              <a:latin typeface="+mn-ea"/>
+            </a:endParaRPr>
+          </a:p>
+        </p:txBody>
+      </p:sp>
+      <p:sp>
+        <p:nvSpPr>
+          <p:cNvPr id="3" name="テキスト ボックス 2"/>
+          <p:cNvSpPr txBox="1"/>
+          <p:nvPr/>
+        </p:nvSpPr>
+        <p:spPr>
+          <a:xfrm>
+            <a:off x="974164" y="1993401"/>
+            <a:ext cx="6889977" cy="1323439"/>
+          </a:xfrm>
+          <a:prstGeom prst="rect">
+            <a:avLst/>
+          </a:prstGeom>
+          <a:solidFill>
+            <a:schemeClr val="bg1">
+              <a:alpha val="80000"/>
+            </a:schemeClr>
+          </a:solidFill>
+        </p:spPr>
+        <p:txBody>
+          <a:bodyPr wrap="none" rtlCol="0">
+            <a:spAutoFit/>
+          </a:bodyPr>
+          <a:lstStyle/>
+          <a:p>
+            <a:r>
+              <a:rPr kumimoji="1" lang="en-US" altLang="ja-JP" sz="4000" b="1" dirty="0" smtClean="0">
+                <a:solidFill>
+                  <a:srgbClr val="FF0000"/>
+                </a:solidFill>
+              </a:rPr>
+              <a:t>Service</a:t>
+            </a:r>
+            <a:r>
+              <a:rPr kumimoji="1" lang="ja-JP" altLang="en-US" sz="4000" b="1" dirty="0" smtClean="0">
+                <a:solidFill>
+                  <a:srgbClr val="FF0000"/>
+                </a:solidFill>
+              </a:rPr>
+              <a:t>の単体テストなのに</a:t>
+            </a:r>
+            <a:endParaRPr kumimoji="1" lang="en-US" altLang="ja-JP" sz="4000" b="1" dirty="0" smtClean="0">
+              <a:solidFill>
+                <a:srgbClr val="FF0000"/>
+              </a:solidFill>
+            </a:endParaRPr>
+          </a:p>
+          <a:p>
+            <a:r>
+              <a:rPr kumimoji="1" lang="en-US" altLang="ja-JP" sz="4000" b="1" dirty="0" smtClean="0">
+                <a:solidFill>
+                  <a:srgbClr val="FF0000"/>
+                </a:solidFill>
+              </a:rPr>
+              <a:t>DAO</a:t>
+            </a:r>
+            <a:r>
+              <a:rPr kumimoji="1" lang="ja-JP" altLang="en-US" sz="4000" b="1" dirty="0" smtClean="0">
+                <a:solidFill>
+                  <a:srgbClr val="FF0000"/>
+                </a:solidFill>
+              </a:rPr>
+              <a:t>に依存してんじゃん！！</a:t>
+            </a:r>
+            <a:endParaRPr kumimoji="1" lang="ja-JP" altLang="en-US" sz="4000" b="1" dirty="0">
+              <a:solidFill>
+                <a:srgbClr val="FF0000"/>
+              </a:solidFill>
+            </a:endParaRPr>
+          </a:p>
+        </p:txBody>
+      </p:sp>
+    </p:spTree>
+    <p:extLst>
+      <p:ext uri="{BB962C8B-B14F-4D97-AF65-F5344CB8AC3E}">
+        <p14:creationId xmlns:p14="http://schemas.microsoft.com/office/powerpoint/2010/main" val="2831866984"/>
+      </p:ext>
+    </p:extLst>
+  </p:cSld>
+  <p:clrMapOvr>
+    <a:masterClrMapping/>
+  </p:clrMapOvr>
+</p:sld>
+</file>
+
+<file path=ppt/slides/slide51.xml><?xml version="1.0" encoding="utf-8"?>
+<p:sld xmlns:a="http://schemas.openxmlformats.org/drawingml/2006/main" xmlns:r="http://schemas.openxmlformats.org/officeDocument/2006/relationships" xmlns:p="http://schemas.openxmlformats.org/presentationml/2006/main">
+  <p:cSld>
+    <p:spTree>
+      <p:nvGrpSpPr>
+        <p:cNvPr id="1" name=""/>
+        <p:cNvGrpSpPr/>
+        <p:nvPr/>
+      </p:nvGrpSpPr>
+      <p:grpSpPr>
+        <a:xfrm>
+          <a:off x="0" y="0"/>
+          <a:ext cx="0" cy="0"/>
+          <a:chOff x="0" y="0"/>
+          <a:chExt cx="0" cy="0"/>
+        </a:xfrm>
+      </p:grpSpPr>
+      <p:sp>
+        <p:nvSpPr>
+          <p:cNvPr id="2" name="タイトル 1"/>
+          <p:cNvSpPr>
+            <a:spLocks noGrp="1"/>
+          </p:cNvSpPr>
+          <p:nvPr>
+            <p:ph type="title"/>
+          </p:nvPr>
+        </p:nvSpPr>
+        <p:spPr/>
+        <p:txBody>
+          <a:bodyPr/>
+          <a:lstStyle/>
+          <a:p>
+            <a:r>
+              <a:rPr lang="ja-JP" altLang="en-US" dirty="0" smtClean="0"/>
+              <a:t>つまり</a:t>
+            </a:r>
+            <a:endParaRPr kumimoji="1" lang="ja-JP" altLang="en-US" dirty="0"/>
+          </a:p>
+        </p:txBody>
+      </p:sp>
+      <p:sp>
+        <p:nvSpPr>
+          <p:cNvPr id="3" name="コンテンツ プレースホルダー 2"/>
+          <p:cNvSpPr>
+            <a:spLocks noGrp="1"/>
+          </p:cNvSpPr>
+          <p:nvPr>
+            <p:ph idx="1"/>
+          </p:nvPr>
+        </p:nvSpPr>
+        <p:spPr/>
+        <p:txBody>
+          <a:bodyPr/>
+          <a:lstStyle/>
+          <a:p>
+            <a:r>
               <a:rPr lang="ja-JP" altLang="en-US" dirty="0" smtClean="0">
                 <a:latin typeface="+mn-ea"/>
               </a:rPr>
@@ -24298,25 +25342,7 @@
               <a:rPr lang="ja-JP" altLang="en-US" dirty="0" smtClean="0">
                 <a:latin typeface="+mn-ea"/>
               </a:rPr>
-              <a:t>の</a:t>
-            </a:r>
-            <a:r>
-              <a:rPr lang="ja-JP" altLang="en-US" dirty="0" smtClean="0">
-                <a:latin typeface="+mn-ea"/>
-              </a:rPr>
-              <a:t>単体</a:t>
-            </a:r>
-            <a:r>
-              <a:rPr lang="ja-JP" altLang="en-US" dirty="0" smtClean="0">
-                <a:latin typeface="+mn-ea"/>
-              </a:rPr>
-              <a:t>テスト</a:t>
-            </a:r>
-            <a:r>
-              <a:rPr lang="ja-JP" altLang="en-US" dirty="0" smtClean="0">
-                <a:latin typeface="+mn-ea"/>
-              </a:rPr>
-              <a:t>のつもりが</a:t>
+              <a:t>の単体テストのつもりが</a:t>
             </a:r>
             <a:r>
               <a:rPr lang="en-US" altLang="ja-JP" dirty="0" smtClean="0">
@@ -24550,14 +25576,14 @@
   <p:timing>
     <p:tnLst>
       <p:par>
-        <p:cTn xmlns:p14="http://schemas.microsoft.com/office/powerpoint/2010/main" id="1" dur="indefinite" restart="never" nodeType="tmRoot"/>
+        <p:cTn id="1" dur="indefinite" restart="never" nodeType="tmRoot"/>
       </p:par>
     </p:tnLst>
   </p:timing>
 </p:sld>
 </file>
 
-<file path=ppt/slides/slide43.xml><?xml version="1.0" encoding="utf-8"?>
+<file path=ppt/slides/slide52.xml><?xml version="1.0" encoding="utf-8"?>
 <p:sld xmlns:a="http://schemas.openxmlformats.org/drawingml/2006/main" xmlns:r="http://schemas.openxmlformats.org/officeDocument/2006/relationships" xmlns:p="http://schemas.openxmlformats.org/presentationml/2006/main">
   <p:cSld>
     <p:spTree>
@@ -24676,14 +25702,14 @@
   <p:timing>
     <p:tnLst>
       <p:par>
-        <p:cTn xmlns:p14="http://schemas.microsoft.com/office/powerpoint/2010/main" id="1" dur="indefinite" restart="never" nodeType="tmRoot"/>
+        <p:cTn id="1" dur="indefinite" restart="never" nodeType="tmRoot"/>
       </p:par>
     </p:tnLst>
   </p:timing>
 </p:sld>
 </file>
 
-<file path=ppt/slides/slide44.xml><?xml version="1.0" encoding="utf-8"?>
+<file path=ppt/slides/slide53.xml><?xml version="1.0" encoding="utf-8"?>
 <p:sld xmlns:a="http://schemas.openxmlformats.org/drawingml/2006/main" xmlns:r="http://schemas.openxmlformats.org/officeDocument/2006/relationships" xmlns:p="http://schemas.openxmlformats.org/presentationml/2006/main">
   <p:cSld>
     <p:spTree>
@@ -24781,14 +25807,14 @@
   <p:timing>
     <p:tnLst>
       <p:par>
-        <p:cTn xmlns:p14="http://schemas.microsoft.com/office/powerpoint/2010/main" id="1" dur="indefinite" restart="never" nodeType="tmRoot"/>
+        <p:cTn id="1" dur="indefinite" restart="never" nodeType="tmRoot"/>
       </p:par>
     </p:tnLst>
   </p:timing>
 </p:sld>
 </file>
 
-<file path=ppt/slides/slide45.xml><?xml version="1.0" encoding="utf-8"?>
+<file path=ppt/slides/slide54.xml><?xml version="1.0" encoding="utf-8"?>
 <p:sld xmlns:a="http://schemas.openxmlformats.org/drawingml/2006/main" xmlns:r="http://schemas.openxmlformats.org/officeDocument/2006/relationships" xmlns:p="http://schemas.openxmlformats.org/presentationml/2006/main">
   <p:cSld>
     <p:spTree>
@@ -24917,14 +25943,14 @@
   <p:timing>
     <p:tnLst>
       <p:par>
-        <p:cTn xmlns:p14="http://schemas.microsoft.com/office/powerpoint/2010/main" id="1" dur="indefinite" restart="never" nodeType="tmRoot"/>
+        <p:cTn id="1" dur="indefinite" restart="never" nodeType="tmRoot"/>
       </p:par>
     </p:tnLst>
   </p:timing>
 </p:sld>
 </file>
 
-<file path=ppt/slides/slide46.xml><?xml version="1.0" encoding="utf-8"?>
+<file path=ppt/slides/slide55.xml><?xml version="1.0" encoding="utf-8"?>
 <p:sld xmlns:a="http://schemas.openxmlformats.org/drawingml/2006/main" xmlns:r="http://schemas.openxmlformats.org/officeDocument/2006/relationships" xmlns:p="http://schemas.openxmlformats.org/presentationml/2006/main">
   <p:cSld>
     <p:spTree>
@@ -25053,147 +26079,7 @@
   <p:timing>
     <p:tnLst>
       <p:par>
-        <p:cTn xmlns:p14="http://schemas.microsoft.com/office/powerpoint/2010/main" id="1" dur="indefinite" restart="never" nodeType="tmRoot"/>
-      </p:par>
-    </p:tnLst>
-  </p:timing>
-</p:sld>
-</file>
-
-<file path=ppt/slides/slide5.xml><?xml version="1.0" encoding="utf-8"?>
-<p:sld xmlns:a="http://schemas.openxmlformats.org/drawingml/2006/main" xmlns:r="http://schemas.openxmlformats.org/officeDocument/2006/relationships" xmlns:p="http://schemas.openxmlformats.org/presentationml/2006/main">
-  <p:cSld>
-    <p:spTree>
-      <p:nvGrpSpPr>
-        <p:cNvPr id="1" name=""/>
-        <p:cNvGrpSpPr/>
-        <p:nvPr/>
-      </p:nvGrpSpPr>
-      <p:grpSpPr>
-        <a:xfrm>
-          <a:off x="0" y="0"/>
-          <a:ext cx="0" cy="0"/>
-          <a:chOff x="0" y="0"/>
-          <a:chExt cx="0" cy="0"/>
-        </a:xfrm>
-      </p:grpSpPr>
-      <p:sp>
-        <p:nvSpPr>
-          <p:cNvPr id="2" name="タイトル 1"/>
-          <p:cNvSpPr>
-            <a:spLocks noGrp="1"/>
-          </p:cNvSpPr>
-          <p:nvPr>
-            <p:ph type="title"/>
-          </p:nvPr>
-        </p:nvSpPr>
-        <p:spPr/>
-        <p:txBody>
-          <a:bodyPr/>
-          <a:lstStyle/>
-          <a:p>
-            <a:r>
-              <a:rPr kumimoji="1" lang="ja-JP" altLang="en-US" dirty="0" smtClean="0"/>
-              <a:t>本日の内容</a:t>
-            </a:r>
-            <a:endParaRPr kumimoji="1" lang="ja-JP" altLang="en-US" dirty="0"/>
-          </a:p>
-        </p:txBody>
-      </p:sp>
-      <p:sp>
-        <p:nvSpPr>
-          <p:cNvPr id="3" name="コンテンツ プレースホルダー 2"/>
-          <p:cNvSpPr>
-            <a:spLocks noGrp="1"/>
-          </p:cNvSpPr>
-          <p:nvPr>
-            <p:ph idx="1"/>
-          </p:nvPr>
-        </p:nvSpPr>
-        <p:spPr/>
-        <p:txBody>
-          <a:bodyPr/>
-          <a:lstStyle/>
-          <a:p>
-            <a:r>
-              <a:rPr kumimoji="1" lang="ja-JP" altLang="en-US" dirty="0" smtClean="0">
-                <a:solidFill>
-                  <a:srgbClr val="FF0000"/>
-                </a:solidFill>
-              </a:rPr>
-              <a:t>その前に対象の</a:t>
-            </a:r>
-            <a:r>
-              <a:rPr kumimoji="1" lang="en-US" altLang="ja-JP" dirty="0" smtClean="0">
-                <a:solidFill>
-                  <a:srgbClr val="FF0000"/>
-                </a:solidFill>
-              </a:rPr>
-              <a:t>Web</a:t>
-            </a:r>
-            <a:r>
-              <a:rPr kumimoji="1" lang="ja-JP" altLang="en-US" dirty="0" smtClean="0">
-                <a:solidFill>
-                  <a:srgbClr val="FF0000"/>
-                </a:solidFill>
-              </a:rPr>
-              <a:t>アプリについて</a:t>
-            </a:r>
-            <a:endParaRPr kumimoji="1" lang="en-US" altLang="ja-JP" dirty="0" smtClean="0">
-              <a:solidFill>
-                <a:srgbClr val="FF0000"/>
-              </a:solidFill>
-            </a:endParaRPr>
-          </a:p>
-          <a:p>
-            <a:r>
-              <a:rPr lang="en-US" altLang="ja-JP" dirty="0" err="1" smtClean="0"/>
-              <a:t>MSTest</a:t>
-            </a:r>
-            <a:r>
-              <a:rPr lang="ja-JP" altLang="en-US" dirty="0" smtClean="0"/>
-              <a:t>って？</a:t>
-            </a:r>
-            <a:endParaRPr lang="en-US" altLang="ja-JP" dirty="0" smtClean="0"/>
-          </a:p>
-          <a:p>
-            <a:r>
-              <a:rPr kumimoji="1" lang="en-US" altLang="ja-JP" dirty="0" err="1" smtClean="0"/>
-              <a:t>Moq</a:t>
-            </a:r>
-            <a:r>
-              <a:rPr kumimoji="1" lang="ja-JP" altLang="en-US" dirty="0" smtClean="0"/>
-              <a:t>とは</a:t>
-            </a:r>
-            <a:endParaRPr kumimoji="1" lang="en-US" altLang="ja-JP" dirty="0" smtClean="0"/>
-          </a:p>
-          <a:p>
-            <a:r>
-              <a:rPr lang="en-US" altLang="ja-JP" dirty="0" smtClean="0"/>
-              <a:t>DI</a:t>
-            </a:r>
-            <a:r>
-              <a:rPr lang="ja-JP" altLang="en-US" dirty="0" smtClean="0"/>
-              <a:t>の存在意味</a:t>
-            </a:r>
-            <a:endParaRPr kumimoji="1" lang="ja-JP" altLang="en-US" dirty="0"/>
-          </a:p>
-        </p:txBody>
-      </p:sp>
-    </p:spTree>
-    <p:extLst>
-      <p:ext uri="{BB962C8B-B14F-4D97-AF65-F5344CB8AC3E}">
-        <p14:creationId xmlns:p14="http://schemas.microsoft.com/office/powerpoint/2010/main" val="3290869424"/>
-      </p:ext>
-    </p:extLst>
-  </p:cSld>
-  <p:clrMapOvr>
-    <a:masterClrMapping/>
-  </p:clrMapOvr>
-  <p:timing>
-    <p:tnLst>
-      <p:par>
-        <p:cTn xmlns:p14="http://schemas.microsoft.com/office/powerpoint/2010/main" id="1" dur="indefinite" restart="never" nodeType="tmRoot"/>
+        <p:cTn id="1" dur="indefinite" restart="never" nodeType="tmRoot"/>
       </p:par>
     </p:tnLst>
   </p:timing>
@@ -25332,7 +26218,7 @@
   <p:timing>
     <p:tnLst>
       <p:par>
-        <p:cTn xmlns:p14="http://schemas.microsoft.com/office/powerpoint/2010/main" id="1" dur="indefinite" restart="never" nodeType="tmRoot"/>
+        <p:cTn id="1" dur="indefinite" restart="never" nodeType="tmRoot"/>
       </p:par>
     </p:tnLst>
   </p:timing>
@@ -25489,7 +26375,7 @@
   <p:timing>
     <p:tnLst>
       <p:par>
-        <p:cTn xmlns:p14="http://schemas.microsoft.com/office/powerpoint/2010/main" id="1" dur="indefinite" restart="never" nodeType="tmRoot"/>
+        <p:cTn id="1" dur="indefinite" restart="never" nodeType="tmRoot"/>
       </p:par>
     </p:tnLst>
   </p:timing>
@@ -25596,7 +26482,7 @@
   <p:timing>
     <p:tnLst>
       <p:par>
-        <p:cTn xmlns:p14="http://schemas.microsoft.com/office/powerpoint/2010/main" id="1" dur="indefinite" restart="never" nodeType="tmRoot"/>
+        <p:cTn id="1" dur="indefinite" restart="never" nodeType="tmRoot"/>
       </p:par>
     </p:tnLst>
   </p:timing>
@@ -27206,7 +28092,7 @@
   <p:timing>
     <p:tnLst>
       <p:par>
-        <p:cTn xmlns:p14="http://schemas.microsoft.com/office/powerpoint/2010/main" id="1" dur="indefinite" restart="never" nodeType="tmRoot"/>
+        <p:cTn id="1" dur="indefinite" restart="never" nodeType="tmRoot"/>
       </p:par>
     </p:tnLst>
   </p:timing>

--- a/document/勉強会.pptx
+++ b/document/勉強会.pptx
@@ -9067,6 +9067,13 @@
   <p:clrMapOvr>
     <a:masterClrMapping/>
   </p:clrMapOvr>
+  <p:timing>
+    <p:tnLst>
+      <p:par>
+        <p:cTn id="1" dur="indefinite" restart="never" nodeType="tmRoot"/>
+      </p:par>
+    </p:tnLst>
+  </p:timing>
 </p:sld>
 </file>
 
@@ -9132,8 +9139,8 @@
         </p:blipFill>
         <p:spPr>
           <a:xfrm>
-            <a:off x="824023" y="1181366"/>
-            <a:ext cx="7495953" cy="4051867"/>
+            <a:off x="432000" y="1058573"/>
+            <a:ext cx="8280000" cy="4475676"/>
           </a:xfrm>
           <a:prstGeom prst="rect">
             <a:avLst/>
@@ -9150,6 +9157,13 @@
   <p:clrMapOvr>
     <a:masterClrMapping/>
   </p:clrMapOvr>
+  <p:timing>
+    <p:tnLst>
+      <p:par>
+        <p:cTn id="1" dur="indefinite" restart="never" nodeType="tmRoot"/>
+      </p:par>
+    </p:tnLst>
+  </p:timing>
 </p:sld>
 </file>
 
@@ -9215,8 +9229,8 @@
         </p:blipFill>
         <p:spPr>
           <a:xfrm>
-            <a:off x="818707" y="1181366"/>
-            <a:ext cx="7772400" cy="4201298"/>
+            <a:off x="432000" y="1064322"/>
+            <a:ext cx="8280000" cy="4475676"/>
           </a:xfrm>
           <a:prstGeom prst="rect">
             <a:avLst/>
@@ -9233,6 +9247,13 @@
   <p:clrMapOvr>
     <a:masterClrMapping/>
   </p:clrMapOvr>
+  <p:timing>
+    <p:tnLst>
+      <p:par>
+        <p:cTn id="1" dur="indefinite" restart="never" nodeType="tmRoot"/>
+      </p:par>
+    </p:tnLst>
+  </p:timing>
 </p:sld>
 </file>
 
@@ -9298,8 +9319,8 @@
         </p:blipFill>
         <p:spPr>
           <a:xfrm>
-            <a:off x="797442" y="1064333"/>
-            <a:ext cx="7889358" cy="4264518"/>
+            <a:off x="432000" y="1064334"/>
+            <a:ext cx="8280000" cy="4475677"/>
           </a:xfrm>
           <a:prstGeom prst="rect">
             <a:avLst/>
@@ -9316,6 +9337,13 @@
   <p:clrMapOvr>
     <a:masterClrMapping/>
   </p:clrMapOvr>
+  <p:timing>
+    <p:tnLst>
+      <p:par>
+        <p:cTn id="1" dur="indefinite" restart="never" nodeType="tmRoot"/>
+      </p:par>
+    </p:tnLst>
+  </p:timing>
 </p:sld>
 </file>
 
@@ -9476,8 +9504,8 @@
         </p:blipFill>
         <p:spPr>
           <a:xfrm>
-            <a:off x="606055" y="1156290"/>
-            <a:ext cx="7719237" cy="4172561"/>
+            <a:off x="432000" y="1061194"/>
+            <a:ext cx="8280000" cy="4475676"/>
           </a:xfrm>
           <a:prstGeom prst="rect">
             <a:avLst/>
@@ -9494,6 +9522,13 @@
   <p:clrMapOvr>
     <a:masterClrMapping/>
   </p:clrMapOvr>
+  <p:timing>
+    <p:tnLst>
+      <p:par>
+        <p:cTn id="1" dur="indefinite" restart="never" nodeType="tmRoot"/>
+      </p:par>
+    </p:tnLst>
+  </p:timing>
 </p:sld>
 </file>
 
@@ -9559,8 +9594,8 @@
         </p:blipFill>
         <p:spPr>
           <a:xfrm>
-            <a:off x="606654" y="1041991"/>
-            <a:ext cx="7930691" cy="4286860"/>
+            <a:off x="432000" y="1063936"/>
+            <a:ext cx="8280000" cy="4475676"/>
           </a:xfrm>
           <a:prstGeom prst="rect">
             <a:avLst/>
@@ -9577,6 +9612,13 @@
   <p:clrMapOvr>
     <a:masterClrMapping/>
   </p:clrMapOvr>
+  <p:timing>
+    <p:tnLst>
+      <p:par>
+        <p:cTn id="1" dur="indefinite" restart="never" nodeType="tmRoot"/>
+      </p:par>
+    </p:tnLst>
+  </p:timing>
 </p:sld>
 </file>
 
@@ -9646,8 +9688,8 @@
         </p:blipFill>
         <p:spPr>
           <a:xfrm>
-            <a:off x="580008" y="1085673"/>
-            <a:ext cx="7983984" cy="4315667"/>
+            <a:off x="432000" y="1063727"/>
+            <a:ext cx="8280000" cy="4475676"/>
           </a:xfrm>
           <a:prstGeom prst="rect">
             <a:avLst/>
@@ -9740,8 +9782,8 @@
         </p:blipFill>
         <p:spPr>
           <a:xfrm>
-            <a:off x="1786268" y="1260089"/>
-            <a:ext cx="5815335" cy="4018975"/>
+            <a:off x="1692000" y="1260089"/>
+            <a:ext cx="5760000" cy="3980733"/>
           </a:xfrm>
           <a:prstGeom prst="rect">
             <a:avLst/>
@@ -9834,8 +9876,8 @@
         </p:blipFill>
         <p:spPr>
           <a:xfrm>
-            <a:off x="2126511" y="1273801"/>
-            <a:ext cx="5475172" cy="4088602"/>
+            <a:off x="1692000" y="1105547"/>
+            <a:ext cx="5760000" cy="4301297"/>
           </a:xfrm>
           <a:prstGeom prst="rect">
             <a:avLst/>
@@ -9928,8 +9970,8 @@
         </p:blipFill>
         <p:spPr>
           <a:xfrm>
-            <a:off x="1137683" y="1386183"/>
-            <a:ext cx="7293935" cy="3942668"/>
+            <a:off x="432000" y="1064320"/>
+            <a:ext cx="8280000" cy="4475676"/>
           </a:xfrm>
           <a:prstGeom prst="rect">
             <a:avLst/>
@@ -10309,6 +10351,13 @@
   <p:clrMapOvr>
     <a:masterClrMapping/>
   </p:clrMapOvr>
+  <p:timing>
+    <p:tnLst>
+      <p:par>
+        <p:cTn id="1" dur="indefinite" restart="never" nodeType="tmRoot"/>
+      </p:par>
+    </p:tnLst>
+  </p:timing>
 </p:sld>
 </file>
 
@@ -10606,6 +10655,13 @@
   <p:clrMapOvr>
     <a:masterClrMapping/>
   </p:clrMapOvr>
+  <p:timing>
+    <p:tnLst>
+      <p:par>
+        <p:cTn id="1" dur="indefinite" restart="never" nodeType="tmRoot"/>
+      </p:par>
+    </p:tnLst>
+  </p:timing>
 </p:sld>
 </file>
 
@@ -11112,6 +11168,13 @@
   <p:clrMapOvr>
     <a:masterClrMapping/>
   </p:clrMapOvr>
+  <p:timing>
+    <p:tnLst>
+      <p:par>
+        <p:cTn id="1" dur="indefinite" restart="never" nodeType="tmRoot"/>
+      </p:par>
+    </p:tnLst>
+  </p:timing>
 </p:sld>
 </file>
 
@@ -20007,6 +20070,13 @@
   <p:clrMapOvr>
     <a:masterClrMapping/>
   </p:clrMapOvr>
+  <p:timing>
+    <p:tnLst>
+      <p:par>
+        <p:cTn id="1" dur="indefinite" restart="never" nodeType="tmRoot"/>
+      </p:par>
+    </p:tnLst>
+  </p:timing>
 </p:sld>
 </file>
 
@@ -23931,6 +24001,13 @@
   <p:clrMapOvr>
     <a:masterClrMapping/>
   </p:clrMapOvr>
+  <p:timing>
+    <p:tnLst>
+      <p:par>
+        <p:cTn id="1" dur="indefinite" restart="never" nodeType="tmRoot"/>
+      </p:par>
+    </p:tnLst>
+  </p:timing>
 </p:sld>
 </file>
 
@@ -25268,6 +25345,13 @@
   <p:clrMapOvr>
     <a:masterClrMapping/>
   </p:clrMapOvr>
+  <p:timing>
+    <p:tnLst>
+      <p:par>
+        <p:cTn id="1" dur="indefinite" restart="never" nodeType="tmRoot"/>
+      </p:par>
+    </p:tnLst>
+  </p:timing>
 </p:sld>
 </file>
 
